--- a/misc/user_interface_designs.pptx
+++ b/misc/user_interface_designs.pptx
@@ -14,9 +14,9 @@
     <p:sldId id="264" r:id="rId5"/>
     <p:sldId id="265" r:id="rId6"/>
     <p:sldId id="266" r:id="rId7"/>
-    <p:sldId id="267" r:id="rId8"/>
-    <p:sldId id="268" r:id="rId9"/>
-    <p:sldId id="269" r:id="rId10"/>
+    <p:sldId id="268" r:id="rId8"/>
+    <p:sldId id="269" r:id="rId9"/>
+    <p:sldId id="273" r:id="rId10"/>
     <p:sldId id="270" r:id="rId11"/>
     <p:sldId id="271" r:id="rId12"/>
   </p:sldIdLst>
@@ -224,6 +224,11 @@
       </a:defRPr>
     </a:lvl9pPr>
   </p:defaultTextStyle>
+  <p:extLst>
+    <p:ext uri="{EFAFB233-063F-42B5-8137-9DF3F51BA10A}">
+      <p15:sldGuideLst xmlns:p15="http://schemas.microsoft.com/office/powerpoint/2012/main"/>
+    </p:ext>
+  </p:extLst>
 </p:presentation>
 </file>
 
@@ -1339,7 +1344,7 @@
   <p:cSld>
     <p:spTree>
       <p:nvGrpSpPr>
-        <p:cNvPr id="1" name="Shape 858"/>
+        <p:cNvPr id="1" name="Shape 900"/>
         <p:cNvGrpSpPr/>
         <p:nvPr/>
       </p:nvGrpSpPr>
@@ -1353,7 +1358,7 @@
       </p:grpSpPr>
       <p:sp>
         <p:nvSpPr>
-          <p:cNvPr id="859" name="Shape 859"/>
+          <p:cNvPr id="901" name="Shape 901"/>
           <p:cNvSpPr>
             <a:spLocks noGrp="1" noRot="1" noChangeAspect="1"/>
           </p:cNvSpPr>
@@ -1394,7 +1399,7 @@
       </p:sp>
       <p:sp>
         <p:nvSpPr>
-          <p:cNvPr id="860" name="Shape 860"/>
+          <p:cNvPr id="902" name="Shape 902"/>
           <p:cNvSpPr txBox="1">
             <a:spLocks noGrp="1"/>
           </p:cNvSpPr>
@@ -1425,7 +1430,7 @@
             </a:pPr>
             <a:r>
               <a:rPr lang="en"/>
-              <a:t>Rate Event</a:t>
+              <a:t>Pay Event</a:t>
             </a:r>
           </a:p>
         </p:txBody>
@@ -1443,7 +1448,7 @@
   <p:cSld>
     <p:spTree>
       <p:nvGrpSpPr>
-        <p:cNvPr id="1" name="Shape 900"/>
+        <p:cNvPr id="1" name="Shape 937"/>
         <p:cNvGrpSpPr/>
         <p:nvPr/>
       </p:nvGrpSpPr>
@@ -1457,7 +1462,7 @@
       </p:grpSpPr>
       <p:sp>
         <p:nvSpPr>
-          <p:cNvPr id="901" name="Shape 901"/>
+          <p:cNvPr id="938" name="Shape 938"/>
           <p:cNvSpPr>
             <a:spLocks noGrp="1" noRot="1" noChangeAspect="1"/>
           </p:cNvSpPr>
@@ -1498,7 +1503,7 @@
       </p:sp>
       <p:sp>
         <p:nvSpPr>
-          <p:cNvPr id="902" name="Shape 902"/>
+          <p:cNvPr id="939" name="Shape 939"/>
           <p:cNvSpPr txBox="1">
             <a:spLocks noGrp="1"/>
           </p:cNvSpPr>
@@ -1529,8 +1534,17 @@
             </a:pPr>
             <a:r>
               <a:rPr lang="en"/>
-              <a:t>Pay Event</a:t>
+              <a:t>Create/Edit Event</a:t>
             </a:r>
+          </a:p>
+          <a:p>
+            <a:pPr lvl="0" rtl="0">
+              <a:spcBef>
+                <a:spcPts val="0"/>
+              </a:spcBef>
+              <a:buNone/>
+            </a:pPr>
+            <a:endParaRPr/>
           </a:p>
         </p:txBody>
       </p:sp>
@@ -1632,22 +1646,19 @@
               <a:buNone/>
             </a:pPr>
             <a:r>
-              <a:rPr lang="en"/>
-              <a:t>Create/Edit Event</a:t>
+              <a:rPr lang="en-US" dirty="0"/>
+              <a:t>Event details</a:t>
             </a:r>
-          </a:p>
-          <a:p>
-            <a:pPr lvl="0" rtl="0">
-              <a:spcBef>
-                <a:spcPts val="0"/>
-              </a:spcBef>
-              <a:buNone/>
-            </a:pPr>
-            <a:endParaRPr/>
+            <a:endParaRPr dirty="0"/>
           </a:p>
         </p:txBody>
       </p:sp>
     </p:spTree>
+    <p:extLst>
+      <p:ext uri="{BB962C8B-B14F-4D97-AF65-F5344CB8AC3E}">
+        <p14:creationId xmlns:p14="http://schemas.microsoft.com/office/powerpoint/2010/main" val="1676845611"/>
+      </p:ext>
+    </p:extLst>
   </p:cSld>
   <p:clrMapOvr>
     <a:masterClrMapping/>
@@ -1965,6 +1976,1706 @@
 </file>
 
 <file path=ppt/slideLayouts/slideLayout10.xml><?xml version="1.0" encoding="utf-8"?>
+<p:sldLayout xmlns:a="http://schemas.openxmlformats.org/drawingml/2006/main" xmlns:r="http://schemas.openxmlformats.org/officeDocument/2006/relationships" xmlns:p="http://schemas.openxmlformats.org/presentationml/2006/main" type="blank">
+  <p:cSld name="Blank">
+    <p:spTree>
+      <p:nvGrpSpPr>
+        <p:cNvPr id="1" name="Shape 48"/>
+        <p:cNvGrpSpPr/>
+        <p:nvPr/>
+      </p:nvGrpSpPr>
+      <p:grpSpPr>
+        <a:xfrm>
+          <a:off x="0" y="0"/>
+          <a:ext cx="0" cy="0"/>
+          <a:chOff x="0" y="0"/>
+          <a:chExt cx="0" cy="0"/>
+        </a:xfrm>
+      </p:grpSpPr>
+      <p:sp>
+        <p:nvSpPr>
+          <p:cNvPr id="49" name="Shape 49"/>
+          <p:cNvSpPr txBox="1">
+            <a:spLocks noGrp="1"/>
+          </p:cNvSpPr>
+          <p:nvPr>
+            <p:ph type="sldNum" idx="12"/>
+          </p:nvPr>
+        </p:nvSpPr>
+        <p:spPr>
+          <a:xfrm>
+            <a:off x="8472457" y="4663216"/>
+            <a:ext cx="548700" cy="393600"/>
+          </a:xfrm>
+          <a:prstGeom prst="rect">
+            <a:avLst/>
+          </a:prstGeom>
+        </p:spPr>
+        <p:txBody>
+          <a:bodyPr lIns="91425" tIns="91425" rIns="91425" bIns="91425" anchor="ctr" anchorCtr="0">
+            <a:noAutofit/>
+          </a:bodyPr>
+          <a:lstStyle/>
+          <a:p>
+            <a:pPr lvl="0">
+              <a:spcBef>
+                <a:spcPts val="0"/>
+              </a:spcBef>
+              <a:buNone/>
+            </a:pPr>
+            <a:fld id="{00000000-1234-1234-1234-123412341234}" type="slidenum">
+              <a:rPr lang="en"/>
+              <a:t>‹#›</a:t>
+            </a:fld>
+            <a:endParaRPr lang="en"/>
+          </a:p>
+        </p:txBody>
+      </p:sp>
+    </p:spTree>
+  </p:cSld>
+  <p:clrMapOvr>
+    <a:masterClrMapping/>
+  </p:clrMapOvr>
+</p:sldLayout>
+</file>
+
+<file path=ppt/slideLayouts/slideLayout2.xml><?xml version="1.0" encoding="utf-8"?>
+<p:sldLayout xmlns:a="http://schemas.openxmlformats.org/drawingml/2006/main" xmlns:r="http://schemas.openxmlformats.org/officeDocument/2006/relationships" xmlns:p="http://schemas.openxmlformats.org/presentationml/2006/main" type="tx">
+  <p:cSld name="Title and body">
+    <p:spTree>
+      <p:nvGrpSpPr>
+        <p:cNvPr id="1" name="Shape 16"/>
+        <p:cNvGrpSpPr/>
+        <p:nvPr/>
+      </p:nvGrpSpPr>
+      <p:grpSpPr>
+        <a:xfrm>
+          <a:off x="0" y="0"/>
+          <a:ext cx="0" cy="0"/>
+          <a:chOff x="0" y="0"/>
+          <a:chExt cx="0" cy="0"/>
+        </a:xfrm>
+      </p:grpSpPr>
+      <p:sp>
+        <p:nvSpPr>
+          <p:cNvPr id="17" name="Shape 17"/>
+          <p:cNvSpPr txBox="1">
+            <a:spLocks noGrp="1"/>
+          </p:cNvSpPr>
+          <p:nvPr>
+            <p:ph type="title"/>
+          </p:nvPr>
+        </p:nvSpPr>
+        <p:spPr>
+          <a:xfrm>
+            <a:off x="311700" y="445025"/>
+            <a:ext cx="8520600" cy="572700"/>
+          </a:xfrm>
+          <a:prstGeom prst="rect">
+            <a:avLst/>
+          </a:prstGeom>
+        </p:spPr>
+        <p:txBody>
+          <a:bodyPr lIns="91425" tIns="91425" rIns="91425" bIns="91425" anchor="t" anchorCtr="0"/>
+          <a:lstStyle>
+            <a:lvl1pPr lvl="0">
+              <a:spcBef>
+                <a:spcPts val="0"/>
+              </a:spcBef>
+              <a:defRPr/>
+            </a:lvl1pPr>
+            <a:lvl2pPr lvl="1">
+              <a:spcBef>
+                <a:spcPts val="0"/>
+              </a:spcBef>
+              <a:defRPr/>
+            </a:lvl2pPr>
+            <a:lvl3pPr lvl="2">
+              <a:spcBef>
+                <a:spcPts val="0"/>
+              </a:spcBef>
+              <a:defRPr/>
+            </a:lvl3pPr>
+            <a:lvl4pPr lvl="3">
+              <a:spcBef>
+                <a:spcPts val="0"/>
+              </a:spcBef>
+              <a:defRPr/>
+            </a:lvl4pPr>
+            <a:lvl5pPr lvl="4">
+              <a:spcBef>
+                <a:spcPts val="0"/>
+              </a:spcBef>
+              <a:defRPr/>
+            </a:lvl5pPr>
+            <a:lvl6pPr lvl="5">
+              <a:spcBef>
+                <a:spcPts val="0"/>
+              </a:spcBef>
+              <a:defRPr/>
+            </a:lvl6pPr>
+            <a:lvl7pPr lvl="6">
+              <a:spcBef>
+                <a:spcPts val="0"/>
+              </a:spcBef>
+              <a:defRPr/>
+            </a:lvl7pPr>
+            <a:lvl8pPr lvl="7">
+              <a:spcBef>
+                <a:spcPts val="0"/>
+              </a:spcBef>
+              <a:defRPr/>
+            </a:lvl8pPr>
+            <a:lvl9pPr lvl="8">
+              <a:spcBef>
+                <a:spcPts val="0"/>
+              </a:spcBef>
+              <a:defRPr/>
+            </a:lvl9pPr>
+          </a:lstStyle>
+          <a:p>
+            <a:endParaRPr/>
+          </a:p>
+        </p:txBody>
+      </p:sp>
+      <p:sp>
+        <p:nvSpPr>
+          <p:cNvPr id="18" name="Shape 18"/>
+          <p:cNvSpPr txBox="1">
+            <a:spLocks noGrp="1"/>
+          </p:cNvSpPr>
+          <p:nvPr>
+            <p:ph type="body" idx="1"/>
+          </p:nvPr>
+        </p:nvSpPr>
+        <p:spPr>
+          <a:xfrm>
+            <a:off x="311700" y="1152475"/>
+            <a:ext cx="8520600" cy="3416400"/>
+          </a:xfrm>
+          <a:prstGeom prst="rect">
+            <a:avLst/>
+          </a:prstGeom>
+        </p:spPr>
+        <p:txBody>
+          <a:bodyPr lIns="91425" tIns="91425" rIns="91425" bIns="91425" anchor="t" anchorCtr="0"/>
+          <a:lstStyle>
+            <a:lvl1pPr lvl="0">
+              <a:spcBef>
+                <a:spcPts val="0"/>
+              </a:spcBef>
+              <a:defRPr/>
+            </a:lvl1pPr>
+            <a:lvl2pPr lvl="1">
+              <a:spcBef>
+                <a:spcPts val="0"/>
+              </a:spcBef>
+              <a:defRPr/>
+            </a:lvl2pPr>
+            <a:lvl3pPr lvl="2">
+              <a:spcBef>
+                <a:spcPts val="0"/>
+              </a:spcBef>
+              <a:defRPr/>
+            </a:lvl3pPr>
+            <a:lvl4pPr lvl="3">
+              <a:spcBef>
+                <a:spcPts val="0"/>
+              </a:spcBef>
+              <a:defRPr/>
+            </a:lvl4pPr>
+            <a:lvl5pPr lvl="4">
+              <a:spcBef>
+                <a:spcPts val="0"/>
+              </a:spcBef>
+              <a:defRPr/>
+            </a:lvl5pPr>
+            <a:lvl6pPr lvl="5">
+              <a:spcBef>
+                <a:spcPts val="0"/>
+              </a:spcBef>
+              <a:defRPr/>
+            </a:lvl6pPr>
+            <a:lvl7pPr lvl="6">
+              <a:spcBef>
+                <a:spcPts val="0"/>
+              </a:spcBef>
+              <a:defRPr/>
+            </a:lvl7pPr>
+            <a:lvl8pPr lvl="7">
+              <a:spcBef>
+                <a:spcPts val="0"/>
+              </a:spcBef>
+              <a:defRPr/>
+            </a:lvl8pPr>
+            <a:lvl9pPr lvl="8">
+              <a:spcBef>
+                <a:spcPts val="0"/>
+              </a:spcBef>
+              <a:defRPr/>
+            </a:lvl9pPr>
+          </a:lstStyle>
+          <a:p>
+            <a:endParaRPr/>
+          </a:p>
+        </p:txBody>
+      </p:sp>
+      <p:sp>
+        <p:nvSpPr>
+          <p:cNvPr id="19" name="Shape 19"/>
+          <p:cNvSpPr txBox="1">
+            <a:spLocks noGrp="1"/>
+          </p:cNvSpPr>
+          <p:nvPr>
+            <p:ph type="sldNum" idx="12"/>
+          </p:nvPr>
+        </p:nvSpPr>
+        <p:spPr>
+          <a:xfrm>
+            <a:off x="8472457" y="4663216"/>
+            <a:ext cx="548700" cy="393600"/>
+          </a:xfrm>
+          <a:prstGeom prst="rect">
+            <a:avLst/>
+          </a:prstGeom>
+        </p:spPr>
+        <p:txBody>
+          <a:bodyPr lIns="91425" tIns="91425" rIns="91425" bIns="91425" anchor="ctr" anchorCtr="0">
+            <a:noAutofit/>
+          </a:bodyPr>
+          <a:lstStyle/>
+          <a:p>
+            <a:pPr lvl="0">
+              <a:spcBef>
+                <a:spcPts val="0"/>
+              </a:spcBef>
+              <a:buNone/>
+            </a:pPr>
+            <a:fld id="{00000000-1234-1234-1234-123412341234}" type="slidenum">
+              <a:rPr lang="en"/>
+              <a:t>‹#›</a:t>
+            </a:fld>
+            <a:endParaRPr lang="en"/>
+          </a:p>
+        </p:txBody>
+      </p:sp>
+    </p:spTree>
+  </p:cSld>
+  <p:clrMapOvr>
+    <a:masterClrMapping/>
+  </p:clrMapOvr>
+</p:sldLayout>
+</file>
+
+<file path=ppt/slideLayouts/slideLayout3.xml><?xml version="1.0" encoding="utf-8"?>
+<p:sldLayout xmlns:a="http://schemas.openxmlformats.org/drawingml/2006/main" xmlns:r="http://schemas.openxmlformats.org/officeDocument/2006/relationships" xmlns:p="http://schemas.openxmlformats.org/presentationml/2006/main" type="twoColTx">
+  <p:cSld name="Title and two columns">
+    <p:spTree>
+      <p:nvGrpSpPr>
+        <p:cNvPr id="1" name="Shape 20"/>
+        <p:cNvGrpSpPr/>
+        <p:nvPr/>
+      </p:nvGrpSpPr>
+      <p:grpSpPr>
+        <a:xfrm>
+          <a:off x="0" y="0"/>
+          <a:ext cx="0" cy="0"/>
+          <a:chOff x="0" y="0"/>
+          <a:chExt cx="0" cy="0"/>
+        </a:xfrm>
+      </p:grpSpPr>
+      <p:sp>
+        <p:nvSpPr>
+          <p:cNvPr id="21" name="Shape 21"/>
+          <p:cNvSpPr txBox="1">
+            <a:spLocks noGrp="1"/>
+          </p:cNvSpPr>
+          <p:nvPr>
+            <p:ph type="title"/>
+          </p:nvPr>
+        </p:nvSpPr>
+        <p:spPr>
+          <a:xfrm>
+            <a:off x="311700" y="445025"/>
+            <a:ext cx="8520600" cy="572700"/>
+          </a:xfrm>
+          <a:prstGeom prst="rect">
+            <a:avLst/>
+          </a:prstGeom>
+        </p:spPr>
+        <p:txBody>
+          <a:bodyPr lIns="91425" tIns="91425" rIns="91425" bIns="91425" anchor="t" anchorCtr="0"/>
+          <a:lstStyle>
+            <a:lvl1pPr lvl="0">
+              <a:spcBef>
+                <a:spcPts val="0"/>
+              </a:spcBef>
+              <a:defRPr/>
+            </a:lvl1pPr>
+            <a:lvl2pPr lvl="1">
+              <a:spcBef>
+                <a:spcPts val="0"/>
+              </a:spcBef>
+              <a:defRPr/>
+            </a:lvl2pPr>
+            <a:lvl3pPr lvl="2">
+              <a:spcBef>
+                <a:spcPts val="0"/>
+              </a:spcBef>
+              <a:defRPr/>
+            </a:lvl3pPr>
+            <a:lvl4pPr lvl="3">
+              <a:spcBef>
+                <a:spcPts val="0"/>
+              </a:spcBef>
+              <a:defRPr/>
+            </a:lvl4pPr>
+            <a:lvl5pPr lvl="4">
+              <a:spcBef>
+                <a:spcPts val="0"/>
+              </a:spcBef>
+              <a:defRPr/>
+            </a:lvl5pPr>
+            <a:lvl6pPr lvl="5">
+              <a:spcBef>
+                <a:spcPts val="0"/>
+              </a:spcBef>
+              <a:defRPr/>
+            </a:lvl6pPr>
+            <a:lvl7pPr lvl="6">
+              <a:spcBef>
+                <a:spcPts val="0"/>
+              </a:spcBef>
+              <a:defRPr/>
+            </a:lvl7pPr>
+            <a:lvl8pPr lvl="7">
+              <a:spcBef>
+                <a:spcPts val="0"/>
+              </a:spcBef>
+              <a:defRPr/>
+            </a:lvl8pPr>
+            <a:lvl9pPr lvl="8">
+              <a:spcBef>
+                <a:spcPts val="0"/>
+              </a:spcBef>
+              <a:defRPr/>
+            </a:lvl9pPr>
+          </a:lstStyle>
+          <a:p>
+            <a:endParaRPr/>
+          </a:p>
+        </p:txBody>
+      </p:sp>
+      <p:sp>
+        <p:nvSpPr>
+          <p:cNvPr id="22" name="Shape 22"/>
+          <p:cNvSpPr txBox="1">
+            <a:spLocks noGrp="1"/>
+          </p:cNvSpPr>
+          <p:nvPr>
+            <p:ph type="body" idx="1"/>
+          </p:nvPr>
+        </p:nvSpPr>
+        <p:spPr>
+          <a:xfrm>
+            <a:off x="311700" y="1152475"/>
+            <a:ext cx="3999900" cy="3416400"/>
+          </a:xfrm>
+          <a:prstGeom prst="rect">
+            <a:avLst/>
+          </a:prstGeom>
+        </p:spPr>
+        <p:txBody>
+          <a:bodyPr lIns="91425" tIns="91425" rIns="91425" bIns="91425" anchor="t" anchorCtr="0"/>
+          <a:lstStyle>
+            <a:lvl1pPr lvl="0">
+              <a:spcBef>
+                <a:spcPts val="0"/>
+              </a:spcBef>
+              <a:buSzPct val="100000"/>
+              <a:defRPr sz="1400"/>
+            </a:lvl1pPr>
+            <a:lvl2pPr lvl="1">
+              <a:spcBef>
+                <a:spcPts val="0"/>
+              </a:spcBef>
+              <a:buSzPct val="100000"/>
+              <a:defRPr sz="1200"/>
+            </a:lvl2pPr>
+            <a:lvl3pPr lvl="2">
+              <a:spcBef>
+                <a:spcPts val="0"/>
+              </a:spcBef>
+              <a:buSzPct val="100000"/>
+              <a:defRPr sz="1200"/>
+            </a:lvl3pPr>
+            <a:lvl4pPr lvl="3">
+              <a:spcBef>
+                <a:spcPts val="0"/>
+              </a:spcBef>
+              <a:buSzPct val="100000"/>
+              <a:defRPr sz="1200"/>
+            </a:lvl4pPr>
+            <a:lvl5pPr lvl="4">
+              <a:spcBef>
+                <a:spcPts val="0"/>
+              </a:spcBef>
+              <a:buSzPct val="100000"/>
+              <a:defRPr sz="1200"/>
+            </a:lvl5pPr>
+            <a:lvl6pPr lvl="5">
+              <a:spcBef>
+                <a:spcPts val="0"/>
+              </a:spcBef>
+              <a:buSzPct val="100000"/>
+              <a:defRPr sz="1200"/>
+            </a:lvl6pPr>
+            <a:lvl7pPr lvl="6">
+              <a:spcBef>
+                <a:spcPts val="0"/>
+              </a:spcBef>
+              <a:buSzPct val="100000"/>
+              <a:defRPr sz="1200"/>
+            </a:lvl7pPr>
+            <a:lvl8pPr lvl="7">
+              <a:spcBef>
+                <a:spcPts val="0"/>
+              </a:spcBef>
+              <a:buSzPct val="100000"/>
+              <a:defRPr sz="1200"/>
+            </a:lvl8pPr>
+            <a:lvl9pPr lvl="8">
+              <a:spcBef>
+                <a:spcPts val="0"/>
+              </a:spcBef>
+              <a:buSzPct val="100000"/>
+              <a:defRPr sz="1200"/>
+            </a:lvl9pPr>
+          </a:lstStyle>
+          <a:p>
+            <a:endParaRPr/>
+          </a:p>
+        </p:txBody>
+      </p:sp>
+      <p:sp>
+        <p:nvSpPr>
+          <p:cNvPr id="23" name="Shape 23"/>
+          <p:cNvSpPr txBox="1">
+            <a:spLocks noGrp="1"/>
+          </p:cNvSpPr>
+          <p:nvPr>
+            <p:ph type="body" idx="2"/>
+          </p:nvPr>
+        </p:nvSpPr>
+        <p:spPr>
+          <a:xfrm>
+            <a:off x="4832400" y="1152475"/>
+            <a:ext cx="3999900" cy="3416400"/>
+          </a:xfrm>
+          <a:prstGeom prst="rect">
+            <a:avLst/>
+          </a:prstGeom>
+        </p:spPr>
+        <p:txBody>
+          <a:bodyPr lIns="91425" tIns="91425" rIns="91425" bIns="91425" anchor="t" anchorCtr="0"/>
+          <a:lstStyle>
+            <a:lvl1pPr lvl="0">
+              <a:spcBef>
+                <a:spcPts val="0"/>
+              </a:spcBef>
+              <a:buSzPct val="100000"/>
+              <a:defRPr sz="1400"/>
+            </a:lvl1pPr>
+            <a:lvl2pPr lvl="1">
+              <a:spcBef>
+                <a:spcPts val="0"/>
+              </a:spcBef>
+              <a:buSzPct val="100000"/>
+              <a:defRPr sz="1200"/>
+            </a:lvl2pPr>
+            <a:lvl3pPr lvl="2">
+              <a:spcBef>
+                <a:spcPts val="0"/>
+              </a:spcBef>
+              <a:buSzPct val="100000"/>
+              <a:defRPr sz="1200"/>
+            </a:lvl3pPr>
+            <a:lvl4pPr lvl="3">
+              <a:spcBef>
+                <a:spcPts val="0"/>
+              </a:spcBef>
+              <a:buSzPct val="100000"/>
+              <a:defRPr sz="1200"/>
+            </a:lvl4pPr>
+            <a:lvl5pPr lvl="4">
+              <a:spcBef>
+                <a:spcPts val="0"/>
+              </a:spcBef>
+              <a:buSzPct val="100000"/>
+              <a:defRPr sz="1200"/>
+            </a:lvl5pPr>
+            <a:lvl6pPr lvl="5">
+              <a:spcBef>
+                <a:spcPts val="0"/>
+              </a:spcBef>
+              <a:buSzPct val="100000"/>
+              <a:defRPr sz="1200"/>
+            </a:lvl6pPr>
+            <a:lvl7pPr lvl="6">
+              <a:spcBef>
+                <a:spcPts val="0"/>
+              </a:spcBef>
+              <a:buSzPct val="100000"/>
+              <a:defRPr sz="1200"/>
+            </a:lvl7pPr>
+            <a:lvl8pPr lvl="7">
+              <a:spcBef>
+                <a:spcPts val="0"/>
+              </a:spcBef>
+              <a:buSzPct val="100000"/>
+              <a:defRPr sz="1200"/>
+            </a:lvl8pPr>
+            <a:lvl9pPr lvl="8">
+              <a:spcBef>
+                <a:spcPts val="0"/>
+              </a:spcBef>
+              <a:buSzPct val="100000"/>
+              <a:defRPr sz="1200"/>
+            </a:lvl9pPr>
+          </a:lstStyle>
+          <a:p>
+            <a:endParaRPr/>
+          </a:p>
+        </p:txBody>
+      </p:sp>
+      <p:sp>
+        <p:nvSpPr>
+          <p:cNvPr id="24" name="Shape 24"/>
+          <p:cNvSpPr txBox="1">
+            <a:spLocks noGrp="1"/>
+          </p:cNvSpPr>
+          <p:nvPr>
+            <p:ph type="sldNum" idx="12"/>
+          </p:nvPr>
+        </p:nvSpPr>
+        <p:spPr>
+          <a:xfrm>
+            <a:off x="8472457" y="4663216"/>
+            <a:ext cx="548700" cy="393600"/>
+          </a:xfrm>
+          <a:prstGeom prst="rect">
+            <a:avLst/>
+          </a:prstGeom>
+        </p:spPr>
+        <p:txBody>
+          <a:bodyPr lIns="91425" tIns="91425" rIns="91425" bIns="91425" anchor="ctr" anchorCtr="0">
+            <a:noAutofit/>
+          </a:bodyPr>
+          <a:lstStyle/>
+          <a:p>
+            <a:pPr lvl="0">
+              <a:spcBef>
+                <a:spcPts val="0"/>
+              </a:spcBef>
+              <a:buNone/>
+            </a:pPr>
+            <a:fld id="{00000000-1234-1234-1234-123412341234}" type="slidenum">
+              <a:rPr lang="en"/>
+              <a:t>‹#›</a:t>
+            </a:fld>
+            <a:endParaRPr lang="en"/>
+          </a:p>
+        </p:txBody>
+      </p:sp>
+    </p:spTree>
+  </p:cSld>
+  <p:clrMapOvr>
+    <a:masterClrMapping/>
+  </p:clrMapOvr>
+</p:sldLayout>
+</file>
+
+<file path=ppt/slideLayouts/slideLayout4.xml><?xml version="1.0" encoding="utf-8"?>
+<p:sldLayout xmlns:a="http://schemas.openxmlformats.org/drawingml/2006/main" xmlns:r="http://schemas.openxmlformats.org/officeDocument/2006/relationships" xmlns:p="http://schemas.openxmlformats.org/presentationml/2006/main" type="titleOnly">
+  <p:cSld name="Title only">
+    <p:spTree>
+      <p:nvGrpSpPr>
+        <p:cNvPr id="1" name="Shape 25"/>
+        <p:cNvGrpSpPr/>
+        <p:nvPr/>
+      </p:nvGrpSpPr>
+      <p:grpSpPr>
+        <a:xfrm>
+          <a:off x="0" y="0"/>
+          <a:ext cx="0" cy="0"/>
+          <a:chOff x="0" y="0"/>
+          <a:chExt cx="0" cy="0"/>
+        </a:xfrm>
+      </p:grpSpPr>
+      <p:sp>
+        <p:nvSpPr>
+          <p:cNvPr id="26" name="Shape 26"/>
+          <p:cNvSpPr txBox="1">
+            <a:spLocks noGrp="1"/>
+          </p:cNvSpPr>
+          <p:nvPr>
+            <p:ph type="title"/>
+          </p:nvPr>
+        </p:nvSpPr>
+        <p:spPr>
+          <a:xfrm>
+            <a:off x="311700" y="445025"/>
+            <a:ext cx="8520600" cy="572700"/>
+          </a:xfrm>
+          <a:prstGeom prst="rect">
+            <a:avLst/>
+          </a:prstGeom>
+        </p:spPr>
+        <p:txBody>
+          <a:bodyPr lIns="91425" tIns="91425" rIns="91425" bIns="91425" anchor="t" anchorCtr="0"/>
+          <a:lstStyle>
+            <a:lvl1pPr lvl="0">
+              <a:spcBef>
+                <a:spcPts val="0"/>
+              </a:spcBef>
+              <a:defRPr/>
+            </a:lvl1pPr>
+            <a:lvl2pPr lvl="1">
+              <a:spcBef>
+                <a:spcPts val="0"/>
+              </a:spcBef>
+              <a:defRPr/>
+            </a:lvl2pPr>
+            <a:lvl3pPr lvl="2">
+              <a:spcBef>
+                <a:spcPts val="0"/>
+              </a:spcBef>
+              <a:defRPr/>
+            </a:lvl3pPr>
+            <a:lvl4pPr lvl="3">
+              <a:spcBef>
+                <a:spcPts val="0"/>
+              </a:spcBef>
+              <a:defRPr/>
+            </a:lvl4pPr>
+            <a:lvl5pPr lvl="4">
+              <a:spcBef>
+                <a:spcPts val="0"/>
+              </a:spcBef>
+              <a:defRPr/>
+            </a:lvl5pPr>
+            <a:lvl6pPr lvl="5">
+              <a:spcBef>
+                <a:spcPts val="0"/>
+              </a:spcBef>
+              <a:defRPr/>
+            </a:lvl6pPr>
+            <a:lvl7pPr lvl="6">
+              <a:spcBef>
+                <a:spcPts val="0"/>
+              </a:spcBef>
+              <a:defRPr/>
+            </a:lvl7pPr>
+            <a:lvl8pPr lvl="7">
+              <a:spcBef>
+                <a:spcPts val="0"/>
+              </a:spcBef>
+              <a:defRPr/>
+            </a:lvl8pPr>
+            <a:lvl9pPr lvl="8">
+              <a:spcBef>
+                <a:spcPts val="0"/>
+              </a:spcBef>
+              <a:defRPr/>
+            </a:lvl9pPr>
+          </a:lstStyle>
+          <a:p>
+            <a:endParaRPr/>
+          </a:p>
+        </p:txBody>
+      </p:sp>
+      <p:sp>
+        <p:nvSpPr>
+          <p:cNvPr id="27" name="Shape 27"/>
+          <p:cNvSpPr txBox="1">
+            <a:spLocks noGrp="1"/>
+          </p:cNvSpPr>
+          <p:nvPr>
+            <p:ph type="sldNum" idx="12"/>
+          </p:nvPr>
+        </p:nvSpPr>
+        <p:spPr>
+          <a:xfrm>
+            <a:off x="8472457" y="4663216"/>
+            <a:ext cx="548700" cy="393600"/>
+          </a:xfrm>
+          <a:prstGeom prst="rect">
+            <a:avLst/>
+          </a:prstGeom>
+        </p:spPr>
+        <p:txBody>
+          <a:bodyPr lIns="91425" tIns="91425" rIns="91425" bIns="91425" anchor="ctr" anchorCtr="0">
+            <a:noAutofit/>
+          </a:bodyPr>
+          <a:lstStyle/>
+          <a:p>
+            <a:pPr lvl="0">
+              <a:spcBef>
+                <a:spcPts val="0"/>
+              </a:spcBef>
+              <a:buNone/>
+            </a:pPr>
+            <a:fld id="{00000000-1234-1234-1234-123412341234}" type="slidenum">
+              <a:rPr lang="en"/>
+              <a:t>‹#›</a:t>
+            </a:fld>
+            <a:endParaRPr lang="en"/>
+          </a:p>
+        </p:txBody>
+      </p:sp>
+    </p:spTree>
+  </p:cSld>
+  <p:clrMapOvr>
+    <a:masterClrMapping/>
+  </p:clrMapOvr>
+</p:sldLayout>
+</file>
+
+<file path=ppt/slideLayouts/slideLayout5.xml><?xml version="1.0" encoding="utf-8"?>
+<p:sldLayout xmlns:a="http://schemas.openxmlformats.org/drawingml/2006/main" xmlns:r="http://schemas.openxmlformats.org/officeDocument/2006/relationships" xmlns:p="http://schemas.openxmlformats.org/presentationml/2006/main">
+  <p:cSld name="One column text">
+    <p:spTree>
+      <p:nvGrpSpPr>
+        <p:cNvPr id="1" name="Shape 28"/>
+        <p:cNvGrpSpPr/>
+        <p:nvPr/>
+      </p:nvGrpSpPr>
+      <p:grpSpPr>
+        <a:xfrm>
+          <a:off x="0" y="0"/>
+          <a:ext cx="0" cy="0"/>
+          <a:chOff x="0" y="0"/>
+          <a:chExt cx="0" cy="0"/>
+        </a:xfrm>
+      </p:grpSpPr>
+      <p:sp>
+        <p:nvSpPr>
+          <p:cNvPr id="29" name="Shape 29"/>
+          <p:cNvSpPr txBox="1">
+            <a:spLocks noGrp="1"/>
+          </p:cNvSpPr>
+          <p:nvPr>
+            <p:ph type="title"/>
+          </p:nvPr>
+        </p:nvSpPr>
+        <p:spPr>
+          <a:xfrm>
+            <a:off x="311700" y="555600"/>
+            <a:ext cx="2808000" cy="755700"/>
+          </a:xfrm>
+          <a:prstGeom prst="rect">
+            <a:avLst/>
+          </a:prstGeom>
+        </p:spPr>
+        <p:txBody>
+          <a:bodyPr lIns="91425" tIns="91425" rIns="91425" bIns="91425" anchor="b" anchorCtr="0"/>
+          <a:lstStyle>
+            <a:lvl1pPr lvl="0">
+              <a:spcBef>
+                <a:spcPts val="0"/>
+              </a:spcBef>
+              <a:buSzPct val="100000"/>
+              <a:defRPr sz="2400"/>
+            </a:lvl1pPr>
+            <a:lvl2pPr lvl="1">
+              <a:spcBef>
+                <a:spcPts val="0"/>
+              </a:spcBef>
+              <a:buSzPct val="100000"/>
+              <a:defRPr sz="2400"/>
+            </a:lvl2pPr>
+            <a:lvl3pPr lvl="2">
+              <a:spcBef>
+                <a:spcPts val="0"/>
+              </a:spcBef>
+              <a:buSzPct val="100000"/>
+              <a:defRPr sz="2400"/>
+            </a:lvl3pPr>
+            <a:lvl4pPr lvl="3">
+              <a:spcBef>
+                <a:spcPts val="0"/>
+              </a:spcBef>
+              <a:buSzPct val="100000"/>
+              <a:defRPr sz="2400"/>
+            </a:lvl4pPr>
+            <a:lvl5pPr lvl="4">
+              <a:spcBef>
+                <a:spcPts val="0"/>
+              </a:spcBef>
+              <a:buSzPct val="100000"/>
+              <a:defRPr sz="2400"/>
+            </a:lvl5pPr>
+            <a:lvl6pPr lvl="5">
+              <a:spcBef>
+                <a:spcPts val="0"/>
+              </a:spcBef>
+              <a:buSzPct val="100000"/>
+              <a:defRPr sz="2400"/>
+            </a:lvl6pPr>
+            <a:lvl7pPr lvl="6">
+              <a:spcBef>
+                <a:spcPts val="0"/>
+              </a:spcBef>
+              <a:buSzPct val="100000"/>
+              <a:defRPr sz="2400"/>
+            </a:lvl7pPr>
+            <a:lvl8pPr lvl="7">
+              <a:spcBef>
+                <a:spcPts val="0"/>
+              </a:spcBef>
+              <a:buSzPct val="100000"/>
+              <a:defRPr sz="2400"/>
+            </a:lvl8pPr>
+            <a:lvl9pPr lvl="8">
+              <a:spcBef>
+                <a:spcPts val="0"/>
+              </a:spcBef>
+              <a:buSzPct val="100000"/>
+              <a:defRPr sz="2400"/>
+            </a:lvl9pPr>
+          </a:lstStyle>
+          <a:p>
+            <a:endParaRPr/>
+          </a:p>
+        </p:txBody>
+      </p:sp>
+      <p:sp>
+        <p:nvSpPr>
+          <p:cNvPr id="30" name="Shape 30"/>
+          <p:cNvSpPr txBox="1">
+            <a:spLocks noGrp="1"/>
+          </p:cNvSpPr>
+          <p:nvPr>
+            <p:ph type="body" idx="1"/>
+          </p:nvPr>
+        </p:nvSpPr>
+        <p:spPr>
+          <a:xfrm>
+            <a:off x="311700" y="1389600"/>
+            <a:ext cx="2808000" cy="3179400"/>
+          </a:xfrm>
+          <a:prstGeom prst="rect">
+            <a:avLst/>
+          </a:prstGeom>
+        </p:spPr>
+        <p:txBody>
+          <a:bodyPr lIns="91425" tIns="91425" rIns="91425" bIns="91425" anchor="t" anchorCtr="0"/>
+          <a:lstStyle>
+            <a:lvl1pPr lvl="0">
+              <a:spcBef>
+                <a:spcPts val="0"/>
+              </a:spcBef>
+              <a:buSzPct val="100000"/>
+              <a:defRPr sz="1200"/>
+            </a:lvl1pPr>
+            <a:lvl2pPr lvl="1">
+              <a:spcBef>
+                <a:spcPts val="0"/>
+              </a:spcBef>
+              <a:buSzPct val="100000"/>
+              <a:defRPr sz="1200"/>
+            </a:lvl2pPr>
+            <a:lvl3pPr lvl="2">
+              <a:spcBef>
+                <a:spcPts val="0"/>
+              </a:spcBef>
+              <a:buSzPct val="100000"/>
+              <a:defRPr sz="1200"/>
+            </a:lvl3pPr>
+            <a:lvl4pPr lvl="3">
+              <a:spcBef>
+                <a:spcPts val="0"/>
+              </a:spcBef>
+              <a:buSzPct val="100000"/>
+              <a:defRPr sz="1200"/>
+            </a:lvl4pPr>
+            <a:lvl5pPr lvl="4">
+              <a:spcBef>
+                <a:spcPts val="0"/>
+              </a:spcBef>
+              <a:buSzPct val="100000"/>
+              <a:defRPr sz="1200"/>
+            </a:lvl5pPr>
+            <a:lvl6pPr lvl="5">
+              <a:spcBef>
+                <a:spcPts val="0"/>
+              </a:spcBef>
+              <a:buSzPct val="100000"/>
+              <a:defRPr sz="1200"/>
+            </a:lvl6pPr>
+            <a:lvl7pPr lvl="6">
+              <a:spcBef>
+                <a:spcPts val="0"/>
+              </a:spcBef>
+              <a:buSzPct val="100000"/>
+              <a:defRPr sz="1200"/>
+            </a:lvl7pPr>
+            <a:lvl8pPr lvl="7">
+              <a:spcBef>
+                <a:spcPts val="0"/>
+              </a:spcBef>
+              <a:buSzPct val="100000"/>
+              <a:defRPr sz="1200"/>
+            </a:lvl8pPr>
+            <a:lvl9pPr lvl="8">
+              <a:spcBef>
+                <a:spcPts val="0"/>
+              </a:spcBef>
+              <a:buSzPct val="100000"/>
+              <a:defRPr sz="1200"/>
+            </a:lvl9pPr>
+          </a:lstStyle>
+          <a:p>
+            <a:endParaRPr/>
+          </a:p>
+        </p:txBody>
+      </p:sp>
+      <p:sp>
+        <p:nvSpPr>
+          <p:cNvPr id="31" name="Shape 31"/>
+          <p:cNvSpPr txBox="1">
+            <a:spLocks noGrp="1"/>
+          </p:cNvSpPr>
+          <p:nvPr>
+            <p:ph type="sldNum" idx="12"/>
+          </p:nvPr>
+        </p:nvSpPr>
+        <p:spPr>
+          <a:xfrm>
+            <a:off x="8472457" y="4663216"/>
+            <a:ext cx="548700" cy="393600"/>
+          </a:xfrm>
+          <a:prstGeom prst="rect">
+            <a:avLst/>
+          </a:prstGeom>
+        </p:spPr>
+        <p:txBody>
+          <a:bodyPr lIns="91425" tIns="91425" rIns="91425" bIns="91425" anchor="ctr" anchorCtr="0">
+            <a:noAutofit/>
+          </a:bodyPr>
+          <a:lstStyle/>
+          <a:p>
+            <a:pPr lvl="0">
+              <a:spcBef>
+                <a:spcPts val="0"/>
+              </a:spcBef>
+              <a:buNone/>
+            </a:pPr>
+            <a:fld id="{00000000-1234-1234-1234-123412341234}" type="slidenum">
+              <a:rPr lang="en"/>
+              <a:t>‹#›</a:t>
+            </a:fld>
+            <a:endParaRPr lang="en"/>
+          </a:p>
+        </p:txBody>
+      </p:sp>
+    </p:spTree>
+  </p:cSld>
+  <p:clrMapOvr>
+    <a:masterClrMapping/>
+  </p:clrMapOvr>
+</p:sldLayout>
+</file>
+
+<file path=ppt/slideLayouts/slideLayout6.xml><?xml version="1.0" encoding="utf-8"?>
+<p:sldLayout xmlns:a="http://schemas.openxmlformats.org/drawingml/2006/main" xmlns:r="http://schemas.openxmlformats.org/officeDocument/2006/relationships" xmlns:p="http://schemas.openxmlformats.org/presentationml/2006/main">
+  <p:cSld name="Main point">
+    <p:spTree>
+      <p:nvGrpSpPr>
+        <p:cNvPr id="1" name="Shape 32"/>
+        <p:cNvGrpSpPr/>
+        <p:nvPr/>
+      </p:nvGrpSpPr>
+      <p:grpSpPr>
+        <a:xfrm>
+          <a:off x="0" y="0"/>
+          <a:ext cx="0" cy="0"/>
+          <a:chOff x="0" y="0"/>
+          <a:chExt cx="0" cy="0"/>
+        </a:xfrm>
+      </p:grpSpPr>
+      <p:sp>
+        <p:nvSpPr>
+          <p:cNvPr id="33" name="Shape 33"/>
+          <p:cNvSpPr txBox="1">
+            <a:spLocks noGrp="1"/>
+          </p:cNvSpPr>
+          <p:nvPr>
+            <p:ph type="title"/>
+          </p:nvPr>
+        </p:nvSpPr>
+        <p:spPr>
+          <a:xfrm>
+            <a:off x="490250" y="450150"/>
+            <a:ext cx="6367800" cy="4090800"/>
+          </a:xfrm>
+          <a:prstGeom prst="rect">
+            <a:avLst/>
+          </a:prstGeom>
+        </p:spPr>
+        <p:txBody>
+          <a:bodyPr lIns="91425" tIns="91425" rIns="91425" bIns="91425" anchor="ctr" anchorCtr="0"/>
+          <a:lstStyle>
+            <a:lvl1pPr lvl="0">
+              <a:spcBef>
+                <a:spcPts val="0"/>
+              </a:spcBef>
+              <a:buSzPct val="100000"/>
+              <a:defRPr sz="4800"/>
+            </a:lvl1pPr>
+            <a:lvl2pPr lvl="1">
+              <a:spcBef>
+                <a:spcPts val="0"/>
+              </a:spcBef>
+              <a:buSzPct val="100000"/>
+              <a:defRPr sz="4800"/>
+            </a:lvl2pPr>
+            <a:lvl3pPr lvl="2">
+              <a:spcBef>
+                <a:spcPts val="0"/>
+              </a:spcBef>
+              <a:buSzPct val="100000"/>
+              <a:defRPr sz="4800"/>
+            </a:lvl3pPr>
+            <a:lvl4pPr lvl="3">
+              <a:spcBef>
+                <a:spcPts val="0"/>
+              </a:spcBef>
+              <a:buSzPct val="100000"/>
+              <a:defRPr sz="4800"/>
+            </a:lvl4pPr>
+            <a:lvl5pPr lvl="4">
+              <a:spcBef>
+                <a:spcPts val="0"/>
+              </a:spcBef>
+              <a:buSzPct val="100000"/>
+              <a:defRPr sz="4800"/>
+            </a:lvl5pPr>
+            <a:lvl6pPr lvl="5">
+              <a:spcBef>
+                <a:spcPts val="0"/>
+              </a:spcBef>
+              <a:buSzPct val="100000"/>
+              <a:defRPr sz="4800"/>
+            </a:lvl6pPr>
+            <a:lvl7pPr lvl="6">
+              <a:spcBef>
+                <a:spcPts val="0"/>
+              </a:spcBef>
+              <a:buSzPct val="100000"/>
+              <a:defRPr sz="4800"/>
+            </a:lvl7pPr>
+            <a:lvl8pPr lvl="7">
+              <a:spcBef>
+                <a:spcPts val="0"/>
+              </a:spcBef>
+              <a:buSzPct val="100000"/>
+              <a:defRPr sz="4800"/>
+            </a:lvl8pPr>
+            <a:lvl9pPr lvl="8">
+              <a:spcBef>
+                <a:spcPts val="0"/>
+              </a:spcBef>
+              <a:buSzPct val="100000"/>
+              <a:defRPr sz="4800"/>
+            </a:lvl9pPr>
+          </a:lstStyle>
+          <a:p>
+            <a:endParaRPr/>
+          </a:p>
+        </p:txBody>
+      </p:sp>
+      <p:sp>
+        <p:nvSpPr>
+          <p:cNvPr id="34" name="Shape 34"/>
+          <p:cNvSpPr txBox="1">
+            <a:spLocks noGrp="1"/>
+          </p:cNvSpPr>
+          <p:nvPr>
+            <p:ph type="sldNum" idx="12"/>
+          </p:nvPr>
+        </p:nvSpPr>
+        <p:spPr>
+          <a:xfrm>
+            <a:off x="8472457" y="4663216"/>
+            <a:ext cx="548700" cy="393600"/>
+          </a:xfrm>
+          <a:prstGeom prst="rect">
+            <a:avLst/>
+          </a:prstGeom>
+        </p:spPr>
+        <p:txBody>
+          <a:bodyPr lIns="91425" tIns="91425" rIns="91425" bIns="91425" anchor="ctr" anchorCtr="0">
+            <a:noAutofit/>
+          </a:bodyPr>
+          <a:lstStyle/>
+          <a:p>
+            <a:pPr lvl="0">
+              <a:spcBef>
+                <a:spcPts val="0"/>
+              </a:spcBef>
+              <a:buNone/>
+            </a:pPr>
+            <a:fld id="{00000000-1234-1234-1234-123412341234}" type="slidenum">
+              <a:rPr lang="en"/>
+              <a:t>‹#›</a:t>
+            </a:fld>
+            <a:endParaRPr lang="en"/>
+          </a:p>
+        </p:txBody>
+      </p:sp>
+    </p:spTree>
+  </p:cSld>
+  <p:clrMapOvr>
+    <a:masterClrMapping/>
+  </p:clrMapOvr>
+</p:sldLayout>
+</file>
+
+<file path=ppt/slideLayouts/slideLayout7.xml><?xml version="1.0" encoding="utf-8"?>
+<p:sldLayout xmlns:a="http://schemas.openxmlformats.org/drawingml/2006/main" xmlns:r="http://schemas.openxmlformats.org/officeDocument/2006/relationships" xmlns:p="http://schemas.openxmlformats.org/presentationml/2006/main">
+  <p:cSld name="Section title and description">
+    <p:spTree>
+      <p:nvGrpSpPr>
+        <p:cNvPr id="1" name="Shape 35"/>
+        <p:cNvGrpSpPr/>
+        <p:nvPr/>
+      </p:nvGrpSpPr>
+      <p:grpSpPr>
+        <a:xfrm>
+          <a:off x="0" y="0"/>
+          <a:ext cx="0" cy="0"/>
+          <a:chOff x="0" y="0"/>
+          <a:chExt cx="0" cy="0"/>
+        </a:xfrm>
+      </p:grpSpPr>
+      <p:sp>
+        <p:nvSpPr>
+          <p:cNvPr id="36" name="Shape 36"/>
+          <p:cNvSpPr/>
+          <p:nvPr/>
+        </p:nvSpPr>
+        <p:spPr>
+          <a:xfrm>
+            <a:off x="4572000" y="-125"/>
+            <a:ext cx="4572000" cy="5143500"/>
+          </a:xfrm>
+          <a:prstGeom prst="rect">
+            <a:avLst/>
+          </a:prstGeom>
+          <a:solidFill>
+            <a:schemeClr val="lt2"/>
+          </a:solidFill>
+          <a:ln>
+            <a:noFill/>
+          </a:ln>
+        </p:spPr>
+        <p:txBody>
+          <a:bodyPr lIns="91425" tIns="91425" rIns="91425" bIns="91425" anchor="ctr" anchorCtr="0">
+            <a:noAutofit/>
+          </a:bodyPr>
+          <a:lstStyle/>
+          <a:p>
+            <a:pPr lvl="0">
+              <a:spcBef>
+                <a:spcPts val="0"/>
+              </a:spcBef>
+              <a:buNone/>
+            </a:pPr>
+            <a:endParaRPr/>
+          </a:p>
+        </p:txBody>
+      </p:sp>
+      <p:sp>
+        <p:nvSpPr>
+          <p:cNvPr id="37" name="Shape 37"/>
+          <p:cNvSpPr txBox="1">
+            <a:spLocks noGrp="1"/>
+          </p:cNvSpPr>
+          <p:nvPr>
+            <p:ph type="title"/>
+          </p:nvPr>
+        </p:nvSpPr>
+        <p:spPr>
+          <a:xfrm>
+            <a:off x="265500" y="1233175"/>
+            <a:ext cx="4045200" cy="1482300"/>
+          </a:xfrm>
+          <a:prstGeom prst="rect">
+            <a:avLst/>
+          </a:prstGeom>
+        </p:spPr>
+        <p:txBody>
+          <a:bodyPr lIns="91425" tIns="91425" rIns="91425" bIns="91425" anchor="b" anchorCtr="0"/>
+          <a:lstStyle>
+            <a:lvl1pPr lvl="0" algn="ctr">
+              <a:spcBef>
+                <a:spcPts val="0"/>
+              </a:spcBef>
+              <a:buSzPct val="100000"/>
+              <a:defRPr sz="4200"/>
+            </a:lvl1pPr>
+            <a:lvl2pPr lvl="1" algn="ctr">
+              <a:spcBef>
+                <a:spcPts val="0"/>
+              </a:spcBef>
+              <a:buSzPct val="100000"/>
+              <a:defRPr sz="4200"/>
+            </a:lvl2pPr>
+            <a:lvl3pPr lvl="2" algn="ctr">
+              <a:spcBef>
+                <a:spcPts val="0"/>
+              </a:spcBef>
+              <a:buSzPct val="100000"/>
+              <a:defRPr sz="4200"/>
+            </a:lvl3pPr>
+            <a:lvl4pPr lvl="3" algn="ctr">
+              <a:spcBef>
+                <a:spcPts val="0"/>
+              </a:spcBef>
+              <a:buSzPct val="100000"/>
+              <a:defRPr sz="4200"/>
+            </a:lvl4pPr>
+            <a:lvl5pPr lvl="4" algn="ctr">
+              <a:spcBef>
+                <a:spcPts val="0"/>
+              </a:spcBef>
+              <a:buSzPct val="100000"/>
+              <a:defRPr sz="4200"/>
+            </a:lvl5pPr>
+            <a:lvl6pPr lvl="5" algn="ctr">
+              <a:spcBef>
+                <a:spcPts val="0"/>
+              </a:spcBef>
+              <a:buSzPct val="100000"/>
+              <a:defRPr sz="4200"/>
+            </a:lvl6pPr>
+            <a:lvl7pPr lvl="6" algn="ctr">
+              <a:spcBef>
+                <a:spcPts val="0"/>
+              </a:spcBef>
+              <a:buSzPct val="100000"/>
+              <a:defRPr sz="4200"/>
+            </a:lvl7pPr>
+            <a:lvl8pPr lvl="7" algn="ctr">
+              <a:spcBef>
+                <a:spcPts val="0"/>
+              </a:spcBef>
+              <a:buSzPct val="100000"/>
+              <a:defRPr sz="4200"/>
+            </a:lvl8pPr>
+            <a:lvl9pPr lvl="8" algn="ctr">
+              <a:spcBef>
+                <a:spcPts val="0"/>
+              </a:spcBef>
+              <a:buSzPct val="100000"/>
+              <a:defRPr sz="4200"/>
+            </a:lvl9pPr>
+          </a:lstStyle>
+          <a:p>
+            <a:endParaRPr/>
+          </a:p>
+        </p:txBody>
+      </p:sp>
+      <p:sp>
+        <p:nvSpPr>
+          <p:cNvPr id="38" name="Shape 38"/>
+          <p:cNvSpPr txBox="1">
+            <a:spLocks noGrp="1"/>
+          </p:cNvSpPr>
+          <p:nvPr>
+            <p:ph type="subTitle" idx="1"/>
+          </p:nvPr>
+        </p:nvSpPr>
+        <p:spPr>
+          <a:xfrm>
+            <a:off x="265500" y="2803075"/>
+            <a:ext cx="4045200" cy="1235100"/>
+          </a:xfrm>
+          <a:prstGeom prst="rect">
+            <a:avLst/>
+          </a:prstGeom>
+        </p:spPr>
+        <p:txBody>
+          <a:bodyPr lIns="91425" tIns="91425" rIns="91425" bIns="91425" anchor="t" anchorCtr="0"/>
+          <a:lstStyle>
+            <a:lvl1pPr lvl="0" algn="ctr">
+              <a:lnSpc>
+                <a:spcPct val="100000"/>
+              </a:lnSpc>
+              <a:spcBef>
+                <a:spcPts val="0"/>
+              </a:spcBef>
+              <a:spcAft>
+                <a:spcPts val="0"/>
+              </a:spcAft>
+              <a:buSzPct val="100000"/>
+              <a:buNone/>
+              <a:defRPr sz="2100"/>
+            </a:lvl1pPr>
+            <a:lvl2pPr lvl="1" algn="ctr">
+              <a:lnSpc>
+                <a:spcPct val="100000"/>
+              </a:lnSpc>
+              <a:spcBef>
+                <a:spcPts val="0"/>
+              </a:spcBef>
+              <a:spcAft>
+                <a:spcPts val="0"/>
+              </a:spcAft>
+              <a:buSzPct val="100000"/>
+              <a:buNone/>
+              <a:defRPr sz="2100"/>
+            </a:lvl2pPr>
+            <a:lvl3pPr lvl="2" algn="ctr">
+              <a:lnSpc>
+                <a:spcPct val="100000"/>
+              </a:lnSpc>
+              <a:spcBef>
+                <a:spcPts val="0"/>
+              </a:spcBef>
+              <a:spcAft>
+                <a:spcPts val="0"/>
+              </a:spcAft>
+              <a:buSzPct val="100000"/>
+              <a:buNone/>
+              <a:defRPr sz="2100"/>
+            </a:lvl3pPr>
+            <a:lvl4pPr lvl="3" algn="ctr">
+              <a:lnSpc>
+                <a:spcPct val="100000"/>
+              </a:lnSpc>
+              <a:spcBef>
+                <a:spcPts val="0"/>
+              </a:spcBef>
+              <a:spcAft>
+                <a:spcPts val="0"/>
+              </a:spcAft>
+              <a:buSzPct val="100000"/>
+              <a:buNone/>
+              <a:defRPr sz="2100"/>
+            </a:lvl4pPr>
+            <a:lvl5pPr lvl="4" algn="ctr">
+              <a:lnSpc>
+                <a:spcPct val="100000"/>
+              </a:lnSpc>
+              <a:spcBef>
+                <a:spcPts val="0"/>
+              </a:spcBef>
+              <a:spcAft>
+                <a:spcPts val="0"/>
+              </a:spcAft>
+              <a:buSzPct val="100000"/>
+              <a:buNone/>
+              <a:defRPr sz="2100"/>
+            </a:lvl5pPr>
+            <a:lvl6pPr lvl="5" algn="ctr">
+              <a:lnSpc>
+                <a:spcPct val="100000"/>
+              </a:lnSpc>
+              <a:spcBef>
+                <a:spcPts val="0"/>
+              </a:spcBef>
+              <a:spcAft>
+                <a:spcPts val="0"/>
+              </a:spcAft>
+              <a:buSzPct val="100000"/>
+              <a:buNone/>
+              <a:defRPr sz="2100"/>
+            </a:lvl6pPr>
+            <a:lvl7pPr lvl="6" algn="ctr">
+              <a:lnSpc>
+                <a:spcPct val="100000"/>
+              </a:lnSpc>
+              <a:spcBef>
+                <a:spcPts val="0"/>
+              </a:spcBef>
+              <a:spcAft>
+                <a:spcPts val="0"/>
+              </a:spcAft>
+              <a:buSzPct val="100000"/>
+              <a:buNone/>
+              <a:defRPr sz="2100"/>
+            </a:lvl7pPr>
+            <a:lvl8pPr lvl="7" algn="ctr">
+              <a:lnSpc>
+                <a:spcPct val="100000"/>
+              </a:lnSpc>
+              <a:spcBef>
+                <a:spcPts val="0"/>
+              </a:spcBef>
+              <a:spcAft>
+                <a:spcPts val="0"/>
+              </a:spcAft>
+              <a:buSzPct val="100000"/>
+              <a:buNone/>
+              <a:defRPr sz="2100"/>
+            </a:lvl8pPr>
+            <a:lvl9pPr lvl="8" algn="ctr">
+              <a:lnSpc>
+                <a:spcPct val="100000"/>
+              </a:lnSpc>
+              <a:spcBef>
+                <a:spcPts val="0"/>
+              </a:spcBef>
+              <a:spcAft>
+                <a:spcPts val="0"/>
+              </a:spcAft>
+              <a:buSzPct val="100000"/>
+              <a:buNone/>
+              <a:defRPr sz="2100"/>
+            </a:lvl9pPr>
+          </a:lstStyle>
+          <a:p>
+            <a:endParaRPr/>
+          </a:p>
+        </p:txBody>
+      </p:sp>
+      <p:sp>
+        <p:nvSpPr>
+          <p:cNvPr id="39" name="Shape 39"/>
+          <p:cNvSpPr txBox="1">
+            <a:spLocks noGrp="1"/>
+          </p:cNvSpPr>
+          <p:nvPr>
+            <p:ph type="body" idx="2"/>
+          </p:nvPr>
+        </p:nvSpPr>
+        <p:spPr>
+          <a:xfrm>
+            <a:off x="4939500" y="724075"/>
+            <a:ext cx="3837000" cy="3695100"/>
+          </a:xfrm>
+          <a:prstGeom prst="rect">
+            <a:avLst/>
+          </a:prstGeom>
+        </p:spPr>
+        <p:txBody>
+          <a:bodyPr lIns="91425" tIns="91425" rIns="91425" bIns="91425" anchor="ctr" anchorCtr="0"/>
+          <a:lstStyle>
+            <a:lvl1pPr lvl="0">
+              <a:spcBef>
+                <a:spcPts val="0"/>
+              </a:spcBef>
+              <a:defRPr/>
+            </a:lvl1pPr>
+            <a:lvl2pPr lvl="1">
+              <a:spcBef>
+                <a:spcPts val="0"/>
+              </a:spcBef>
+              <a:defRPr/>
+            </a:lvl2pPr>
+            <a:lvl3pPr lvl="2">
+              <a:spcBef>
+                <a:spcPts val="0"/>
+              </a:spcBef>
+              <a:defRPr/>
+            </a:lvl3pPr>
+            <a:lvl4pPr lvl="3">
+              <a:spcBef>
+                <a:spcPts val="0"/>
+              </a:spcBef>
+              <a:defRPr/>
+            </a:lvl4pPr>
+            <a:lvl5pPr lvl="4">
+              <a:spcBef>
+                <a:spcPts val="0"/>
+              </a:spcBef>
+              <a:defRPr/>
+            </a:lvl5pPr>
+            <a:lvl6pPr lvl="5">
+              <a:spcBef>
+                <a:spcPts val="0"/>
+              </a:spcBef>
+              <a:defRPr/>
+            </a:lvl6pPr>
+            <a:lvl7pPr lvl="6">
+              <a:spcBef>
+                <a:spcPts val="0"/>
+              </a:spcBef>
+              <a:defRPr/>
+            </a:lvl7pPr>
+            <a:lvl8pPr lvl="7">
+              <a:spcBef>
+                <a:spcPts val="0"/>
+              </a:spcBef>
+              <a:defRPr/>
+            </a:lvl8pPr>
+            <a:lvl9pPr lvl="8">
+              <a:spcBef>
+                <a:spcPts val="0"/>
+              </a:spcBef>
+              <a:defRPr/>
+            </a:lvl9pPr>
+          </a:lstStyle>
+          <a:p>
+            <a:endParaRPr/>
+          </a:p>
+        </p:txBody>
+      </p:sp>
+      <p:sp>
+        <p:nvSpPr>
+          <p:cNvPr id="40" name="Shape 40"/>
+          <p:cNvSpPr txBox="1">
+            <a:spLocks noGrp="1"/>
+          </p:cNvSpPr>
+          <p:nvPr>
+            <p:ph type="sldNum" idx="12"/>
+          </p:nvPr>
+        </p:nvSpPr>
+        <p:spPr>
+          <a:xfrm>
+            <a:off x="8472457" y="4663216"/>
+            <a:ext cx="548700" cy="393600"/>
+          </a:xfrm>
+          <a:prstGeom prst="rect">
+            <a:avLst/>
+          </a:prstGeom>
+        </p:spPr>
+        <p:txBody>
+          <a:bodyPr lIns="91425" tIns="91425" rIns="91425" bIns="91425" anchor="ctr" anchorCtr="0">
+            <a:noAutofit/>
+          </a:bodyPr>
+          <a:lstStyle/>
+          <a:p>
+            <a:pPr lvl="0">
+              <a:spcBef>
+                <a:spcPts val="0"/>
+              </a:spcBef>
+              <a:buNone/>
+            </a:pPr>
+            <a:fld id="{00000000-1234-1234-1234-123412341234}" type="slidenum">
+              <a:rPr lang="en"/>
+              <a:t>‹#›</a:t>
+            </a:fld>
+            <a:endParaRPr lang="en"/>
+          </a:p>
+        </p:txBody>
+      </p:sp>
+    </p:spTree>
+  </p:cSld>
+  <p:clrMapOvr>
+    <a:masterClrMapping/>
+  </p:clrMapOvr>
+</p:sldLayout>
+</file>
+
+<file path=ppt/slideLayouts/slideLayout8.xml><?xml version="1.0" encoding="utf-8"?>
+<p:sldLayout xmlns:a="http://schemas.openxmlformats.org/drawingml/2006/main" xmlns:r="http://schemas.openxmlformats.org/officeDocument/2006/relationships" xmlns:p="http://schemas.openxmlformats.org/presentationml/2006/main">
+  <p:cSld name="Caption">
+    <p:spTree>
+      <p:nvGrpSpPr>
+        <p:cNvPr id="1" name="Shape 41"/>
+        <p:cNvGrpSpPr/>
+        <p:nvPr/>
+      </p:nvGrpSpPr>
+      <p:grpSpPr>
+        <a:xfrm>
+          <a:off x="0" y="0"/>
+          <a:ext cx="0" cy="0"/>
+          <a:chOff x="0" y="0"/>
+          <a:chExt cx="0" cy="0"/>
+        </a:xfrm>
+      </p:grpSpPr>
+      <p:sp>
+        <p:nvSpPr>
+          <p:cNvPr id="42" name="Shape 42"/>
+          <p:cNvSpPr txBox="1">
+            <a:spLocks noGrp="1"/>
+          </p:cNvSpPr>
+          <p:nvPr>
+            <p:ph type="body" idx="1"/>
+          </p:nvPr>
+        </p:nvSpPr>
+        <p:spPr>
+          <a:xfrm>
+            <a:off x="311700" y="4230575"/>
+            <a:ext cx="5998800" cy="605100"/>
+          </a:xfrm>
+          <a:prstGeom prst="rect">
+            <a:avLst/>
+          </a:prstGeom>
+        </p:spPr>
+        <p:txBody>
+          <a:bodyPr lIns="91425" tIns="91425" rIns="91425" bIns="91425" anchor="ctr" anchorCtr="0"/>
+          <a:lstStyle>
+            <a:lvl1pPr lvl="0">
+              <a:lnSpc>
+                <a:spcPct val="100000"/>
+              </a:lnSpc>
+              <a:spcBef>
+                <a:spcPts val="0"/>
+              </a:spcBef>
+              <a:spcAft>
+                <a:spcPts val="0"/>
+              </a:spcAft>
+              <a:buNone/>
+              <a:defRPr/>
+            </a:lvl1pPr>
+          </a:lstStyle>
+          <a:p>
+            <a:endParaRPr/>
+          </a:p>
+        </p:txBody>
+      </p:sp>
+      <p:sp>
+        <p:nvSpPr>
+          <p:cNvPr id="43" name="Shape 43"/>
+          <p:cNvSpPr txBox="1">
+            <a:spLocks noGrp="1"/>
+          </p:cNvSpPr>
+          <p:nvPr>
+            <p:ph type="sldNum" idx="12"/>
+          </p:nvPr>
+        </p:nvSpPr>
+        <p:spPr>
+          <a:xfrm>
+            <a:off x="8472457" y="4663216"/>
+            <a:ext cx="548700" cy="393600"/>
+          </a:xfrm>
+          <a:prstGeom prst="rect">
+            <a:avLst/>
+          </a:prstGeom>
+        </p:spPr>
+        <p:txBody>
+          <a:bodyPr lIns="91425" tIns="91425" rIns="91425" bIns="91425" anchor="ctr" anchorCtr="0">
+            <a:noAutofit/>
+          </a:bodyPr>
+          <a:lstStyle/>
+          <a:p>
+            <a:pPr lvl="0">
+              <a:spcBef>
+                <a:spcPts val="0"/>
+              </a:spcBef>
+              <a:buNone/>
+            </a:pPr>
+            <a:fld id="{00000000-1234-1234-1234-123412341234}" type="slidenum">
+              <a:rPr lang="en"/>
+              <a:t>‹#›</a:t>
+            </a:fld>
+            <a:endParaRPr lang="en"/>
+          </a:p>
+        </p:txBody>
+      </p:sp>
+    </p:spTree>
+  </p:cSld>
+  <p:clrMapOvr>
+    <a:masterClrMapping/>
+  </p:clrMapOvr>
+</p:sldLayout>
+</file>
+
+<file path=ppt/slideLayouts/slideLayout9.xml><?xml version="1.0" encoding="utf-8"?>
 <p:sldLayout xmlns:a="http://schemas.openxmlformats.org/drawingml/2006/main" xmlns:r="http://schemas.openxmlformats.org/officeDocument/2006/relationships" xmlns:p="http://schemas.openxmlformats.org/presentationml/2006/main">
   <p:cSld name="Big number">
     <p:spTree>
@@ -2157,1861 +3868,6 @@
       <p:sp>
         <p:nvSpPr>
           <p:cNvPr id="47" name="Shape 47"/>
-          <p:cNvSpPr txBox="1">
-            <a:spLocks noGrp="1"/>
-          </p:cNvSpPr>
-          <p:nvPr>
-            <p:ph type="sldNum" idx="12"/>
-          </p:nvPr>
-        </p:nvSpPr>
-        <p:spPr>
-          <a:xfrm>
-            <a:off x="8472457" y="4663216"/>
-            <a:ext cx="548700" cy="393600"/>
-          </a:xfrm>
-          <a:prstGeom prst="rect">
-            <a:avLst/>
-          </a:prstGeom>
-        </p:spPr>
-        <p:txBody>
-          <a:bodyPr lIns="91425" tIns="91425" rIns="91425" bIns="91425" anchor="ctr" anchorCtr="0">
-            <a:noAutofit/>
-          </a:bodyPr>
-          <a:lstStyle/>
-          <a:p>
-            <a:pPr lvl="0">
-              <a:spcBef>
-                <a:spcPts val="0"/>
-              </a:spcBef>
-              <a:buNone/>
-            </a:pPr>
-            <a:fld id="{00000000-1234-1234-1234-123412341234}" type="slidenum">
-              <a:rPr lang="en"/>
-              <a:t>‹#›</a:t>
-            </a:fld>
-            <a:endParaRPr lang="en"/>
-          </a:p>
-        </p:txBody>
-      </p:sp>
-    </p:spTree>
-  </p:cSld>
-  <p:clrMapOvr>
-    <a:masterClrMapping/>
-  </p:clrMapOvr>
-</p:sldLayout>
-</file>
-
-<file path=ppt/slideLayouts/slideLayout11.xml><?xml version="1.0" encoding="utf-8"?>
-<p:sldLayout xmlns:a="http://schemas.openxmlformats.org/drawingml/2006/main" xmlns:r="http://schemas.openxmlformats.org/officeDocument/2006/relationships" xmlns:p="http://schemas.openxmlformats.org/presentationml/2006/main" type="blank">
-  <p:cSld name="Blank">
-    <p:spTree>
-      <p:nvGrpSpPr>
-        <p:cNvPr id="1" name="Shape 48"/>
-        <p:cNvGrpSpPr/>
-        <p:nvPr/>
-      </p:nvGrpSpPr>
-      <p:grpSpPr>
-        <a:xfrm>
-          <a:off x="0" y="0"/>
-          <a:ext cx="0" cy="0"/>
-          <a:chOff x="0" y="0"/>
-          <a:chExt cx="0" cy="0"/>
-        </a:xfrm>
-      </p:grpSpPr>
-      <p:sp>
-        <p:nvSpPr>
-          <p:cNvPr id="49" name="Shape 49"/>
-          <p:cNvSpPr txBox="1">
-            <a:spLocks noGrp="1"/>
-          </p:cNvSpPr>
-          <p:nvPr>
-            <p:ph type="sldNum" idx="12"/>
-          </p:nvPr>
-        </p:nvSpPr>
-        <p:spPr>
-          <a:xfrm>
-            <a:off x="8472457" y="4663216"/>
-            <a:ext cx="548700" cy="393600"/>
-          </a:xfrm>
-          <a:prstGeom prst="rect">
-            <a:avLst/>
-          </a:prstGeom>
-        </p:spPr>
-        <p:txBody>
-          <a:bodyPr lIns="91425" tIns="91425" rIns="91425" bIns="91425" anchor="ctr" anchorCtr="0">
-            <a:noAutofit/>
-          </a:bodyPr>
-          <a:lstStyle/>
-          <a:p>
-            <a:pPr lvl="0">
-              <a:spcBef>
-                <a:spcPts val="0"/>
-              </a:spcBef>
-              <a:buNone/>
-            </a:pPr>
-            <a:fld id="{00000000-1234-1234-1234-123412341234}" type="slidenum">
-              <a:rPr lang="en"/>
-              <a:t>‹#›</a:t>
-            </a:fld>
-            <a:endParaRPr lang="en"/>
-          </a:p>
-        </p:txBody>
-      </p:sp>
-    </p:spTree>
-  </p:cSld>
-  <p:clrMapOvr>
-    <a:masterClrMapping/>
-  </p:clrMapOvr>
-</p:sldLayout>
-</file>
-
-<file path=ppt/slideLayouts/slideLayout2.xml><?xml version="1.0" encoding="utf-8"?>
-<p:sldLayout xmlns:a="http://schemas.openxmlformats.org/drawingml/2006/main" xmlns:r="http://schemas.openxmlformats.org/officeDocument/2006/relationships" xmlns:p="http://schemas.openxmlformats.org/presentationml/2006/main" type="secHead">
-  <p:cSld name="Section header">
-    <p:spTree>
-      <p:nvGrpSpPr>
-        <p:cNvPr id="1" name="Shape 13"/>
-        <p:cNvGrpSpPr/>
-        <p:nvPr/>
-      </p:nvGrpSpPr>
-      <p:grpSpPr>
-        <a:xfrm>
-          <a:off x="0" y="0"/>
-          <a:ext cx="0" cy="0"/>
-          <a:chOff x="0" y="0"/>
-          <a:chExt cx="0" cy="0"/>
-        </a:xfrm>
-      </p:grpSpPr>
-      <p:sp>
-        <p:nvSpPr>
-          <p:cNvPr id="14" name="Shape 14"/>
-          <p:cNvSpPr txBox="1">
-            <a:spLocks noGrp="1"/>
-          </p:cNvSpPr>
-          <p:nvPr>
-            <p:ph type="title"/>
-          </p:nvPr>
-        </p:nvSpPr>
-        <p:spPr>
-          <a:xfrm>
-            <a:off x="311700" y="2150850"/>
-            <a:ext cx="8520600" cy="841800"/>
-          </a:xfrm>
-          <a:prstGeom prst="rect">
-            <a:avLst/>
-          </a:prstGeom>
-        </p:spPr>
-        <p:txBody>
-          <a:bodyPr lIns="91425" tIns="91425" rIns="91425" bIns="91425" anchor="ctr" anchorCtr="0"/>
-          <a:lstStyle>
-            <a:lvl1pPr lvl="0" algn="ctr">
-              <a:spcBef>
-                <a:spcPts val="0"/>
-              </a:spcBef>
-              <a:buSzPct val="100000"/>
-              <a:defRPr sz="3600"/>
-            </a:lvl1pPr>
-            <a:lvl2pPr lvl="1" algn="ctr">
-              <a:spcBef>
-                <a:spcPts val="0"/>
-              </a:spcBef>
-              <a:buSzPct val="100000"/>
-              <a:defRPr sz="3600"/>
-            </a:lvl2pPr>
-            <a:lvl3pPr lvl="2" algn="ctr">
-              <a:spcBef>
-                <a:spcPts val="0"/>
-              </a:spcBef>
-              <a:buSzPct val="100000"/>
-              <a:defRPr sz="3600"/>
-            </a:lvl3pPr>
-            <a:lvl4pPr lvl="3" algn="ctr">
-              <a:spcBef>
-                <a:spcPts val="0"/>
-              </a:spcBef>
-              <a:buSzPct val="100000"/>
-              <a:defRPr sz="3600"/>
-            </a:lvl4pPr>
-            <a:lvl5pPr lvl="4" algn="ctr">
-              <a:spcBef>
-                <a:spcPts val="0"/>
-              </a:spcBef>
-              <a:buSzPct val="100000"/>
-              <a:defRPr sz="3600"/>
-            </a:lvl5pPr>
-            <a:lvl6pPr lvl="5" algn="ctr">
-              <a:spcBef>
-                <a:spcPts val="0"/>
-              </a:spcBef>
-              <a:buSzPct val="100000"/>
-              <a:defRPr sz="3600"/>
-            </a:lvl6pPr>
-            <a:lvl7pPr lvl="6" algn="ctr">
-              <a:spcBef>
-                <a:spcPts val="0"/>
-              </a:spcBef>
-              <a:buSzPct val="100000"/>
-              <a:defRPr sz="3600"/>
-            </a:lvl7pPr>
-            <a:lvl8pPr lvl="7" algn="ctr">
-              <a:spcBef>
-                <a:spcPts val="0"/>
-              </a:spcBef>
-              <a:buSzPct val="100000"/>
-              <a:defRPr sz="3600"/>
-            </a:lvl8pPr>
-            <a:lvl9pPr lvl="8" algn="ctr">
-              <a:spcBef>
-                <a:spcPts val="0"/>
-              </a:spcBef>
-              <a:buSzPct val="100000"/>
-              <a:defRPr sz="3600"/>
-            </a:lvl9pPr>
-          </a:lstStyle>
-          <a:p>
-            <a:endParaRPr/>
-          </a:p>
-        </p:txBody>
-      </p:sp>
-      <p:sp>
-        <p:nvSpPr>
-          <p:cNvPr id="15" name="Shape 15"/>
-          <p:cNvSpPr txBox="1">
-            <a:spLocks noGrp="1"/>
-          </p:cNvSpPr>
-          <p:nvPr>
-            <p:ph type="sldNum" idx="12"/>
-          </p:nvPr>
-        </p:nvSpPr>
-        <p:spPr>
-          <a:xfrm>
-            <a:off x="8472457" y="4663216"/>
-            <a:ext cx="548700" cy="393600"/>
-          </a:xfrm>
-          <a:prstGeom prst="rect">
-            <a:avLst/>
-          </a:prstGeom>
-        </p:spPr>
-        <p:txBody>
-          <a:bodyPr lIns="91425" tIns="91425" rIns="91425" bIns="91425" anchor="ctr" anchorCtr="0">
-            <a:noAutofit/>
-          </a:bodyPr>
-          <a:lstStyle/>
-          <a:p>
-            <a:pPr lvl="0">
-              <a:spcBef>
-                <a:spcPts val="0"/>
-              </a:spcBef>
-              <a:buNone/>
-            </a:pPr>
-            <a:fld id="{00000000-1234-1234-1234-123412341234}" type="slidenum">
-              <a:rPr lang="en"/>
-              <a:t>‹#›</a:t>
-            </a:fld>
-            <a:endParaRPr lang="en"/>
-          </a:p>
-        </p:txBody>
-      </p:sp>
-    </p:spTree>
-  </p:cSld>
-  <p:clrMapOvr>
-    <a:masterClrMapping/>
-  </p:clrMapOvr>
-</p:sldLayout>
-</file>
-
-<file path=ppt/slideLayouts/slideLayout3.xml><?xml version="1.0" encoding="utf-8"?>
-<p:sldLayout xmlns:a="http://schemas.openxmlformats.org/drawingml/2006/main" xmlns:r="http://schemas.openxmlformats.org/officeDocument/2006/relationships" xmlns:p="http://schemas.openxmlformats.org/presentationml/2006/main" type="tx">
-  <p:cSld name="Title and body">
-    <p:spTree>
-      <p:nvGrpSpPr>
-        <p:cNvPr id="1" name="Shape 16"/>
-        <p:cNvGrpSpPr/>
-        <p:nvPr/>
-      </p:nvGrpSpPr>
-      <p:grpSpPr>
-        <a:xfrm>
-          <a:off x="0" y="0"/>
-          <a:ext cx="0" cy="0"/>
-          <a:chOff x="0" y="0"/>
-          <a:chExt cx="0" cy="0"/>
-        </a:xfrm>
-      </p:grpSpPr>
-      <p:sp>
-        <p:nvSpPr>
-          <p:cNvPr id="17" name="Shape 17"/>
-          <p:cNvSpPr txBox="1">
-            <a:spLocks noGrp="1"/>
-          </p:cNvSpPr>
-          <p:nvPr>
-            <p:ph type="title"/>
-          </p:nvPr>
-        </p:nvSpPr>
-        <p:spPr>
-          <a:xfrm>
-            <a:off x="311700" y="445025"/>
-            <a:ext cx="8520600" cy="572700"/>
-          </a:xfrm>
-          <a:prstGeom prst="rect">
-            <a:avLst/>
-          </a:prstGeom>
-        </p:spPr>
-        <p:txBody>
-          <a:bodyPr lIns="91425" tIns="91425" rIns="91425" bIns="91425" anchor="t" anchorCtr="0"/>
-          <a:lstStyle>
-            <a:lvl1pPr lvl="0">
-              <a:spcBef>
-                <a:spcPts val="0"/>
-              </a:spcBef>
-              <a:defRPr/>
-            </a:lvl1pPr>
-            <a:lvl2pPr lvl="1">
-              <a:spcBef>
-                <a:spcPts val="0"/>
-              </a:spcBef>
-              <a:defRPr/>
-            </a:lvl2pPr>
-            <a:lvl3pPr lvl="2">
-              <a:spcBef>
-                <a:spcPts val="0"/>
-              </a:spcBef>
-              <a:defRPr/>
-            </a:lvl3pPr>
-            <a:lvl4pPr lvl="3">
-              <a:spcBef>
-                <a:spcPts val="0"/>
-              </a:spcBef>
-              <a:defRPr/>
-            </a:lvl4pPr>
-            <a:lvl5pPr lvl="4">
-              <a:spcBef>
-                <a:spcPts val="0"/>
-              </a:spcBef>
-              <a:defRPr/>
-            </a:lvl5pPr>
-            <a:lvl6pPr lvl="5">
-              <a:spcBef>
-                <a:spcPts val="0"/>
-              </a:spcBef>
-              <a:defRPr/>
-            </a:lvl6pPr>
-            <a:lvl7pPr lvl="6">
-              <a:spcBef>
-                <a:spcPts val="0"/>
-              </a:spcBef>
-              <a:defRPr/>
-            </a:lvl7pPr>
-            <a:lvl8pPr lvl="7">
-              <a:spcBef>
-                <a:spcPts val="0"/>
-              </a:spcBef>
-              <a:defRPr/>
-            </a:lvl8pPr>
-            <a:lvl9pPr lvl="8">
-              <a:spcBef>
-                <a:spcPts val="0"/>
-              </a:spcBef>
-              <a:defRPr/>
-            </a:lvl9pPr>
-          </a:lstStyle>
-          <a:p>
-            <a:endParaRPr/>
-          </a:p>
-        </p:txBody>
-      </p:sp>
-      <p:sp>
-        <p:nvSpPr>
-          <p:cNvPr id="18" name="Shape 18"/>
-          <p:cNvSpPr txBox="1">
-            <a:spLocks noGrp="1"/>
-          </p:cNvSpPr>
-          <p:nvPr>
-            <p:ph type="body" idx="1"/>
-          </p:nvPr>
-        </p:nvSpPr>
-        <p:spPr>
-          <a:xfrm>
-            <a:off x="311700" y="1152475"/>
-            <a:ext cx="8520600" cy="3416400"/>
-          </a:xfrm>
-          <a:prstGeom prst="rect">
-            <a:avLst/>
-          </a:prstGeom>
-        </p:spPr>
-        <p:txBody>
-          <a:bodyPr lIns="91425" tIns="91425" rIns="91425" bIns="91425" anchor="t" anchorCtr="0"/>
-          <a:lstStyle>
-            <a:lvl1pPr lvl="0">
-              <a:spcBef>
-                <a:spcPts val="0"/>
-              </a:spcBef>
-              <a:defRPr/>
-            </a:lvl1pPr>
-            <a:lvl2pPr lvl="1">
-              <a:spcBef>
-                <a:spcPts val="0"/>
-              </a:spcBef>
-              <a:defRPr/>
-            </a:lvl2pPr>
-            <a:lvl3pPr lvl="2">
-              <a:spcBef>
-                <a:spcPts val="0"/>
-              </a:spcBef>
-              <a:defRPr/>
-            </a:lvl3pPr>
-            <a:lvl4pPr lvl="3">
-              <a:spcBef>
-                <a:spcPts val="0"/>
-              </a:spcBef>
-              <a:defRPr/>
-            </a:lvl4pPr>
-            <a:lvl5pPr lvl="4">
-              <a:spcBef>
-                <a:spcPts val="0"/>
-              </a:spcBef>
-              <a:defRPr/>
-            </a:lvl5pPr>
-            <a:lvl6pPr lvl="5">
-              <a:spcBef>
-                <a:spcPts val="0"/>
-              </a:spcBef>
-              <a:defRPr/>
-            </a:lvl6pPr>
-            <a:lvl7pPr lvl="6">
-              <a:spcBef>
-                <a:spcPts val="0"/>
-              </a:spcBef>
-              <a:defRPr/>
-            </a:lvl7pPr>
-            <a:lvl8pPr lvl="7">
-              <a:spcBef>
-                <a:spcPts val="0"/>
-              </a:spcBef>
-              <a:defRPr/>
-            </a:lvl8pPr>
-            <a:lvl9pPr lvl="8">
-              <a:spcBef>
-                <a:spcPts val="0"/>
-              </a:spcBef>
-              <a:defRPr/>
-            </a:lvl9pPr>
-          </a:lstStyle>
-          <a:p>
-            <a:endParaRPr/>
-          </a:p>
-        </p:txBody>
-      </p:sp>
-      <p:sp>
-        <p:nvSpPr>
-          <p:cNvPr id="19" name="Shape 19"/>
-          <p:cNvSpPr txBox="1">
-            <a:spLocks noGrp="1"/>
-          </p:cNvSpPr>
-          <p:nvPr>
-            <p:ph type="sldNum" idx="12"/>
-          </p:nvPr>
-        </p:nvSpPr>
-        <p:spPr>
-          <a:xfrm>
-            <a:off x="8472457" y="4663216"/>
-            <a:ext cx="548700" cy="393600"/>
-          </a:xfrm>
-          <a:prstGeom prst="rect">
-            <a:avLst/>
-          </a:prstGeom>
-        </p:spPr>
-        <p:txBody>
-          <a:bodyPr lIns="91425" tIns="91425" rIns="91425" bIns="91425" anchor="ctr" anchorCtr="0">
-            <a:noAutofit/>
-          </a:bodyPr>
-          <a:lstStyle/>
-          <a:p>
-            <a:pPr lvl="0">
-              <a:spcBef>
-                <a:spcPts val="0"/>
-              </a:spcBef>
-              <a:buNone/>
-            </a:pPr>
-            <a:fld id="{00000000-1234-1234-1234-123412341234}" type="slidenum">
-              <a:rPr lang="en"/>
-              <a:t>‹#›</a:t>
-            </a:fld>
-            <a:endParaRPr lang="en"/>
-          </a:p>
-        </p:txBody>
-      </p:sp>
-    </p:spTree>
-  </p:cSld>
-  <p:clrMapOvr>
-    <a:masterClrMapping/>
-  </p:clrMapOvr>
-</p:sldLayout>
-</file>
-
-<file path=ppt/slideLayouts/slideLayout4.xml><?xml version="1.0" encoding="utf-8"?>
-<p:sldLayout xmlns:a="http://schemas.openxmlformats.org/drawingml/2006/main" xmlns:r="http://schemas.openxmlformats.org/officeDocument/2006/relationships" xmlns:p="http://schemas.openxmlformats.org/presentationml/2006/main" type="twoColTx">
-  <p:cSld name="Title and two columns">
-    <p:spTree>
-      <p:nvGrpSpPr>
-        <p:cNvPr id="1" name="Shape 20"/>
-        <p:cNvGrpSpPr/>
-        <p:nvPr/>
-      </p:nvGrpSpPr>
-      <p:grpSpPr>
-        <a:xfrm>
-          <a:off x="0" y="0"/>
-          <a:ext cx="0" cy="0"/>
-          <a:chOff x="0" y="0"/>
-          <a:chExt cx="0" cy="0"/>
-        </a:xfrm>
-      </p:grpSpPr>
-      <p:sp>
-        <p:nvSpPr>
-          <p:cNvPr id="21" name="Shape 21"/>
-          <p:cNvSpPr txBox="1">
-            <a:spLocks noGrp="1"/>
-          </p:cNvSpPr>
-          <p:nvPr>
-            <p:ph type="title"/>
-          </p:nvPr>
-        </p:nvSpPr>
-        <p:spPr>
-          <a:xfrm>
-            <a:off x="311700" y="445025"/>
-            <a:ext cx="8520600" cy="572700"/>
-          </a:xfrm>
-          <a:prstGeom prst="rect">
-            <a:avLst/>
-          </a:prstGeom>
-        </p:spPr>
-        <p:txBody>
-          <a:bodyPr lIns="91425" tIns="91425" rIns="91425" bIns="91425" anchor="t" anchorCtr="0"/>
-          <a:lstStyle>
-            <a:lvl1pPr lvl="0">
-              <a:spcBef>
-                <a:spcPts val="0"/>
-              </a:spcBef>
-              <a:defRPr/>
-            </a:lvl1pPr>
-            <a:lvl2pPr lvl="1">
-              <a:spcBef>
-                <a:spcPts val="0"/>
-              </a:spcBef>
-              <a:defRPr/>
-            </a:lvl2pPr>
-            <a:lvl3pPr lvl="2">
-              <a:spcBef>
-                <a:spcPts val="0"/>
-              </a:spcBef>
-              <a:defRPr/>
-            </a:lvl3pPr>
-            <a:lvl4pPr lvl="3">
-              <a:spcBef>
-                <a:spcPts val="0"/>
-              </a:spcBef>
-              <a:defRPr/>
-            </a:lvl4pPr>
-            <a:lvl5pPr lvl="4">
-              <a:spcBef>
-                <a:spcPts val="0"/>
-              </a:spcBef>
-              <a:defRPr/>
-            </a:lvl5pPr>
-            <a:lvl6pPr lvl="5">
-              <a:spcBef>
-                <a:spcPts val="0"/>
-              </a:spcBef>
-              <a:defRPr/>
-            </a:lvl6pPr>
-            <a:lvl7pPr lvl="6">
-              <a:spcBef>
-                <a:spcPts val="0"/>
-              </a:spcBef>
-              <a:defRPr/>
-            </a:lvl7pPr>
-            <a:lvl8pPr lvl="7">
-              <a:spcBef>
-                <a:spcPts val="0"/>
-              </a:spcBef>
-              <a:defRPr/>
-            </a:lvl8pPr>
-            <a:lvl9pPr lvl="8">
-              <a:spcBef>
-                <a:spcPts val="0"/>
-              </a:spcBef>
-              <a:defRPr/>
-            </a:lvl9pPr>
-          </a:lstStyle>
-          <a:p>
-            <a:endParaRPr/>
-          </a:p>
-        </p:txBody>
-      </p:sp>
-      <p:sp>
-        <p:nvSpPr>
-          <p:cNvPr id="22" name="Shape 22"/>
-          <p:cNvSpPr txBox="1">
-            <a:spLocks noGrp="1"/>
-          </p:cNvSpPr>
-          <p:nvPr>
-            <p:ph type="body" idx="1"/>
-          </p:nvPr>
-        </p:nvSpPr>
-        <p:spPr>
-          <a:xfrm>
-            <a:off x="311700" y="1152475"/>
-            <a:ext cx="3999900" cy="3416400"/>
-          </a:xfrm>
-          <a:prstGeom prst="rect">
-            <a:avLst/>
-          </a:prstGeom>
-        </p:spPr>
-        <p:txBody>
-          <a:bodyPr lIns="91425" tIns="91425" rIns="91425" bIns="91425" anchor="t" anchorCtr="0"/>
-          <a:lstStyle>
-            <a:lvl1pPr lvl="0">
-              <a:spcBef>
-                <a:spcPts val="0"/>
-              </a:spcBef>
-              <a:buSzPct val="100000"/>
-              <a:defRPr sz="1400"/>
-            </a:lvl1pPr>
-            <a:lvl2pPr lvl="1">
-              <a:spcBef>
-                <a:spcPts val="0"/>
-              </a:spcBef>
-              <a:buSzPct val="100000"/>
-              <a:defRPr sz="1200"/>
-            </a:lvl2pPr>
-            <a:lvl3pPr lvl="2">
-              <a:spcBef>
-                <a:spcPts val="0"/>
-              </a:spcBef>
-              <a:buSzPct val="100000"/>
-              <a:defRPr sz="1200"/>
-            </a:lvl3pPr>
-            <a:lvl4pPr lvl="3">
-              <a:spcBef>
-                <a:spcPts val="0"/>
-              </a:spcBef>
-              <a:buSzPct val="100000"/>
-              <a:defRPr sz="1200"/>
-            </a:lvl4pPr>
-            <a:lvl5pPr lvl="4">
-              <a:spcBef>
-                <a:spcPts val="0"/>
-              </a:spcBef>
-              <a:buSzPct val="100000"/>
-              <a:defRPr sz="1200"/>
-            </a:lvl5pPr>
-            <a:lvl6pPr lvl="5">
-              <a:spcBef>
-                <a:spcPts val="0"/>
-              </a:spcBef>
-              <a:buSzPct val="100000"/>
-              <a:defRPr sz="1200"/>
-            </a:lvl6pPr>
-            <a:lvl7pPr lvl="6">
-              <a:spcBef>
-                <a:spcPts val="0"/>
-              </a:spcBef>
-              <a:buSzPct val="100000"/>
-              <a:defRPr sz="1200"/>
-            </a:lvl7pPr>
-            <a:lvl8pPr lvl="7">
-              <a:spcBef>
-                <a:spcPts val="0"/>
-              </a:spcBef>
-              <a:buSzPct val="100000"/>
-              <a:defRPr sz="1200"/>
-            </a:lvl8pPr>
-            <a:lvl9pPr lvl="8">
-              <a:spcBef>
-                <a:spcPts val="0"/>
-              </a:spcBef>
-              <a:buSzPct val="100000"/>
-              <a:defRPr sz="1200"/>
-            </a:lvl9pPr>
-          </a:lstStyle>
-          <a:p>
-            <a:endParaRPr/>
-          </a:p>
-        </p:txBody>
-      </p:sp>
-      <p:sp>
-        <p:nvSpPr>
-          <p:cNvPr id="23" name="Shape 23"/>
-          <p:cNvSpPr txBox="1">
-            <a:spLocks noGrp="1"/>
-          </p:cNvSpPr>
-          <p:nvPr>
-            <p:ph type="body" idx="2"/>
-          </p:nvPr>
-        </p:nvSpPr>
-        <p:spPr>
-          <a:xfrm>
-            <a:off x="4832400" y="1152475"/>
-            <a:ext cx="3999900" cy="3416400"/>
-          </a:xfrm>
-          <a:prstGeom prst="rect">
-            <a:avLst/>
-          </a:prstGeom>
-        </p:spPr>
-        <p:txBody>
-          <a:bodyPr lIns="91425" tIns="91425" rIns="91425" bIns="91425" anchor="t" anchorCtr="0"/>
-          <a:lstStyle>
-            <a:lvl1pPr lvl="0">
-              <a:spcBef>
-                <a:spcPts val="0"/>
-              </a:spcBef>
-              <a:buSzPct val="100000"/>
-              <a:defRPr sz="1400"/>
-            </a:lvl1pPr>
-            <a:lvl2pPr lvl="1">
-              <a:spcBef>
-                <a:spcPts val="0"/>
-              </a:spcBef>
-              <a:buSzPct val="100000"/>
-              <a:defRPr sz="1200"/>
-            </a:lvl2pPr>
-            <a:lvl3pPr lvl="2">
-              <a:spcBef>
-                <a:spcPts val="0"/>
-              </a:spcBef>
-              <a:buSzPct val="100000"/>
-              <a:defRPr sz="1200"/>
-            </a:lvl3pPr>
-            <a:lvl4pPr lvl="3">
-              <a:spcBef>
-                <a:spcPts val="0"/>
-              </a:spcBef>
-              <a:buSzPct val="100000"/>
-              <a:defRPr sz="1200"/>
-            </a:lvl4pPr>
-            <a:lvl5pPr lvl="4">
-              <a:spcBef>
-                <a:spcPts val="0"/>
-              </a:spcBef>
-              <a:buSzPct val="100000"/>
-              <a:defRPr sz="1200"/>
-            </a:lvl5pPr>
-            <a:lvl6pPr lvl="5">
-              <a:spcBef>
-                <a:spcPts val="0"/>
-              </a:spcBef>
-              <a:buSzPct val="100000"/>
-              <a:defRPr sz="1200"/>
-            </a:lvl6pPr>
-            <a:lvl7pPr lvl="6">
-              <a:spcBef>
-                <a:spcPts val="0"/>
-              </a:spcBef>
-              <a:buSzPct val="100000"/>
-              <a:defRPr sz="1200"/>
-            </a:lvl7pPr>
-            <a:lvl8pPr lvl="7">
-              <a:spcBef>
-                <a:spcPts val="0"/>
-              </a:spcBef>
-              <a:buSzPct val="100000"/>
-              <a:defRPr sz="1200"/>
-            </a:lvl8pPr>
-            <a:lvl9pPr lvl="8">
-              <a:spcBef>
-                <a:spcPts val="0"/>
-              </a:spcBef>
-              <a:buSzPct val="100000"/>
-              <a:defRPr sz="1200"/>
-            </a:lvl9pPr>
-          </a:lstStyle>
-          <a:p>
-            <a:endParaRPr/>
-          </a:p>
-        </p:txBody>
-      </p:sp>
-      <p:sp>
-        <p:nvSpPr>
-          <p:cNvPr id="24" name="Shape 24"/>
-          <p:cNvSpPr txBox="1">
-            <a:spLocks noGrp="1"/>
-          </p:cNvSpPr>
-          <p:nvPr>
-            <p:ph type="sldNum" idx="12"/>
-          </p:nvPr>
-        </p:nvSpPr>
-        <p:spPr>
-          <a:xfrm>
-            <a:off x="8472457" y="4663216"/>
-            <a:ext cx="548700" cy="393600"/>
-          </a:xfrm>
-          <a:prstGeom prst="rect">
-            <a:avLst/>
-          </a:prstGeom>
-        </p:spPr>
-        <p:txBody>
-          <a:bodyPr lIns="91425" tIns="91425" rIns="91425" bIns="91425" anchor="ctr" anchorCtr="0">
-            <a:noAutofit/>
-          </a:bodyPr>
-          <a:lstStyle/>
-          <a:p>
-            <a:pPr lvl="0">
-              <a:spcBef>
-                <a:spcPts val="0"/>
-              </a:spcBef>
-              <a:buNone/>
-            </a:pPr>
-            <a:fld id="{00000000-1234-1234-1234-123412341234}" type="slidenum">
-              <a:rPr lang="en"/>
-              <a:t>‹#›</a:t>
-            </a:fld>
-            <a:endParaRPr lang="en"/>
-          </a:p>
-        </p:txBody>
-      </p:sp>
-    </p:spTree>
-  </p:cSld>
-  <p:clrMapOvr>
-    <a:masterClrMapping/>
-  </p:clrMapOvr>
-</p:sldLayout>
-</file>
-
-<file path=ppt/slideLayouts/slideLayout5.xml><?xml version="1.0" encoding="utf-8"?>
-<p:sldLayout xmlns:a="http://schemas.openxmlformats.org/drawingml/2006/main" xmlns:r="http://schemas.openxmlformats.org/officeDocument/2006/relationships" xmlns:p="http://schemas.openxmlformats.org/presentationml/2006/main" type="titleOnly">
-  <p:cSld name="Title only">
-    <p:spTree>
-      <p:nvGrpSpPr>
-        <p:cNvPr id="1" name="Shape 25"/>
-        <p:cNvGrpSpPr/>
-        <p:nvPr/>
-      </p:nvGrpSpPr>
-      <p:grpSpPr>
-        <a:xfrm>
-          <a:off x="0" y="0"/>
-          <a:ext cx="0" cy="0"/>
-          <a:chOff x="0" y="0"/>
-          <a:chExt cx="0" cy="0"/>
-        </a:xfrm>
-      </p:grpSpPr>
-      <p:sp>
-        <p:nvSpPr>
-          <p:cNvPr id="26" name="Shape 26"/>
-          <p:cNvSpPr txBox="1">
-            <a:spLocks noGrp="1"/>
-          </p:cNvSpPr>
-          <p:nvPr>
-            <p:ph type="title"/>
-          </p:nvPr>
-        </p:nvSpPr>
-        <p:spPr>
-          <a:xfrm>
-            <a:off x="311700" y="445025"/>
-            <a:ext cx="8520600" cy="572700"/>
-          </a:xfrm>
-          <a:prstGeom prst="rect">
-            <a:avLst/>
-          </a:prstGeom>
-        </p:spPr>
-        <p:txBody>
-          <a:bodyPr lIns="91425" tIns="91425" rIns="91425" bIns="91425" anchor="t" anchorCtr="0"/>
-          <a:lstStyle>
-            <a:lvl1pPr lvl="0">
-              <a:spcBef>
-                <a:spcPts val="0"/>
-              </a:spcBef>
-              <a:defRPr/>
-            </a:lvl1pPr>
-            <a:lvl2pPr lvl="1">
-              <a:spcBef>
-                <a:spcPts val="0"/>
-              </a:spcBef>
-              <a:defRPr/>
-            </a:lvl2pPr>
-            <a:lvl3pPr lvl="2">
-              <a:spcBef>
-                <a:spcPts val="0"/>
-              </a:spcBef>
-              <a:defRPr/>
-            </a:lvl3pPr>
-            <a:lvl4pPr lvl="3">
-              <a:spcBef>
-                <a:spcPts val="0"/>
-              </a:spcBef>
-              <a:defRPr/>
-            </a:lvl4pPr>
-            <a:lvl5pPr lvl="4">
-              <a:spcBef>
-                <a:spcPts val="0"/>
-              </a:spcBef>
-              <a:defRPr/>
-            </a:lvl5pPr>
-            <a:lvl6pPr lvl="5">
-              <a:spcBef>
-                <a:spcPts val="0"/>
-              </a:spcBef>
-              <a:defRPr/>
-            </a:lvl6pPr>
-            <a:lvl7pPr lvl="6">
-              <a:spcBef>
-                <a:spcPts val="0"/>
-              </a:spcBef>
-              <a:defRPr/>
-            </a:lvl7pPr>
-            <a:lvl8pPr lvl="7">
-              <a:spcBef>
-                <a:spcPts val="0"/>
-              </a:spcBef>
-              <a:defRPr/>
-            </a:lvl8pPr>
-            <a:lvl9pPr lvl="8">
-              <a:spcBef>
-                <a:spcPts val="0"/>
-              </a:spcBef>
-              <a:defRPr/>
-            </a:lvl9pPr>
-          </a:lstStyle>
-          <a:p>
-            <a:endParaRPr/>
-          </a:p>
-        </p:txBody>
-      </p:sp>
-      <p:sp>
-        <p:nvSpPr>
-          <p:cNvPr id="27" name="Shape 27"/>
-          <p:cNvSpPr txBox="1">
-            <a:spLocks noGrp="1"/>
-          </p:cNvSpPr>
-          <p:nvPr>
-            <p:ph type="sldNum" idx="12"/>
-          </p:nvPr>
-        </p:nvSpPr>
-        <p:spPr>
-          <a:xfrm>
-            <a:off x="8472457" y="4663216"/>
-            <a:ext cx="548700" cy="393600"/>
-          </a:xfrm>
-          <a:prstGeom prst="rect">
-            <a:avLst/>
-          </a:prstGeom>
-        </p:spPr>
-        <p:txBody>
-          <a:bodyPr lIns="91425" tIns="91425" rIns="91425" bIns="91425" anchor="ctr" anchorCtr="0">
-            <a:noAutofit/>
-          </a:bodyPr>
-          <a:lstStyle/>
-          <a:p>
-            <a:pPr lvl="0">
-              <a:spcBef>
-                <a:spcPts val="0"/>
-              </a:spcBef>
-              <a:buNone/>
-            </a:pPr>
-            <a:fld id="{00000000-1234-1234-1234-123412341234}" type="slidenum">
-              <a:rPr lang="en"/>
-              <a:t>‹#›</a:t>
-            </a:fld>
-            <a:endParaRPr lang="en"/>
-          </a:p>
-        </p:txBody>
-      </p:sp>
-    </p:spTree>
-  </p:cSld>
-  <p:clrMapOvr>
-    <a:masterClrMapping/>
-  </p:clrMapOvr>
-</p:sldLayout>
-</file>
-
-<file path=ppt/slideLayouts/slideLayout6.xml><?xml version="1.0" encoding="utf-8"?>
-<p:sldLayout xmlns:a="http://schemas.openxmlformats.org/drawingml/2006/main" xmlns:r="http://schemas.openxmlformats.org/officeDocument/2006/relationships" xmlns:p="http://schemas.openxmlformats.org/presentationml/2006/main">
-  <p:cSld name="One column text">
-    <p:spTree>
-      <p:nvGrpSpPr>
-        <p:cNvPr id="1" name="Shape 28"/>
-        <p:cNvGrpSpPr/>
-        <p:nvPr/>
-      </p:nvGrpSpPr>
-      <p:grpSpPr>
-        <a:xfrm>
-          <a:off x="0" y="0"/>
-          <a:ext cx="0" cy="0"/>
-          <a:chOff x="0" y="0"/>
-          <a:chExt cx="0" cy="0"/>
-        </a:xfrm>
-      </p:grpSpPr>
-      <p:sp>
-        <p:nvSpPr>
-          <p:cNvPr id="29" name="Shape 29"/>
-          <p:cNvSpPr txBox="1">
-            <a:spLocks noGrp="1"/>
-          </p:cNvSpPr>
-          <p:nvPr>
-            <p:ph type="title"/>
-          </p:nvPr>
-        </p:nvSpPr>
-        <p:spPr>
-          <a:xfrm>
-            <a:off x="311700" y="555600"/>
-            <a:ext cx="2808000" cy="755700"/>
-          </a:xfrm>
-          <a:prstGeom prst="rect">
-            <a:avLst/>
-          </a:prstGeom>
-        </p:spPr>
-        <p:txBody>
-          <a:bodyPr lIns="91425" tIns="91425" rIns="91425" bIns="91425" anchor="b" anchorCtr="0"/>
-          <a:lstStyle>
-            <a:lvl1pPr lvl="0">
-              <a:spcBef>
-                <a:spcPts val="0"/>
-              </a:spcBef>
-              <a:buSzPct val="100000"/>
-              <a:defRPr sz="2400"/>
-            </a:lvl1pPr>
-            <a:lvl2pPr lvl="1">
-              <a:spcBef>
-                <a:spcPts val="0"/>
-              </a:spcBef>
-              <a:buSzPct val="100000"/>
-              <a:defRPr sz="2400"/>
-            </a:lvl2pPr>
-            <a:lvl3pPr lvl="2">
-              <a:spcBef>
-                <a:spcPts val="0"/>
-              </a:spcBef>
-              <a:buSzPct val="100000"/>
-              <a:defRPr sz="2400"/>
-            </a:lvl3pPr>
-            <a:lvl4pPr lvl="3">
-              <a:spcBef>
-                <a:spcPts val="0"/>
-              </a:spcBef>
-              <a:buSzPct val="100000"/>
-              <a:defRPr sz="2400"/>
-            </a:lvl4pPr>
-            <a:lvl5pPr lvl="4">
-              <a:spcBef>
-                <a:spcPts val="0"/>
-              </a:spcBef>
-              <a:buSzPct val="100000"/>
-              <a:defRPr sz="2400"/>
-            </a:lvl5pPr>
-            <a:lvl6pPr lvl="5">
-              <a:spcBef>
-                <a:spcPts val="0"/>
-              </a:spcBef>
-              <a:buSzPct val="100000"/>
-              <a:defRPr sz="2400"/>
-            </a:lvl6pPr>
-            <a:lvl7pPr lvl="6">
-              <a:spcBef>
-                <a:spcPts val="0"/>
-              </a:spcBef>
-              <a:buSzPct val="100000"/>
-              <a:defRPr sz="2400"/>
-            </a:lvl7pPr>
-            <a:lvl8pPr lvl="7">
-              <a:spcBef>
-                <a:spcPts val="0"/>
-              </a:spcBef>
-              <a:buSzPct val="100000"/>
-              <a:defRPr sz="2400"/>
-            </a:lvl8pPr>
-            <a:lvl9pPr lvl="8">
-              <a:spcBef>
-                <a:spcPts val="0"/>
-              </a:spcBef>
-              <a:buSzPct val="100000"/>
-              <a:defRPr sz="2400"/>
-            </a:lvl9pPr>
-          </a:lstStyle>
-          <a:p>
-            <a:endParaRPr/>
-          </a:p>
-        </p:txBody>
-      </p:sp>
-      <p:sp>
-        <p:nvSpPr>
-          <p:cNvPr id="30" name="Shape 30"/>
-          <p:cNvSpPr txBox="1">
-            <a:spLocks noGrp="1"/>
-          </p:cNvSpPr>
-          <p:nvPr>
-            <p:ph type="body" idx="1"/>
-          </p:nvPr>
-        </p:nvSpPr>
-        <p:spPr>
-          <a:xfrm>
-            <a:off x="311700" y="1389600"/>
-            <a:ext cx="2808000" cy="3179400"/>
-          </a:xfrm>
-          <a:prstGeom prst="rect">
-            <a:avLst/>
-          </a:prstGeom>
-        </p:spPr>
-        <p:txBody>
-          <a:bodyPr lIns="91425" tIns="91425" rIns="91425" bIns="91425" anchor="t" anchorCtr="0"/>
-          <a:lstStyle>
-            <a:lvl1pPr lvl="0">
-              <a:spcBef>
-                <a:spcPts val="0"/>
-              </a:spcBef>
-              <a:buSzPct val="100000"/>
-              <a:defRPr sz="1200"/>
-            </a:lvl1pPr>
-            <a:lvl2pPr lvl="1">
-              <a:spcBef>
-                <a:spcPts val="0"/>
-              </a:spcBef>
-              <a:buSzPct val="100000"/>
-              <a:defRPr sz="1200"/>
-            </a:lvl2pPr>
-            <a:lvl3pPr lvl="2">
-              <a:spcBef>
-                <a:spcPts val="0"/>
-              </a:spcBef>
-              <a:buSzPct val="100000"/>
-              <a:defRPr sz="1200"/>
-            </a:lvl3pPr>
-            <a:lvl4pPr lvl="3">
-              <a:spcBef>
-                <a:spcPts val="0"/>
-              </a:spcBef>
-              <a:buSzPct val="100000"/>
-              <a:defRPr sz="1200"/>
-            </a:lvl4pPr>
-            <a:lvl5pPr lvl="4">
-              <a:spcBef>
-                <a:spcPts val="0"/>
-              </a:spcBef>
-              <a:buSzPct val="100000"/>
-              <a:defRPr sz="1200"/>
-            </a:lvl5pPr>
-            <a:lvl6pPr lvl="5">
-              <a:spcBef>
-                <a:spcPts val="0"/>
-              </a:spcBef>
-              <a:buSzPct val="100000"/>
-              <a:defRPr sz="1200"/>
-            </a:lvl6pPr>
-            <a:lvl7pPr lvl="6">
-              <a:spcBef>
-                <a:spcPts val="0"/>
-              </a:spcBef>
-              <a:buSzPct val="100000"/>
-              <a:defRPr sz="1200"/>
-            </a:lvl7pPr>
-            <a:lvl8pPr lvl="7">
-              <a:spcBef>
-                <a:spcPts val="0"/>
-              </a:spcBef>
-              <a:buSzPct val="100000"/>
-              <a:defRPr sz="1200"/>
-            </a:lvl8pPr>
-            <a:lvl9pPr lvl="8">
-              <a:spcBef>
-                <a:spcPts val="0"/>
-              </a:spcBef>
-              <a:buSzPct val="100000"/>
-              <a:defRPr sz="1200"/>
-            </a:lvl9pPr>
-          </a:lstStyle>
-          <a:p>
-            <a:endParaRPr/>
-          </a:p>
-        </p:txBody>
-      </p:sp>
-      <p:sp>
-        <p:nvSpPr>
-          <p:cNvPr id="31" name="Shape 31"/>
-          <p:cNvSpPr txBox="1">
-            <a:spLocks noGrp="1"/>
-          </p:cNvSpPr>
-          <p:nvPr>
-            <p:ph type="sldNum" idx="12"/>
-          </p:nvPr>
-        </p:nvSpPr>
-        <p:spPr>
-          <a:xfrm>
-            <a:off x="8472457" y="4663216"/>
-            <a:ext cx="548700" cy="393600"/>
-          </a:xfrm>
-          <a:prstGeom prst="rect">
-            <a:avLst/>
-          </a:prstGeom>
-        </p:spPr>
-        <p:txBody>
-          <a:bodyPr lIns="91425" tIns="91425" rIns="91425" bIns="91425" anchor="ctr" anchorCtr="0">
-            <a:noAutofit/>
-          </a:bodyPr>
-          <a:lstStyle/>
-          <a:p>
-            <a:pPr lvl="0">
-              <a:spcBef>
-                <a:spcPts val="0"/>
-              </a:spcBef>
-              <a:buNone/>
-            </a:pPr>
-            <a:fld id="{00000000-1234-1234-1234-123412341234}" type="slidenum">
-              <a:rPr lang="en"/>
-              <a:t>‹#›</a:t>
-            </a:fld>
-            <a:endParaRPr lang="en"/>
-          </a:p>
-        </p:txBody>
-      </p:sp>
-    </p:spTree>
-  </p:cSld>
-  <p:clrMapOvr>
-    <a:masterClrMapping/>
-  </p:clrMapOvr>
-</p:sldLayout>
-</file>
-
-<file path=ppt/slideLayouts/slideLayout7.xml><?xml version="1.0" encoding="utf-8"?>
-<p:sldLayout xmlns:a="http://schemas.openxmlformats.org/drawingml/2006/main" xmlns:r="http://schemas.openxmlformats.org/officeDocument/2006/relationships" xmlns:p="http://schemas.openxmlformats.org/presentationml/2006/main">
-  <p:cSld name="Main point">
-    <p:spTree>
-      <p:nvGrpSpPr>
-        <p:cNvPr id="1" name="Shape 32"/>
-        <p:cNvGrpSpPr/>
-        <p:nvPr/>
-      </p:nvGrpSpPr>
-      <p:grpSpPr>
-        <a:xfrm>
-          <a:off x="0" y="0"/>
-          <a:ext cx="0" cy="0"/>
-          <a:chOff x="0" y="0"/>
-          <a:chExt cx="0" cy="0"/>
-        </a:xfrm>
-      </p:grpSpPr>
-      <p:sp>
-        <p:nvSpPr>
-          <p:cNvPr id="33" name="Shape 33"/>
-          <p:cNvSpPr txBox="1">
-            <a:spLocks noGrp="1"/>
-          </p:cNvSpPr>
-          <p:nvPr>
-            <p:ph type="title"/>
-          </p:nvPr>
-        </p:nvSpPr>
-        <p:spPr>
-          <a:xfrm>
-            <a:off x="490250" y="450150"/>
-            <a:ext cx="6367800" cy="4090800"/>
-          </a:xfrm>
-          <a:prstGeom prst="rect">
-            <a:avLst/>
-          </a:prstGeom>
-        </p:spPr>
-        <p:txBody>
-          <a:bodyPr lIns="91425" tIns="91425" rIns="91425" bIns="91425" anchor="ctr" anchorCtr="0"/>
-          <a:lstStyle>
-            <a:lvl1pPr lvl="0">
-              <a:spcBef>
-                <a:spcPts val="0"/>
-              </a:spcBef>
-              <a:buSzPct val="100000"/>
-              <a:defRPr sz="4800"/>
-            </a:lvl1pPr>
-            <a:lvl2pPr lvl="1">
-              <a:spcBef>
-                <a:spcPts val="0"/>
-              </a:spcBef>
-              <a:buSzPct val="100000"/>
-              <a:defRPr sz="4800"/>
-            </a:lvl2pPr>
-            <a:lvl3pPr lvl="2">
-              <a:spcBef>
-                <a:spcPts val="0"/>
-              </a:spcBef>
-              <a:buSzPct val="100000"/>
-              <a:defRPr sz="4800"/>
-            </a:lvl3pPr>
-            <a:lvl4pPr lvl="3">
-              <a:spcBef>
-                <a:spcPts val="0"/>
-              </a:spcBef>
-              <a:buSzPct val="100000"/>
-              <a:defRPr sz="4800"/>
-            </a:lvl4pPr>
-            <a:lvl5pPr lvl="4">
-              <a:spcBef>
-                <a:spcPts val="0"/>
-              </a:spcBef>
-              <a:buSzPct val="100000"/>
-              <a:defRPr sz="4800"/>
-            </a:lvl5pPr>
-            <a:lvl6pPr lvl="5">
-              <a:spcBef>
-                <a:spcPts val="0"/>
-              </a:spcBef>
-              <a:buSzPct val="100000"/>
-              <a:defRPr sz="4800"/>
-            </a:lvl6pPr>
-            <a:lvl7pPr lvl="6">
-              <a:spcBef>
-                <a:spcPts val="0"/>
-              </a:spcBef>
-              <a:buSzPct val="100000"/>
-              <a:defRPr sz="4800"/>
-            </a:lvl7pPr>
-            <a:lvl8pPr lvl="7">
-              <a:spcBef>
-                <a:spcPts val="0"/>
-              </a:spcBef>
-              <a:buSzPct val="100000"/>
-              <a:defRPr sz="4800"/>
-            </a:lvl8pPr>
-            <a:lvl9pPr lvl="8">
-              <a:spcBef>
-                <a:spcPts val="0"/>
-              </a:spcBef>
-              <a:buSzPct val="100000"/>
-              <a:defRPr sz="4800"/>
-            </a:lvl9pPr>
-          </a:lstStyle>
-          <a:p>
-            <a:endParaRPr/>
-          </a:p>
-        </p:txBody>
-      </p:sp>
-      <p:sp>
-        <p:nvSpPr>
-          <p:cNvPr id="34" name="Shape 34"/>
-          <p:cNvSpPr txBox="1">
-            <a:spLocks noGrp="1"/>
-          </p:cNvSpPr>
-          <p:nvPr>
-            <p:ph type="sldNum" idx="12"/>
-          </p:nvPr>
-        </p:nvSpPr>
-        <p:spPr>
-          <a:xfrm>
-            <a:off x="8472457" y="4663216"/>
-            <a:ext cx="548700" cy="393600"/>
-          </a:xfrm>
-          <a:prstGeom prst="rect">
-            <a:avLst/>
-          </a:prstGeom>
-        </p:spPr>
-        <p:txBody>
-          <a:bodyPr lIns="91425" tIns="91425" rIns="91425" bIns="91425" anchor="ctr" anchorCtr="0">
-            <a:noAutofit/>
-          </a:bodyPr>
-          <a:lstStyle/>
-          <a:p>
-            <a:pPr lvl="0">
-              <a:spcBef>
-                <a:spcPts val="0"/>
-              </a:spcBef>
-              <a:buNone/>
-            </a:pPr>
-            <a:fld id="{00000000-1234-1234-1234-123412341234}" type="slidenum">
-              <a:rPr lang="en"/>
-              <a:t>‹#›</a:t>
-            </a:fld>
-            <a:endParaRPr lang="en"/>
-          </a:p>
-        </p:txBody>
-      </p:sp>
-    </p:spTree>
-  </p:cSld>
-  <p:clrMapOvr>
-    <a:masterClrMapping/>
-  </p:clrMapOvr>
-</p:sldLayout>
-</file>
-
-<file path=ppt/slideLayouts/slideLayout8.xml><?xml version="1.0" encoding="utf-8"?>
-<p:sldLayout xmlns:a="http://schemas.openxmlformats.org/drawingml/2006/main" xmlns:r="http://schemas.openxmlformats.org/officeDocument/2006/relationships" xmlns:p="http://schemas.openxmlformats.org/presentationml/2006/main">
-  <p:cSld name="Section title and description">
-    <p:spTree>
-      <p:nvGrpSpPr>
-        <p:cNvPr id="1" name="Shape 35"/>
-        <p:cNvGrpSpPr/>
-        <p:nvPr/>
-      </p:nvGrpSpPr>
-      <p:grpSpPr>
-        <a:xfrm>
-          <a:off x="0" y="0"/>
-          <a:ext cx="0" cy="0"/>
-          <a:chOff x="0" y="0"/>
-          <a:chExt cx="0" cy="0"/>
-        </a:xfrm>
-      </p:grpSpPr>
-      <p:sp>
-        <p:nvSpPr>
-          <p:cNvPr id="36" name="Shape 36"/>
-          <p:cNvSpPr/>
-          <p:nvPr/>
-        </p:nvSpPr>
-        <p:spPr>
-          <a:xfrm>
-            <a:off x="4572000" y="-125"/>
-            <a:ext cx="4572000" cy="5143500"/>
-          </a:xfrm>
-          <a:prstGeom prst="rect">
-            <a:avLst/>
-          </a:prstGeom>
-          <a:solidFill>
-            <a:schemeClr val="lt2"/>
-          </a:solidFill>
-          <a:ln>
-            <a:noFill/>
-          </a:ln>
-        </p:spPr>
-        <p:txBody>
-          <a:bodyPr lIns="91425" tIns="91425" rIns="91425" bIns="91425" anchor="ctr" anchorCtr="0">
-            <a:noAutofit/>
-          </a:bodyPr>
-          <a:lstStyle/>
-          <a:p>
-            <a:pPr lvl="0">
-              <a:spcBef>
-                <a:spcPts val="0"/>
-              </a:spcBef>
-              <a:buNone/>
-            </a:pPr>
-            <a:endParaRPr/>
-          </a:p>
-        </p:txBody>
-      </p:sp>
-      <p:sp>
-        <p:nvSpPr>
-          <p:cNvPr id="37" name="Shape 37"/>
-          <p:cNvSpPr txBox="1">
-            <a:spLocks noGrp="1"/>
-          </p:cNvSpPr>
-          <p:nvPr>
-            <p:ph type="title"/>
-          </p:nvPr>
-        </p:nvSpPr>
-        <p:spPr>
-          <a:xfrm>
-            <a:off x="265500" y="1233175"/>
-            <a:ext cx="4045200" cy="1482300"/>
-          </a:xfrm>
-          <a:prstGeom prst="rect">
-            <a:avLst/>
-          </a:prstGeom>
-        </p:spPr>
-        <p:txBody>
-          <a:bodyPr lIns="91425" tIns="91425" rIns="91425" bIns="91425" anchor="b" anchorCtr="0"/>
-          <a:lstStyle>
-            <a:lvl1pPr lvl="0" algn="ctr">
-              <a:spcBef>
-                <a:spcPts val="0"/>
-              </a:spcBef>
-              <a:buSzPct val="100000"/>
-              <a:defRPr sz="4200"/>
-            </a:lvl1pPr>
-            <a:lvl2pPr lvl="1" algn="ctr">
-              <a:spcBef>
-                <a:spcPts val="0"/>
-              </a:spcBef>
-              <a:buSzPct val="100000"/>
-              <a:defRPr sz="4200"/>
-            </a:lvl2pPr>
-            <a:lvl3pPr lvl="2" algn="ctr">
-              <a:spcBef>
-                <a:spcPts val="0"/>
-              </a:spcBef>
-              <a:buSzPct val="100000"/>
-              <a:defRPr sz="4200"/>
-            </a:lvl3pPr>
-            <a:lvl4pPr lvl="3" algn="ctr">
-              <a:spcBef>
-                <a:spcPts val="0"/>
-              </a:spcBef>
-              <a:buSzPct val="100000"/>
-              <a:defRPr sz="4200"/>
-            </a:lvl4pPr>
-            <a:lvl5pPr lvl="4" algn="ctr">
-              <a:spcBef>
-                <a:spcPts val="0"/>
-              </a:spcBef>
-              <a:buSzPct val="100000"/>
-              <a:defRPr sz="4200"/>
-            </a:lvl5pPr>
-            <a:lvl6pPr lvl="5" algn="ctr">
-              <a:spcBef>
-                <a:spcPts val="0"/>
-              </a:spcBef>
-              <a:buSzPct val="100000"/>
-              <a:defRPr sz="4200"/>
-            </a:lvl6pPr>
-            <a:lvl7pPr lvl="6" algn="ctr">
-              <a:spcBef>
-                <a:spcPts val="0"/>
-              </a:spcBef>
-              <a:buSzPct val="100000"/>
-              <a:defRPr sz="4200"/>
-            </a:lvl7pPr>
-            <a:lvl8pPr lvl="7" algn="ctr">
-              <a:spcBef>
-                <a:spcPts val="0"/>
-              </a:spcBef>
-              <a:buSzPct val="100000"/>
-              <a:defRPr sz="4200"/>
-            </a:lvl8pPr>
-            <a:lvl9pPr lvl="8" algn="ctr">
-              <a:spcBef>
-                <a:spcPts val="0"/>
-              </a:spcBef>
-              <a:buSzPct val="100000"/>
-              <a:defRPr sz="4200"/>
-            </a:lvl9pPr>
-          </a:lstStyle>
-          <a:p>
-            <a:endParaRPr/>
-          </a:p>
-        </p:txBody>
-      </p:sp>
-      <p:sp>
-        <p:nvSpPr>
-          <p:cNvPr id="38" name="Shape 38"/>
-          <p:cNvSpPr txBox="1">
-            <a:spLocks noGrp="1"/>
-          </p:cNvSpPr>
-          <p:nvPr>
-            <p:ph type="subTitle" idx="1"/>
-          </p:nvPr>
-        </p:nvSpPr>
-        <p:spPr>
-          <a:xfrm>
-            <a:off x="265500" y="2803075"/>
-            <a:ext cx="4045200" cy="1235100"/>
-          </a:xfrm>
-          <a:prstGeom prst="rect">
-            <a:avLst/>
-          </a:prstGeom>
-        </p:spPr>
-        <p:txBody>
-          <a:bodyPr lIns="91425" tIns="91425" rIns="91425" bIns="91425" anchor="t" anchorCtr="0"/>
-          <a:lstStyle>
-            <a:lvl1pPr lvl="0" algn="ctr">
-              <a:lnSpc>
-                <a:spcPct val="100000"/>
-              </a:lnSpc>
-              <a:spcBef>
-                <a:spcPts val="0"/>
-              </a:spcBef>
-              <a:spcAft>
-                <a:spcPts val="0"/>
-              </a:spcAft>
-              <a:buSzPct val="100000"/>
-              <a:buNone/>
-              <a:defRPr sz="2100"/>
-            </a:lvl1pPr>
-            <a:lvl2pPr lvl="1" algn="ctr">
-              <a:lnSpc>
-                <a:spcPct val="100000"/>
-              </a:lnSpc>
-              <a:spcBef>
-                <a:spcPts val="0"/>
-              </a:spcBef>
-              <a:spcAft>
-                <a:spcPts val="0"/>
-              </a:spcAft>
-              <a:buSzPct val="100000"/>
-              <a:buNone/>
-              <a:defRPr sz="2100"/>
-            </a:lvl2pPr>
-            <a:lvl3pPr lvl="2" algn="ctr">
-              <a:lnSpc>
-                <a:spcPct val="100000"/>
-              </a:lnSpc>
-              <a:spcBef>
-                <a:spcPts val="0"/>
-              </a:spcBef>
-              <a:spcAft>
-                <a:spcPts val="0"/>
-              </a:spcAft>
-              <a:buSzPct val="100000"/>
-              <a:buNone/>
-              <a:defRPr sz="2100"/>
-            </a:lvl3pPr>
-            <a:lvl4pPr lvl="3" algn="ctr">
-              <a:lnSpc>
-                <a:spcPct val="100000"/>
-              </a:lnSpc>
-              <a:spcBef>
-                <a:spcPts val="0"/>
-              </a:spcBef>
-              <a:spcAft>
-                <a:spcPts val="0"/>
-              </a:spcAft>
-              <a:buSzPct val="100000"/>
-              <a:buNone/>
-              <a:defRPr sz="2100"/>
-            </a:lvl4pPr>
-            <a:lvl5pPr lvl="4" algn="ctr">
-              <a:lnSpc>
-                <a:spcPct val="100000"/>
-              </a:lnSpc>
-              <a:spcBef>
-                <a:spcPts val="0"/>
-              </a:spcBef>
-              <a:spcAft>
-                <a:spcPts val="0"/>
-              </a:spcAft>
-              <a:buSzPct val="100000"/>
-              <a:buNone/>
-              <a:defRPr sz="2100"/>
-            </a:lvl5pPr>
-            <a:lvl6pPr lvl="5" algn="ctr">
-              <a:lnSpc>
-                <a:spcPct val="100000"/>
-              </a:lnSpc>
-              <a:spcBef>
-                <a:spcPts val="0"/>
-              </a:spcBef>
-              <a:spcAft>
-                <a:spcPts val="0"/>
-              </a:spcAft>
-              <a:buSzPct val="100000"/>
-              <a:buNone/>
-              <a:defRPr sz="2100"/>
-            </a:lvl6pPr>
-            <a:lvl7pPr lvl="6" algn="ctr">
-              <a:lnSpc>
-                <a:spcPct val="100000"/>
-              </a:lnSpc>
-              <a:spcBef>
-                <a:spcPts val="0"/>
-              </a:spcBef>
-              <a:spcAft>
-                <a:spcPts val="0"/>
-              </a:spcAft>
-              <a:buSzPct val="100000"/>
-              <a:buNone/>
-              <a:defRPr sz="2100"/>
-            </a:lvl7pPr>
-            <a:lvl8pPr lvl="7" algn="ctr">
-              <a:lnSpc>
-                <a:spcPct val="100000"/>
-              </a:lnSpc>
-              <a:spcBef>
-                <a:spcPts val="0"/>
-              </a:spcBef>
-              <a:spcAft>
-                <a:spcPts val="0"/>
-              </a:spcAft>
-              <a:buSzPct val="100000"/>
-              <a:buNone/>
-              <a:defRPr sz="2100"/>
-            </a:lvl8pPr>
-            <a:lvl9pPr lvl="8" algn="ctr">
-              <a:lnSpc>
-                <a:spcPct val="100000"/>
-              </a:lnSpc>
-              <a:spcBef>
-                <a:spcPts val="0"/>
-              </a:spcBef>
-              <a:spcAft>
-                <a:spcPts val="0"/>
-              </a:spcAft>
-              <a:buSzPct val="100000"/>
-              <a:buNone/>
-              <a:defRPr sz="2100"/>
-            </a:lvl9pPr>
-          </a:lstStyle>
-          <a:p>
-            <a:endParaRPr/>
-          </a:p>
-        </p:txBody>
-      </p:sp>
-      <p:sp>
-        <p:nvSpPr>
-          <p:cNvPr id="39" name="Shape 39"/>
-          <p:cNvSpPr txBox="1">
-            <a:spLocks noGrp="1"/>
-          </p:cNvSpPr>
-          <p:nvPr>
-            <p:ph type="body" idx="2"/>
-          </p:nvPr>
-        </p:nvSpPr>
-        <p:spPr>
-          <a:xfrm>
-            <a:off x="4939500" y="724075"/>
-            <a:ext cx="3837000" cy="3695100"/>
-          </a:xfrm>
-          <a:prstGeom prst="rect">
-            <a:avLst/>
-          </a:prstGeom>
-        </p:spPr>
-        <p:txBody>
-          <a:bodyPr lIns="91425" tIns="91425" rIns="91425" bIns="91425" anchor="ctr" anchorCtr="0"/>
-          <a:lstStyle>
-            <a:lvl1pPr lvl="0">
-              <a:spcBef>
-                <a:spcPts val="0"/>
-              </a:spcBef>
-              <a:defRPr/>
-            </a:lvl1pPr>
-            <a:lvl2pPr lvl="1">
-              <a:spcBef>
-                <a:spcPts val="0"/>
-              </a:spcBef>
-              <a:defRPr/>
-            </a:lvl2pPr>
-            <a:lvl3pPr lvl="2">
-              <a:spcBef>
-                <a:spcPts val="0"/>
-              </a:spcBef>
-              <a:defRPr/>
-            </a:lvl3pPr>
-            <a:lvl4pPr lvl="3">
-              <a:spcBef>
-                <a:spcPts val="0"/>
-              </a:spcBef>
-              <a:defRPr/>
-            </a:lvl4pPr>
-            <a:lvl5pPr lvl="4">
-              <a:spcBef>
-                <a:spcPts val="0"/>
-              </a:spcBef>
-              <a:defRPr/>
-            </a:lvl5pPr>
-            <a:lvl6pPr lvl="5">
-              <a:spcBef>
-                <a:spcPts val="0"/>
-              </a:spcBef>
-              <a:defRPr/>
-            </a:lvl6pPr>
-            <a:lvl7pPr lvl="6">
-              <a:spcBef>
-                <a:spcPts val="0"/>
-              </a:spcBef>
-              <a:defRPr/>
-            </a:lvl7pPr>
-            <a:lvl8pPr lvl="7">
-              <a:spcBef>
-                <a:spcPts val="0"/>
-              </a:spcBef>
-              <a:defRPr/>
-            </a:lvl8pPr>
-            <a:lvl9pPr lvl="8">
-              <a:spcBef>
-                <a:spcPts val="0"/>
-              </a:spcBef>
-              <a:defRPr/>
-            </a:lvl9pPr>
-          </a:lstStyle>
-          <a:p>
-            <a:endParaRPr/>
-          </a:p>
-        </p:txBody>
-      </p:sp>
-      <p:sp>
-        <p:nvSpPr>
-          <p:cNvPr id="40" name="Shape 40"/>
-          <p:cNvSpPr txBox="1">
-            <a:spLocks noGrp="1"/>
-          </p:cNvSpPr>
-          <p:nvPr>
-            <p:ph type="sldNum" idx="12"/>
-          </p:nvPr>
-        </p:nvSpPr>
-        <p:spPr>
-          <a:xfrm>
-            <a:off x="8472457" y="4663216"/>
-            <a:ext cx="548700" cy="393600"/>
-          </a:xfrm>
-          <a:prstGeom prst="rect">
-            <a:avLst/>
-          </a:prstGeom>
-        </p:spPr>
-        <p:txBody>
-          <a:bodyPr lIns="91425" tIns="91425" rIns="91425" bIns="91425" anchor="ctr" anchorCtr="0">
-            <a:noAutofit/>
-          </a:bodyPr>
-          <a:lstStyle/>
-          <a:p>
-            <a:pPr lvl="0">
-              <a:spcBef>
-                <a:spcPts val="0"/>
-              </a:spcBef>
-              <a:buNone/>
-            </a:pPr>
-            <a:fld id="{00000000-1234-1234-1234-123412341234}" type="slidenum">
-              <a:rPr lang="en"/>
-              <a:t>‹#›</a:t>
-            </a:fld>
-            <a:endParaRPr lang="en"/>
-          </a:p>
-        </p:txBody>
-      </p:sp>
-    </p:spTree>
-  </p:cSld>
-  <p:clrMapOvr>
-    <a:masterClrMapping/>
-  </p:clrMapOvr>
-</p:sldLayout>
-</file>
-
-<file path=ppt/slideLayouts/slideLayout9.xml><?xml version="1.0" encoding="utf-8"?>
-<p:sldLayout xmlns:a="http://schemas.openxmlformats.org/drawingml/2006/main" xmlns:r="http://schemas.openxmlformats.org/officeDocument/2006/relationships" xmlns:p="http://schemas.openxmlformats.org/presentationml/2006/main">
-  <p:cSld name="Caption">
-    <p:spTree>
-      <p:nvGrpSpPr>
-        <p:cNvPr id="1" name="Shape 41"/>
-        <p:cNvGrpSpPr/>
-        <p:nvPr/>
-      </p:nvGrpSpPr>
-      <p:grpSpPr>
-        <a:xfrm>
-          <a:off x="0" y="0"/>
-          <a:ext cx="0" cy="0"/>
-          <a:chOff x="0" y="0"/>
-          <a:chExt cx="0" cy="0"/>
-        </a:xfrm>
-      </p:grpSpPr>
-      <p:sp>
-        <p:nvSpPr>
-          <p:cNvPr id="42" name="Shape 42"/>
-          <p:cNvSpPr txBox="1">
-            <a:spLocks noGrp="1"/>
-          </p:cNvSpPr>
-          <p:nvPr>
-            <p:ph type="body" idx="1"/>
-          </p:nvPr>
-        </p:nvSpPr>
-        <p:spPr>
-          <a:xfrm>
-            <a:off x="311700" y="4230575"/>
-            <a:ext cx="5998800" cy="605100"/>
-          </a:xfrm>
-          <a:prstGeom prst="rect">
-            <a:avLst/>
-          </a:prstGeom>
-        </p:spPr>
-        <p:txBody>
-          <a:bodyPr lIns="91425" tIns="91425" rIns="91425" bIns="91425" anchor="ctr" anchorCtr="0"/>
-          <a:lstStyle>
-            <a:lvl1pPr lvl="0">
-              <a:lnSpc>
-                <a:spcPct val="100000"/>
-              </a:lnSpc>
-              <a:spcBef>
-                <a:spcPts val="0"/>
-              </a:spcBef>
-              <a:spcAft>
-                <a:spcPts val="0"/>
-              </a:spcAft>
-              <a:buNone/>
-              <a:defRPr/>
-            </a:lvl1pPr>
-          </a:lstStyle>
-          <a:p>
-            <a:endParaRPr/>
-          </a:p>
-        </p:txBody>
-      </p:sp>
-      <p:sp>
-        <p:nvSpPr>
-          <p:cNvPr id="43" name="Shape 43"/>
           <p:cNvSpPr txBox="1">
             <a:spLocks noGrp="1"/>
           </p:cNvSpPr>
@@ -4508,16 +4364,15 @@
   <p:clrMap bg1="lt1" tx1="dk1" bg2="dk2" tx2="lt2" accent1="accent1" accent2="accent2" accent3="accent3" accent4="accent4" accent5="accent5" accent6="accent6" hlink="hlink" folHlink="folHlink"/>
   <p:sldLayoutIdLst>
     <p:sldLayoutId id="2147483648" r:id="rId1"/>
-    <p:sldLayoutId id="2147483649" r:id="rId2"/>
-    <p:sldLayoutId id="2147483650" r:id="rId3"/>
-    <p:sldLayoutId id="2147483651" r:id="rId4"/>
-    <p:sldLayoutId id="2147483652" r:id="rId5"/>
-    <p:sldLayoutId id="2147483653" r:id="rId6"/>
-    <p:sldLayoutId id="2147483654" r:id="rId7"/>
-    <p:sldLayoutId id="2147483655" r:id="rId8"/>
-    <p:sldLayoutId id="2147483656" r:id="rId9"/>
-    <p:sldLayoutId id="2147483657" r:id="rId10"/>
-    <p:sldLayoutId id="2147483658" r:id="rId11"/>
+    <p:sldLayoutId id="2147483650" r:id="rId2"/>
+    <p:sldLayoutId id="2147483651" r:id="rId3"/>
+    <p:sldLayoutId id="2147483652" r:id="rId4"/>
+    <p:sldLayoutId id="2147483653" r:id="rId5"/>
+    <p:sldLayoutId id="2147483654" r:id="rId6"/>
+    <p:sldLayoutId id="2147483655" r:id="rId7"/>
+    <p:sldLayoutId id="2147483656" r:id="rId8"/>
+    <p:sldLayoutId id="2147483657" r:id="rId9"/>
+    <p:sldLayoutId id="2147483658" r:id="rId10"/>
   </p:sldLayoutIdLst>
   <p:hf sldNum="0" hdr="0" ftr="0" dt="0"/>
   <p:txStyles>
@@ -7049,54 +6904,6 @@
       </p:sp>
       <p:sp>
         <p:nvSpPr>
-          <p:cNvPr id="1004" name="Shape 1004"/>
-          <p:cNvSpPr txBox="1"/>
-          <p:nvPr/>
-        </p:nvSpPr>
-        <p:spPr>
-          <a:xfrm>
-            <a:off x="6498100" y="558813"/>
-            <a:ext cx="952500" cy="342900"/>
-          </a:xfrm>
-          <a:prstGeom prst="rect">
-            <a:avLst/>
-          </a:prstGeom>
-          <a:noFill/>
-          <a:ln w="9525" cap="flat" cmpd="sng">
-            <a:solidFill>
-              <a:srgbClr val="000000"/>
-            </a:solidFill>
-            <a:prstDash val="solid"/>
-            <a:round/>
-            <a:headEnd type="none" w="med" len="med"/>
-            <a:tailEnd type="none" w="med" len="med"/>
-          </a:ln>
-        </p:spPr>
-        <p:txBody>
-          <a:bodyPr lIns="91425" tIns="91425" rIns="91425" bIns="91425" anchor="ctr" anchorCtr="0">
-            <a:noAutofit/>
-          </a:bodyPr>
-          <a:lstStyle/>
-          <a:p>
-            <a:pPr lvl="0" algn="ctr" rtl="0">
-              <a:spcBef>
-                <a:spcPts val="0"/>
-              </a:spcBef>
-              <a:buNone/>
-            </a:pPr>
-            <a:r>
-              <a:rPr lang="en">
-                <a:solidFill>
-                  <a:srgbClr val="073763"/>
-                </a:solidFill>
-              </a:rPr>
-              <a:t>Hi, Mr. X</a:t>
-            </a:r>
-          </a:p>
-        </p:txBody>
-      </p:sp>
-      <p:sp>
-        <p:nvSpPr>
           <p:cNvPr id="1005" name="Shape 1005"/>
           <p:cNvSpPr/>
           <p:nvPr/>
@@ -7451,52 +7258,6 @@
             <a:r>
               <a:rPr lang="en"/>
               <a:t>Create Destination</a:t>
-            </a:r>
-          </a:p>
-        </p:txBody>
-      </p:sp>
-      <p:sp>
-        <p:nvSpPr>
-          <p:cNvPr id="1014" name="Shape 1014"/>
-          <p:cNvSpPr/>
-          <p:nvPr/>
-        </p:nvSpPr>
-        <p:spPr>
-          <a:xfrm>
-            <a:off x="7450600" y="568425"/>
-            <a:ext cx="952500" cy="323700"/>
-          </a:xfrm>
-          <a:prstGeom prst="rect">
-            <a:avLst/>
-          </a:prstGeom>
-          <a:solidFill>
-            <a:srgbClr val="FFFFFF"/>
-          </a:solidFill>
-          <a:ln w="19050" cap="flat" cmpd="sng">
-            <a:solidFill>
-              <a:srgbClr val="666666"/>
-            </a:solidFill>
-            <a:prstDash val="solid"/>
-            <a:round/>
-            <a:headEnd type="none" w="med" len="med"/>
-            <a:tailEnd type="none" w="med" len="med"/>
-          </a:ln>
-        </p:spPr>
-        <p:txBody>
-          <a:bodyPr lIns="91425" tIns="91425" rIns="91425" bIns="91425" anchor="ctr" anchorCtr="0">
-            <a:noAutofit/>
-          </a:bodyPr>
-          <a:lstStyle/>
-          <a:p>
-            <a:pPr lvl="0" rtl="0">
-              <a:spcBef>
-                <a:spcPts val="0"/>
-              </a:spcBef>
-              <a:buNone/>
-            </a:pPr>
-            <a:r>
-              <a:rPr lang="en"/>
-              <a:t>Log out</a:t>
             </a:r>
           </a:p>
         </p:txBody>
@@ -7702,6 +7463,107 @@
           </a:ln>
         </p:spPr>
       </p:pic>
+      <p:sp>
+        <p:nvSpPr>
+          <p:cNvPr id="38" name="Shape 686"/>
+          <p:cNvSpPr txBox="1"/>
+          <p:nvPr/>
+        </p:nvSpPr>
+        <p:spPr>
+          <a:xfrm>
+            <a:off x="5487364" y="558825"/>
+            <a:ext cx="1422900" cy="342900"/>
+          </a:xfrm>
+          <a:prstGeom prst="rect">
+            <a:avLst/>
+          </a:prstGeom>
+          <a:noFill/>
+          <a:ln w="9525" cap="flat" cmpd="sng">
+            <a:solidFill>
+              <a:srgbClr val="000000"/>
+            </a:solidFill>
+            <a:prstDash val="solid"/>
+            <a:round/>
+            <a:headEnd type="none" w="med" len="med"/>
+            <a:tailEnd type="none" w="med" len="med"/>
+          </a:ln>
+        </p:spPr>
+        <p:txBody>
+          <a:bodyPr lIns="91425" tIns="91425" rIns="91425" bIns="91425" anchor="ctr" anchorCtr="0">
+            <a:noAutofit/>
+          </a:bodyPr>
+          <a:lstStyle/>
+          <a:p>
+            <a:pPr lvl="0" algn="ctr" rtl="0">
+              <a:spcBef>
+                <a:spcPts val="0"/>
+              </a:spcBef>
+              <a:buNone/>
+            </a:pPr>
+            <a:r>
+              <a:rPr lang="en" dirty="0">
+                <a:solidFill>
+                  <a:srgbClr val="073763"/>
+                </a:solidFill>
+              </a:rPr>
+              <a:t>Hi, John Doe</a:t>
+            </a:r>
+          </a:p>
+        </p:txBody>
+      </p:sp>
+      <p:sp>
+        <p:nvSpPr>
+          <p:cNvPr id="39" name="Shape 686"/>
+          <p:cNvSpPr txBox="1"/>
+          <p:nvPr/>
+        </p:nvSpPr>
+        <p:spPr>
+          <a:xfrm>
+            <a:off x="6948062" y="556477"/>
+            <a:ext cx="1422900" cy="342900"/>
+          </a:xfrm>
+          <a:prstGeom prst="rect">
+            <a:avLst/>
+          </a:prstGeom>
+          <a:noFill/>
+          <a:ln w="9525" cap="flat" cmpd="sng">
+            <a:solidFill>
+              <a:srgbClr val="000000"/>
+            </a:solidFill>
+            <a:prstDash val="solid"/>
+            <a:round/>
+            <a:headEnd type="none" w="med" len="med"/>
+            <a:tailEnd type="none" w="med" len="med"/>
+          </a:ln>
+        </p:spPr>
+        <p:txBody>
+          <a:bodyPr lIns="91425" tIns="91425" rIns="91425" bIns="91425" anchor="ctr" anchorCtr="0">
+            <a:noAutofit/>
+          </a:bodyPr>
+          <a:lstStyle/>
+          <a:p>
+            <a:pPr lvl="0" algn="ctr" rtl="0">
+              <a:spcBef>
+                <a:spcPts val="0"/>
+              </a:spcBef>
+              <a:buNone/>
+            </a:pPr>
+            <a:r>
+              <a:rPr lang="en-US" dirty="0">
+                <a:solidFill>
+                  <a:srgbClr val="073763"/>
+                </a:solidFill>
+              </a:rPr>
+              <a:t>Logout</a:t>
+            </a:r>
+            <a:endParaRPr lang="en" dirty="0">
+              <a:solidFill>
+                <a:srgbClr val="073763"/>
+              </a:solidFill>
+            </a:endParaRPr>
+          </a:p>
+        </p:txBody>
+      </p:sp>
     </p:spTree>
   </p:cSld>
   <p:clrMapOvr>
@@ -8445,54 +8307,6 @@
       </p:sp>
       <p:sp>
         <p:nvSpPr>
-          <p:cNvPr id="1044" name="Shape 1044"/>
-          <p:cNvSpPr txBox="1"/>
-          <p:nvPr/>
-        </p:nvSpPr>
-        <p:spPr>
-          <a:xfrm>
-            <a:off x="6498100" y="558813"/>
-            <a:ext cx="952500" cy="342900"/>
-          </a:xfrm>
-          <a:prstGeom prst="rect">
-            <a:avLst/>
-          </a:prstGeom>
-          <a:noFill/>
-          <a:ln w="9525" cap="flat" cmpd="sng">
-            <a:solidFill>
-              <a:srgbClr val="000000"/>
-            </a:solidFill>
-            <a:prstDash val="solid"/>
-            <a:round/>
-            <a:headEnd type="none" w="med" len="med"/>
-            <a:tailEnd type="none" w="med" len="med"/>
-          </a:ln>
-        </p:spPr>
-        <p:txBody>
-          <a:bodyPr lIns="91425" tIns="91425" rIns="91425" bIns="91425" anchor="ctr" anchorCtr="0">
-            <a:noAutofit/>
-          </a:bodyPr>
-          <a:lstStyle/>
-          <a:p>
-            <a:pPr lvl="0" algn="ctr" rtl="0">
-              <a:spcBef>
-                <a:spcPts val="0"/>
-              </a:spcBef>
-              <a:buNone/>
-            </a:pPr>
-            <a:r>
-              <a:rPr lang="en">
-                <a:solidFill>
-                  <a:srgbClr val="073763"/>
-                </a:solidFill>
-              </a:rPr>
-              <a:t>Hi, Mr. X</a:t>
-            </a:r>
-          </a:p>
-        </p:txBody>
-      </p:sp>
-      <p:sp>
-        <p:nvSpPr>
           <p:cNvPr id="1045" name="Shape 1045"/>
           <p:cNvSpPr/>
           <p:nvPr/>
@@ -8786,52 +8600,6 @@
             <a:r>
               <a:rPr lang="en"/>
               <a:t>City           :</a:t>
-            </a:r>
-          </a:p>
-        </p:txBody>
-      </p:sp>
-      <p:sp>
-        <p:nvSpPr>
-          <p:cNvPr id="1053" name="Shape 1053"/>
-          <p:cNvSpPr/>
-          <p:nvPr/>
-        </p:nvSpPr>
-        <p:spPr>
-          <a:xfrm>
-            <a:off x="7450600" y="568425"/>
-            <a:ext cx="952500" cy="323700"/>
-          </a:xfrm>
-          <a:prstGeom prst="rect">
-            <a:avLst/>
-          </a:prstGeom>
-          <a:solidFill>
-            <a:srgbClr val="FFFFFF"/>
-          </a:solidFill>
-          <a:ln w="19050" cap="flat" cmpd="sng">
-            <a:solidFill>
-              <a:srgbClr val="666666"/>
-            </a:solidFill>
-            <a:prstDash val="solid"/>
-            <a:round/>
-            <a:headEnd type="none" w="med" len="med"/>
-            <a:tailEnd type="none" w="med" len="med"/>
-          </a:ln>
-        </p:spPr>
-        <p:txBody>
-          <a:bodyPr lIns="91425" tIns="91425" rIns="91425" bIns="91425" anchor="ctr" anchorCtr="0">
-            <a:noAutofit/>
-          </a:bodyPr>
-          <a:lstStyle/>
-          <a:p>
-            <a:pPr lvl="0" rtl="0">
-              <a:spcBef>
-                <a:spcPts val="0"/>
-              </a:spcBef>
-              <a:buNone/>
-            </a:pPr>
-            <a:r>
-              <a:rPr lang="en"/>
-              <a:t>Log out</a:t>
             </a:r>
           </a:p>
         </p:txBody>
@@ -8991,6 +8759,107 @@
           </a:ln>
         </p:spPr>
       </p:pic>
+      <p:sp>
+        <p:nvSpPr>
+          <p:cNvPr id="36" name="Shape 686"/>
+          <p:cNvSpPr txBox="1"/>
+          <p:nvPr/>
+        </p:nvSpPr>
+        <p:spPr>
+          <a:xfrm>
+            <a:off x="5487364" y="558825"/>
+            <a:ext cx="1422900" cy="342900"/>
+          </a:xfrm>
+          <a:prstGeom prst="rect">
+            <a:avLst/>
+          </a:prstGeom>
+          <a:noFill/>
+          <a:ln w="9525" cap="flat" cmpd="sng">
+            <a:solidFill>
+              <a:srgbClr val="000000"/>
+            </a:solidFill>
+            <a:prstDash val="solid"/>
+            <a:round/>
+            <a:headEnd type="none" w="med" len="med"/>
+            <a:tailEnd type="none" w="med" len="med"/>
+          </a:ln>
+        </p:spPr>
+        <p:txBody>
+          <a:bodyPr lIns="91425" tIns="91425" rIns="91425" bIns="91425" anchor="ctr" anchorCtr="0">
+            <a:noAutofit/>
+          </a:bodyPr>
+          <a:lstStyle/>
+          <a:p>
+            <a:pPr lvl="0" algn="ctr" rtl="0">
+              <a:spcBef>
+                <a:spcPts val="0"/>
+              </a:spcBef>
+              <a:buNone/>
+            </a:pPr>
+            <a:r>
+              <a:rPr lang="en" dirty="0">
+                <a:solidFill>
+                  <a:srgbClr val="073763"/>
+                </a:solidFill>
+              </a:rPr>
+              <a:t>Hi, John Doe</a:t>
+            </a:r>
+          </a:p>
+        </p:txBody>
+      </p:sp>
+      <p:sp>
+        <p:nvSpPr>
+          <p:cNvPr id="37" name="Shape 686"/>
+          <p:cNvSpPr txBox="1"/>
+          <p:nvPr/>
+        </p:nvSpPr>
+        <p:spPr>
+          <a:xfrm>
+            <a:off x="6948062" y="556477"/>
+            <a:ext cx="1422900" cy="342900"/>
+          </a:xfrm>
+          <a:prstGeom prst="rect">
+            <a:avLst/>
+          </a:prstGeom>
+          <a:noFill/>
+          <a:ln w="9525" cap="flat" cmpd="sng">
+            <a:solidFill>
+              <a:srgbClr val="000000"/>
+            </a:solidFill>
+            <a:prstDash val="solid"/>
+            <a:round/>
+            <a:headEnd type="none" w="med" len="med"/>
+            <a:tailEnd type="none" w="med" len="med"/>
+          </a:ln>
+        </p:spPr>
+        <p:txBody>
+          <a:bodyPr lIns="91425" tIns="91425" rIns="91425" bIns="91425" anchor="ctr" anchorCtr="0">
+            <a:noAutofit/>
+          </a:bodyPr>
+          <a:lstStyle/>
+          <a:p>
+            <a:pPr lvl="0" algn="ctr" rtl="0">
+              <a:spcBef>
+                <a:spcPts val="0"/>
+              </a:spcBef>
+              <a:buNone/>
+            </a:pPr>
+            <a:r>
+              <a:rPr lang="en-US" dirty="0">
+                <a:solidFill>
+                  <a:srgbClr val="073763"/>
+                </a:solidFill>
+              </a:rPr>
+              <a:t>Logout</a:t>
+            </a:r>
+            <a:endParaRPr lang="en" dirty="0">
+              <a:solidFill>
+                <a:srgbClr val="073763"/>
+              </a:solidFill>
+            </a:endParaRPr>
+          </a:p>
+        </p:txBody>
+      </p:sp>
     </p:spTree>
   </p:cSld>
   <p:clrMapOvr>
@@ -9650,7 +9519,7 @@
         </p:nvSpPr>
         <p:spPr>
           <a:xfrm>
-            <a:off x="7126250" y="558825"/>
+            <a:off x="5719480" y="558825"/>
             <a:ext cx="1422900" cy="342900"/>
           </a:xfrm>
           <a:prstGeom prst="rect">
@@ -9680,7 +9549,7 @@
               <a:buNone/>
             </a:pPr>
             <a:r>
-              <a:rPr lang="en">
+              <a:rPr lang="en" dirty="0">
                 <a:solidFill>
                   <a:srgbClr val="073763"/>
                 </a:solidFill>
@@ -10358,6 +10227,59 @@
               <a:rPr lang="en"/>
               <a:t>Cancel</a:t>
             </a:r>
+          </a:p>
+        </p:txBody>
+      </p:sp>
+      <p:sp>
+        <p:nvSpPr>
+          <p:cNvPr id="36" name="Shape 686"/>
+          <p:cNvSpPr txBox="1"/>
+          <p:nvPr/>
+        </p:nvSpPr>
+        <p:spPr>
+          <a:xfrm>
+            <a:off x="7180178" y="556477"/>
+            <a:ext cx="1422900" cy="342900"/>
+          </a:xfrm>
+          <a:prstGeom prst="rect">
+            <a:avLst/>
+          </a:prstGeom>
+          <a:noFill/>
+          <a:ln w="9525" cap="flat" cmpd="sng">
+            <a:solidFill>
+              <a:srgbClr val="000000"/>
+            </a:solidFill>
+            <a:prstDash val="solid"/>
+            <a:round/>
+            <a:headEnd type="none" w="med" len="med"/>
+            <a:tailEnd type="none" w="med" len="med"/>
+          </a:ln>
+        </p:spPr>
+        <p:txBody>
+          <a:bodyPr lIns="91425" tIns="91425" rIns="91425" bIns="91425" anchor="ctr" anchorCtr="0">
+            <a:noAutofit/>
+          </a:bodyPr>
+          <a:lstStyle/>
+          <a:p>
+            <a:pPr lvl="0" algn="ctr" rtl="0">
+              <a:spcBef>
+                <a:spcPts val="0"/>
+              </a:spcBef>
+              <a:buNone/>
+            </a:pPr>
+            <a:r>
+              <a:rPr lang="en-US" dirty="0">
+                <a:solidFill>
+                  <a:srgbClr val="073763"/>
+                </a:solidFill>
+              </a:rPr>
+              <a:t>Logout</a:t>
+            </a:r>
+            <a:endParaRPr lang="en" dirty="0">
+              <a:solidFill>
+                <a:srgbClr val="073763"/>
+              </a:solidFill>
+            </a:endParaRPr>
           </a:p>
         </p:txBody>
       </p:sp>
@@ -12114,54 +12036,6 @@
                 </a:solidFill>
               </a:rPr>
               <a:t>Past Events</a:t>
-            </a:r>
-          </a:p>
-        </p:txBody>
-      </p:sp>
-      <p:sp>
-        <p:nvSpPr>
-          <p:cNvPr id="756" name="Shape 756"/>
-          <p:cNvSpPr txBox="1"/>
-          <p:nvPr/>
-        </p:nvSpPr>
-        <p:spPr>
-          <a:xfrm>
-            <a:off x="6498100" y="558813"/>
-            <a:ext cx="952500" cy="342900"/>
-          </a:xfrm>
-          <a:prstGeom prst="rect">
-            <a:avLst/>
-          </a:prstGeom>
-          <a:noFill/>
-          <a:ln w="9525" cap="flat" cmpd="sng">
-            <a:solidFill>
-              <a:srgbClr val="000000"/>
-            </a:solidFill>
-            <a:prstDash val="solid"/>
-            <a:round/>
-            <a:headEnd type="none" w="med" len="med"/>
-            <a:tailEnd type="none" w="med" len="med"/>
-          </a:ln>
-        </p:spPr>
-        <p:txBody>
-          <a:bodyPr lIns="91425" tIns="91425" rIns="91425" bIns="91425" anchor="ctr" anchorCtr="0">
-            <a:noAutofit/>
-          </a:bodyPr>
-          <a:lstStyle/>
-          <a:p>
-            <a:pPr lvl="0" algn="ctr" rtl="0">
-              <a:spcBef>
-                <a:spcPts val="0"/>
-              </a:spcBef>
-              <a:buNone/>
-            </a:pPr>
-            <a:r>
-              <a:rPr lang="en">
-                <a:solidFill>
-                  <a:srgbClr val="073763"/>
-                </a:solidFill>
-              </a:rPr>
-              <a:t>Hi, Mr. X</a:t>
             </a:r>
           </a:p>
         </p:txBody>
@@ -14928,6 +14802,107 @@
           </a:p>
         </p:txBody>
       </p:sp>
+      <p:sp>
+        <p:nvSpPr>
+          <p:cNvPr id="41" name="Shape 686"/>
+          <p:cNvSpPr txBox="1"/>
+          <p:nvPr/>
+        </p:nvSpPr>
+        <p:spPr>
+          <a:xfrm>
+            <a:off x="5488496" y="544020"/>
+            <a:ext cx="1422900" cy="342900"/>
+          </a:xfrm>
+          <a:prstGeom prst="rect">
+            <a:avLst/>
+          </a:prstGeom>
+          <a:noFill/>
+          <a:ln w="9525" cap="flat" cmpd="sng">
+            <a:solidFill>
+              <a:srgbClr val="000000"/>
+            </a:solidFill>
+            <a:prstDash val="solid"/>
+            <a:round/>
+            <a:headEnd type="none" w="med" len="med"/>
+            <a:tailEnd type="none" w="med" len="med"/>
+          </a:ln>
+        </p:spPr>
+        <p:txBody>
+          <a:bodyPr lIns="91425" tIns="91425" rIns="91425" bIns="91425" anchor="ctr" anchorCtr="0">
+            <a:noAutofit/>
+          </a:bodyPr>
+          <a:lstStyle/>
+          <a:p>
+            <a:pPr lvl="0" algn="ctr" rtl="0">
+              <a:spcBef>
+                <a:spcPts val="0"/>
+              </a:spcBef>
+              <a:buNone/>
+            </a:pPr>
+            <a:r>
+              <a:rPr lang="en" dirty="0">
+                <a:solidFill>
+                  <a:srgbClr val="073763"/>
+                </a:solidFill>
+              </a:rPr>
+              <a:t>Hi, John Doe</a:t>
+            </a:r>
+          </a:p>
+        </p:txBody>
+      </p:sp>
+      <p:sp>
+        <p:nvSpPr>
+          <p:cNvPr id="42" name="Shape 686"/>
+          <p:cNvSpPr txBox="1"/>
+          <p:nvPr/>
+        </p:nvSpPr>
+        <p:spPr>
+          <a:xfrm>
+            <a:off x="6949194" y="541672"/>
+            <a:ext cx="1422900" cy="342900"/>
+          </a:xfrm>
+          <a:prstGeom prst="rect">
+            <a:avLst/>
+          </a:prstGeom>
+          <a:noFill/>
+          <a:ln w="9525" cap="flat" cmpd="sng">
+            <a:solidFill>
+              <a:srgbClr val="000000"/>
+            </a:solidFill>
+            <a:prstDash val="solid"/>
+            <a:round/>
+            <a:headEnd type="none" w="med" len="med"/>
+            <a:tailEnd type="none" w="med" len="med"/>
+          </a:ln>
+        </p:spPr>
+        <p:txBody>
+          <a:bodyPr lIns="91425" tIns="91425" rIns="91425" bIns="91425" anchor="ctr" anchorCtr="0">
+            <a:noAutofit/>
+          </a:bodyPr>
+          <a:lstStyle/>
+          <a:p>
+            <a:pPr lvl="0" algn="ctr" rtl="0">
+              <a:spcBef>
+                <a:spcPts val="0"/>
+              </a:spcBef>
+              <a:buNone/>
+            </a:pPr>
+            <a:r>
+              <a:rPr lang="en-US" dirty="0">
+                <a:solidFill>
+                  <a:srgbClr val="073763"/>
+                </a:solidFill>
+              </a:rPr>
+              <a:t>Logout</a:t>
+            </a:r>
+            <a:endParaRPr lang="en" dirty="0">
+              <a:solidFill>
+                <a:srgbClr val="073763"/>
+              </a:solidFill>
+            </a:endParaRPr>
+          </a:p>
+        </p:txBody>
+      </p:sp>
     </p:spTree>
   </p:cSld>
   <p:clrMapOvr>
@@ -15707,54 +15682,6 @@
                 </a:solidFill>
               </a:rPr>
               <a:t>Past Events</a:t>
-            </a:r>
-          </a:p>
-        </p:txBody>
-      </p:sp>
-      <p:sp>
-        <p:nvSpPr>
-          <p:cNvPr id="799" name="Shape 799"/>
-          <p:cNvSpPr txBox="1"/>
-          <p:nvPr/>
-        </p:nvSpPr>
-        <p:spPr>
-          <a:xfrm>
-            <a:off x="6498100" y="558813"/>
-            <a:ext cx="952500" cy="342900"/>
-          </a:xfrm>
-          <a:prstGeom prst="rect">
-            <a:avLst/>
-          </a:prstGeom>
-          <a:noFill/>
-          <a:ln w="9525" cap="flat" cmpd="sng">
-            <a:solidFill>
-              <a:srgbClr val="000000"/>
-            </a:solidFill>
-            <a:prstDash val="solid"/>
-            <a:round/>
-            <a:headEnd type="none" w="med" len="med"/>
-            <a:tailEnd type="none" w="med" len="med"/>
-          </a:ln>
-        </p:spPr>
-        <p:txBody>
-          <a:bodyPr lIns="91425" tIns="91425" rIns="91425" bIns="91425" anchor="ctr" anchorCtr="0">
-            <a:noAutofit/>
-          </a:bodyPr>
-          <a:lstStyle/>
-          <a:p>
-            <a:pPr lvl="0" algn="ctr" rtl="0">
-              <a:spcBef>
-                <a:spcPts val="0"/>
-              </a:spcBef>
-              <a:buNone/>
-            </a:pPr>
-            <a:r>
-              <a:rPr lang="en">
-                <a:solidFill>
-                  <a:srgbClr val="073763"/>
-                </a:solidFill>
-              </a:rPr>
-              <a:t>Hi, Mr. X</a:t>
             </a:r>
           </a:p>
         </p:txBody>
@@ -17542,6 +17469,107 @@
           </a:p>
         </p:txBody>
       </p:sp>
+      <p:sp>
+        <p:nvSpPr>
+          <p:cNvPr id="39" name="Shape 686"/>
+          <p:cNvSpPr txBox="1"/>
+          <p:nvPr/>
+        </p:nvSpPr>
+        <p:spPr>
+          <a:xfrm>
+            <a:off x="5473296" y="558825"/>
+            <a:ext cx="1422900" cy="342900"/>
+          </a:xfrm>
+          <a:prstGeom prst="rect">
+            <a:avLst/>
+          </a:prstGeom>
+          <a:noFill/>
+          <a:ln w="9525" cap="flat" cmpd="sng">
+            <a:solidFill>
+              <a:srgbClr val="000000"/>
+            </a:solidFill>
+            <a:prstDash val="solid"/>
+            <a:round/>
+            <a:headEnd type="none" w="med" len="med"/>
+            <a:tailEnd type="none" w="med" len="med"/>
+          </a:ln>
+        </p:spPr>
+        <p:txBody>
+          <a:bodyPr lIns="91425" tIns="91425" rIns="91425" bIns="91425" anchor="ctr" anchorCtr="0">
+            <a:noAutofit/>
+          </a:bodyPr>
+          <a:lstStyle/>
+          <a:p>
+            <a:pPr lvl="0" algn="ctr" rtl="0">
+              <a:spcBef>
+                <a:spcPts val="0"/>
+              </a:spcBef>
+              <a:buNone/>
+            </a:pPr>
+            <a:r>
+              <a:rPr lang="en" dirty="0">
+                <a:solidFill>
+                  <a:srgbClr val="073763"/>
+                </a:solidFill>
+              </a:rPr>
+              <a:t>Hi, John Doe</a:t>
+            </a:r>
+          </a:p>
+        </p:txBody>
+      </p:sp>
+      <p:sp>
+        <p:nvSpPr>
+          <p:cNvPr id="40" name="Shape 686"/>
+          <p:cNvSpPr txBox="1"/>
+          <p:nvPr/>
+        </p:nvSpPr>
+        <p:spPr>
+          <a:xfrm>
+            <a:off x="6933994" y="556477"/>
+            <a:ext cx="1422900" cy="342900"/>
+          </a:xfrm>
+          <a:prstGeom prst="rect">
+            <a:avLst/>
+          </a:prstGeom>
+          <a:noFill/>
+          <a:ln w="9525" cap="flat" cmpd="sng">
+            <a:solidFill>
+              <a:srgbClr val="000000"/>
+            </a:solidFill>
+            <a:prstDash val="solid"/>
+            <a:round/>
+            <a:headEnd type="none" w="med" len="med"/>
+            <a:tailEnd type="none" w="med" len="med"/>
+          </a:ln>
+        </p:spPr>
+        <p:txBody>
+          <a:bodyPr lIns="91425" tIns="91425" rIns="91425" bIns="91425" anchor="ctr" anchorCtr="0">
+            <a:noAutofit/>
+          </a:bodyPr>
+          <a:lstStyle/>
+          <a:p>
+            <a:pPr lvl="0" algn="ctr" rtl="0">
+              <a:spcBef>
+                <a:spcPts val="0"/>
+              </a:spcBef>
+              <a:buNone/>
+            </a:pPr>
+            <a:r>
+              <a:rPr lang="en-US" dirty="0">
+                <a:solidFill>
+                  <a:srgbClr val="073763"/>
+                </a:solidFill>
+              </a:rPr>
+              <a:t>Logout</a:t>
+            </a:r>
+            <a:endParaRPr lang="en" dirty="0">
+              <a:solidFill>
+                <a:srgbClr val="073763"/>
+              </a:solidFill>
+            </a:endParaRPr>
+          </a:p>
+        </p:txBody>
+      </p:sp>
     </p:spTree>
   </p:cSld>
   <p:clrMapOvr>
@@ -18321,54 +18349,6 @@
                 </a:solidFill>
               </a:rPr>
               <a:t>Past Events</a:t>
-            </a:r>
-          </a:p>
-        </p:txBody>
-      </p:sp>
-      <p:sp>
-        <p:nvSpPr>
-          <p:cNvPr id="840" name="Shape 840"/>
-          <p:cNvSpPr txBox="1"/>
-          <p:nvPr/>
-        </p:nvSpPr>
-        <p:spPr>
-          <a:xfrm>
-            <a:off x="6498100" y="558813"/>
-            <a:ext cx="952500" cy="342900"/>
-          </a:xfrm>
-          <a:prstGeom prst="rect">
-            <a:avLst/>
-          </a:prstGeom>
-          <a:noFill/>
-          <a:ln w="9525" cap="flat" cmpd="sng">
-            <a:solidFill>
-              <a:srgbClr val="000000"/>
-            </a:solidFill>
-            <a:prstDash val="solid"/>
-            <a:round/>
-            <a:headEnd type="none" w="med" len="med"/>
-            <a:tailEnd type="none" w="med" len="med"/>
-          </a:ln>
-        </p:spPr>
-        <p:txBody>
-          <a:bodyPr lIns="91425" tIns="91425" rIns="91425" bIns="91425" anchor="ctr" anchorCtr="0">
-            <a:noAutofit/>
-          </a:bodyPr>
-          <a:lstStyle/>
-          <a:p>
-            <a:pPr lvl="0" algn="ctr" rtl="0">
-              <a:spcBef>
-                <a:spcPts val="0"/>
-              </a:spcBef>
-              <a:buNone/>
-            </a:pPr>
-            <a:r>
-              <a:rPr lang="en">
-                <a:solidFill>
-                  <a:srgbClr val="073763"/>
-                </a:solidFill>
-              </a:rPr>
-              <a:t>Hi, Mr. X</a:t>
             </a:r>
           </a:p>
         </p:txBody>
@@ -20434,619 +20414,16 @@
           </a:p>
         </p:txBody>
       </p:sp>
-    </p:spTree>
-  </p:cSld>
-  <p:clrMapOvr>
-    <a:masterClrMapping/>
-  </p:clrMapOvr>
-</p:sld>
-</file>
-
-<file path=ppt/slides/slide7.xml><?xml version="1.0" encoding="utf-8"?>
-<p:sld xmlns:a="http://schemas.openxmlformats.org/drawingml/2006/main" xmlns:r="http://schemas.openxmlformats.org/officeDocument/2006/relationships" xmlns:p="http://schemas.openxmlformats.org/presentationml/2006/main">
-  <p:cSld>
-    <p:spTree>
-      <p:nvGrpSpPr>
-        <p:cNvPr id="1" name="Shape 861"/>
-        <p:cNvGrpSpPr/>
-        <p:nvPr/>
-      </p:nvGrpSpPr>
-      <p:grpSpPr>
-        <a:xfrm>
-          <a:off x="0" y="0"/>
-          <a:ext cx="0" cy="0"/>
-          <a:chOff x="0" y="0"/>
-          <a:chExt cx="0" cy="0"/>
-        </a:xfrm>
-      </p:grpSpPr>
-      <p:grpSp>
-        <p:nvGrpSpPr>
-          <p:cNvPr id="862" name="Shape 862"/>
-          <p:cNvGrpSpPr/>
-          <p:nvPr/>
-        </p:nvGrpSpPr>
-        <p:grpSpPr>
-          <a:xfrm>
-            <a:off x="416255" y="50535"/>
-            <a:ext cx="8194851" cy="5042448"/>
-            <a:chOff x="2006444" y="13009537"/>
-            <a:chExt cx="9166500" cy="5198400"/>
-          </a:xfrm>
-        </p:grpSpPr>
-        <p:sp>
-          <p:nvSpPr>
-            <p:cNvPr id="863" name="Shape 863"/>
-            <p:cNvSpPr/>
-            <p:nvPr/>
-          </p:nvSpPr>
-          <p:spPr>
-            <a:xfrm>
-              <a:off x="2006444" y="13394137"/>
-              <a:ext cx="9166500" cy="4813800"/>
-            </a:xfrm>
-            <a:prstGeom prst="rect">
-              <a:avLst/>
-            </a:prstGeom>
-            <a:solidFill>
-              <a:srgbClr val="FFFFFF"/>
-            </a:solidFill>
-            <a:ln w="19050" cap="flat" cmpd="sng">
-              <a:solidFill>
-                <a:srgbClr val="6FA8DC"/>
-              </a:solidFill>
-              <a:prstDash val="solid"/>
-              <a:round/>
-              <a:headEnd type="none" w="med" len="med"/>
-              <a:tailEnd type="none" w="med" len="med"/>
-            </a:ln>
-          </p:spPr>
-          <p:txBody>
-            <a:bodyPr lIns="91425" tIns="91425" rIns="91425" bIns="91425" anchor="ctr" anchorCtr="0">
-              <a:noAutofit/>
-            </a:bodyPr>
-            <a:lstStyle/>
-            <a:p>
-              <a:pPr lvl="0" rtl="0">
-                <a:spcBef>
-                  <a:spcPts val="0"/>
-                </a:spcBef>
-                <a:buNone/>
-              </a:pPr>
-              <a:endParaRPr/>
-            </a:p>
-          </p:txBody>
-        </p:sp>
-        <p:sp>
-          <p:nvSpPr>
-            <p:cNvPr id="864" name="Shape 864"/>
-            <p:cNvSpPr/>
-            <p:nvPr/>
-          </p:nvSpPr>
-          <p:spPr>
-            <a:xfrm>
-              <a:off x="2006444" y="13009537"/>
-              <a:ext cx="9166200" cy="384600"/>
-            </a:xfrm>
-            <a:prstGeom prst="rect">
-              <a:avLst/>
-            </a:prstGeom>
-            <a:solidFill>
-              <a:srgbClr val="CFE2F3"/>
-            </a:solidFill>
-            <a:ln w="19050" cap="flat" cmpd="sng">
-              <a:solidFill>
-                <a:srgbClr val="6FA8DC"/>
-              </a:solidFill>
-              <a:prstDash val="solid"/>
-              <a:round/>
-              <a:headEnd type="none" w="med" len="med"/>
-              <a:tailEnd type="none" w="med" len="med"/>
-            </a:ln>
-          </p:spPr>
-          <p:txBody>
-            <a:bodyPr lIns="91425" tIns="91425" rIns="91425" bIns="91425" anchor="ctr" anchorCtr="0">
-              <a:noAutofit/>
-            </a:bodyPr>
-            <a:lstStyle/>
-            <a:p>
-              <a:pPr lvl="0">
-                <a:spcBef>
-                  <a:spcPts val="0"/>
-                </a:spcBef>
-                <a:buNone/>
-              </a:pPr>
-              <a:endParaRPr/>
-            </a:p>
-          </p:txBody>
-        </p:sp>
-        <p:sp>
-          <p:nvSpPr>
-            <p:cNvPr id="865" name="Shape 865"/>
-            <p:cNvSpPr/>
-            <p:nvPr/>
-          </p:nvSpPr>
-          <p:spPr>
-            <a:xfrm>
-              <a:off x="3376778" y="13081687"/>
-              <a:ext cx="326700" cy="242100"/>
-            </a:xfrm>
-            <a:prstGeom prst="rect">
-              <a:avLst/>
-            </a:prstGeom>
-            <a:solidFill>
-              <a:srgbClr val="FFFFFF"/>
-            </a:solidFill>
-            <a:ln w="19050" cap="flat" cmpd="sng">
-              <a:solidFill>
-                <a:srgbClr val="6FA8DC"/>
-              </a:solidFill>
-              <a:prstDash val="solid"/>
-              <a:round/>
-              <a:headEnd type="none" w="med" len="med"/>
-              <a:tailEnd type="none" w="med" len="med"/>
-            </a:ln>
-          </p:spPr>
-          <p:txBody>
-            <a:bodyPr lIns="91425" tIns="91425" rIns="91425" bIns="91425" anchor="ctr" anchorCtr="0">
-              <a:noAutofit/>
-            </a:bodyPr>
-            <a:lstStyle/>
-            <a:p>
-              <a:pPr lvl="0">
-                <a:spcBef>
-                  <a:spcPts val="0"/>
-                </a:spcBef>
-                <a:buNone/>
-              </a:pPr>
-              <a:endParaRPr/>
-            </a:p>
-          </p:txBody>
-        </p:sp>
-        <p:sp>
-          <p:nvSpPr>
-            <p:cNvPr id="866" name="Shape 866"/>
-            <p:cNvSpPr/>
-            <p:nvPr/>
-          </p:nvSpPr>
-          <p:spPr>
-            <a:xfrm>
-              <a:off x="3703478" y="13081687"/>
-              <a:ext cx="6956400" cy="242100"/>
-            </a:xfrm>
-            <a:prstGeom prst="rect">
-              <a:avLst/>
-            </a:prstGeom>
-            <a:solidFill>
-              <a:srgbClr val="FFFFFF"/>
-            </a:solidFill>
-            <a:ln w="19050" cap="flat" cmpd="sng">
-              <a:solidFill>
-                <a:srgbClr val="6FA8DC"/>
-              </a:solidFill>
-              <a:prstDash val="solid"/>
-              <a:round/>
-              <a:headEnd type="none" w="med" len="med"/>
-              <a:tailEnd type="none" w="med" len="med"/>
-            </a:ln>
-          </p:spPr>
-          <p:txBody>
-            <a:bodyPr lIns="91425" tIns="91425" rIns="91425" bIns="91425" anchor="ctr" anchorCtr="0">
-              <a:noAutofit/>
-            </a:bodyPr>
-            <a:lstStyle/>
-            <a:p>
-              <a:pPr lvl="0" algn="l" rtl="0">
-                <a:spcBef>
-                  <a:spcPts val="0"/>
-                </a:spcBef>
-                <a:buNone/>
-              </a:pPr>
-              <a:r>
-                <a:rPr lang="en" sz="1200">
-                  <a:solidFill>
-                    <a:srgbClr val="0B5394"/>
-                  </a:solidFill>
-                </a:rPr>
-                <a:t>http://www.travelbuddy.com/rate_event/1</a:t>
-              </a:r>
-            </a:p>
-          </p:txBody>
-        </p:sp>
-        <p:grpSp>
-          <p:nvGrpSpPr>
-            <p:cNvPr id="867" name="Shape 867"/>
-            <p:cNvGrpSpPr/>
-            <p:nvPr/>
-          </p:nvGrpSpPr>
-          <p:grpSpPr>
-            <a:xfrm>
-              <a:off x="2410784" y="13081687"/>
-              <a:ext cx="326700" cy="242100"/>
-              <a:chOff x="2839514" y="12002187"/>
-              <a:chExt cx="326700" cy="242100"/>
-            </a:xfrm>
-          </p:grpSpPr>
-          <p:sp>
-            <p:nvSpPr>
-              <p:cNvPr id="868" name="Shape 868"/>
-              <p:cNvSpPr/>
-              <p:nvPr/>
-            </p:nvSpPr>
-            <p:spPr>
-              <a:xfrm>
-                <a:off x="2839514" y="12002187"/>
-                <a:ext cx="326700" cy="242100"/>
-              </a:xfrm>
-              <a:prstGeom prst="rect">
-                <a:avLst/>
-              </a:prstGeom>
-              <a:solidFill>
-                <a:srgbClr val="FFFFFF"/>
-              </a:solidFill>
-              <a:ln w="19050" cap="flat" cmpd="sng">
-                <a:solidFill>
-                  <a:srgbClr val="6FA8DC"/>
-                </a:solidFill>
-                <a:prstDash val="solid"/>
-                <a:round/>
-                <a:headEnd type="none" w="med" len="med"/>
-                <a:tailEnd type="none" w="med" len="med"/>
-              </a:ln>
-            </p:spPr>
-            <p:txBody>
-              <a:bodyPr lIns="91425" tIns="91425" rIns="91425" bIns="91425" anchor="ctr" anchorCtr="0">
-                <a:noAutofit/>
-              </a:bodyPr>
-              <a:lstStyle/>
-              <a:p>
-                <a:pPr lvl="0">
-                  <a:spcBef>
-                    <a:spcPts val="0"/>
-                  </a:spcBef>
-                  <a:buNone/>
-                </a:pPr>
-                <a:endParaRPr/>
-              </a:p>
-            </p:txBody>
-          </p:sp>
-          <p:sp>
-            <p:nvSpPr>
-              <p:cNvPr id="869" name="Shape 869"/>
-              <p:cNvSpPr/>
-              <p:nvPr/>
-            </p:nvSpPr>
-            <p:spPr>
-              <a:xfrm>
-                <a:off x="2918820" y="12028587"/>
-                <a:ext cx="168300" cy="187500"/>
-              </a:xfrm>
-              <a:prstGeom prst="rightArrow">
-                <a:avLst>
-                  <a:gd name="adj1" fmla="val 50000"/>
-                  <a:gd name="adj2" fmla="val 76347"/>
-                </a:avLst>
-              </a:prstGeom>
-              <a:solidFill>
-                <a:srgbClr val="CFE2F3"/>
-              </a:solidFill>
-              <a:ln>
-                <a:noFill/>
-              </a:ln>
-            </p:spPr>
-            <p:txBody>
-              <a:bodyPr lIns="91425" tIns="91425" rIns="91425" bIns="91425" anchor="ctr" anchorCtr="0">
-                <a:noAutofit/>
-              </a:bodyPr>
-              <a:lstStyle/>
-              <a:p>
-                <a:pPr lvl="0">
-                  <a:spcBef>
-                    <a:spcPts val="0"/>
-                  </a:spcBef>
-                  <a:buNone/>
-                </a:pPr>
-                <a:endParaRPr/>
-              </a:p>
-            </p:txBody>
-          </p:sp>
-        </p:grpSp>
-        <p:grpSp>
-          <p:nvGrpSpPr>
-            <p:cNvPr id="870" name="Shape 870"/>
-            <p:cNvGrpSpPr/>
-            <p:nvPr/>
-          </p:nvGrpSpPr>
-          <p:grpSpPr>
-            <a:xfrm>
-              <a:off x="2084084" y="13080787"/>
-              <a:ext cx="326700" cy="242100"/>
-              <a:chOff x="2512709" y="12001287"/>
-              <a:chExt cx="326700" cy="242100"/>
-            </a:xfrm>
-          </p:grpSpPr>
-          <p:sp>
-            <p:nvSpPr>
-              <p:cNvPr id="871" name="Shape 871"/>
-              <p:cNvSpPr/>
-              <p:nvPr/>
-            </p:nvSpPr>
-            <p:spPr>
-              <a:xfrm>
-                <a:off x="2512709" y="12001287"/>
-                <a:ext cx="326700" cy="242100"/>
-              </a:xfrm>
-              <a:prstGeom prst="rect">
-                <a:avLst/>
-              </a:prstGeom>
-              <a:solidFill>
-                <a:srgbClr val="FFFFFF"/>
-              </a:solidFill>
-              <a:ln w="19050" cap="flat" cmpd="sng">
-                <a:solidFill>
-                  <a:srgbClr val="6FA8DC"/>
-                </a:solidFill>
-                <a:prstDash val="solid"/>
-                <a:round/>
-                <a:headEnd type="none" w="med" len="med"/>
-                <a:tailEnd type="none" w="med" len="med"/>
-              </a:ln>
-            </p:spPr>
-            <p:txBody>
-              <a:bodyPr lIns="91425" tIns="91425" rIns="91425" bIns="91425" anchor="ctr" anchorCtr="0">
-                <a:noAutofit/>
-              </a:bodyPr>
-              <a:lstStyle/>
-              <a:p>
-                <a:pPr lvl="0">
-                  <a:spcBef>
-                    <a:spcPts val="0"/>
-                  </a:spcBef>
-                  <a:buNone/>
-                </a:pPr>
-                <a:endParaRPr/>
-              </a:p>
-            </p:txBody>
-          </p:sp>
-          <p:sp>
-            <p:nvSpPr>
-              <p:cNvPr id="872" name="Shape 872"/>
-              <p:cNvSpPr/>
-              <p:nvPr/>
-            </p:nvSpPr>
-            <p:spPr>
-              <a:xfrm rot="10800000">
-                <a:off x="2591908" y="12028587"/>
-                <a:ext cx="168300" cy="187500"/>
-              </a:xfrm>
-              <a:prstGeom prst="rightArrow">
-                <a:avLst>
-                  <a:gd name="adj1" fmla="val 50000"/>
-                  <a:gd name="adj2" fmla="val 76347"/>
-                </a:avLst>
-              </a:prstGeom>
-              <a:solidFill>
-                <a:srgbClr val="CFE2F3"/>
-              </a:solidFill>
-              <a:ln>
-                <a:noFill/>
-              </a:ln>
-            </p:spPr>
-            <p:txBody>
-              <a:bodyPr lIns="91425" tIns="91425" rIns="91425" bIns="91425" anchor="ctr" anchorCtr="0">
-                <a:noAutofit/>
-              </a:bodyPr>
-              <a:lstStyle/>
-              <a:p>
-                <a:pPr lvl="0">
-                  <a:spcBef>
-                    <a:spcPts val="0"/>
-                  </a:spcBef>
-                  <a:buNone/>
-                </a:pPr>
-                <a:endParaRPr/>
-              </a:p>
-            </p:txBody>
-          </p:sp>
-        </p:grpSp>
-        <p:grpSp>
-          <p:nvGrpSpPr>
-            <p:cNvPr id="873" name="Shape 873"/>
-            <p:cNvGrpSpPr/>
-            <p:nvPr/>
-          </p:nvGrpSpPr>
-          <p:grpSpPr>
-            <a:xfrm>
-              <a:off x="2908904" y="13081687"/>
-              <a:ext cx="326700" cy="242100"/>
-              <a:chOff x="3270854" y="12002187"/>
-              <a:chExt cx="326700" cy="242100"/>
-            </a:xfrm>
-          </p:grpSpPr>
-          <p:sp>
-            <p:nvSpPr>
-              <p:cNvPr id="874" name="Shape 874"/>
-              <p:cNvSpPr/>
-              <p:nvPr/>
-            </p:nvSpPr>
-            <p:spPr>
-              <a:xfrm>
-                <a:off x="3270854" y="12002187"/>
-                <a:ext cx="326700" cy="242100"/>
-              </a:xfrm>
-              <a:prstGeom prst="rect">
-                <a:avLst/>
-              </a:prstGeom>
-              <a:solidFill>
-                <a:srgbClr val="FFFFFF"/>
-              </a:solidFill>
-              <a:ln w="19050" cap="flat" cmpd="sng">
-                <a:solidFill>
-                  <a:srgbClr val="6FA8DC"/>
-                </a:solidFill>
-                <a:prstDash val="solid"/>
-                <a:round/>
-                <a:headEnd type="none" w="med" len="med"/>
-                <a:tailEnd type="none" w="med" len="med"/>
-              </a:ln>
-            </p:spPr>
-            <p:txBody>
-              <a:bodyPr lIns="91425" tIns="91425" rIns="91425" bIns="91425" anchor="ctr" anchorCtr="0">
-                <a:noAutofit/>
-              </a:bodyPr>
-              <a:lstStyle/>
-              <a:p>
-                <a:pPr lvl="0">
-                  <a:spcBef>
-                    <a:spcPts val="0"/>
-                  </a:spcBef>
-                  <a:buNone/>
-                </a:pPr>
-                <a:endParaRPr/>
-              </a:p>
-            </p:txBody>
-          </p:sp>
-          <p:sp>
-            <p:nvSpPr>
-              <p:cNvPr id="875" name="Shape 875"/>
-              <p:cNvSpPr/>
-              <p:nvPr/>
-            </p:nvSpPr>
-            <p:spPr>
-              <a:xfrm rot="10800000">
-                <a:off x="3358207" y="12041368"/>
-                <a:ext cx="152101" cy="161937"/>
-              </a:xfrm>
-              <a:prstGeom prst="flowChartOffpageConnector">
-                <a:avLst/>
-              </a:prstGeom>
-              <a:solidFill>
-                <a:srgbClr val="CFE2F3"/>
-              </a:solidFill>
-              <a:ln>
-                <a:noFill/>
-              </a:ln>
-            </p:spPr>
-            <p:txBody>
-              <a:bodyPr lIns="91425" tIns="91425" rIns="91425" bIns="91425" anchor="ctr" anchorCtr="0">
-                <a:noAutofit/>
-              </a:bodyPr>
-              <a:lstStyle/>
-              <a:p>
-                <a:pPr lvl="0">
-                  <a:spcBef>
-                    <a:spcPts val="0"/>
-                  </a:spcBef>
-                  <a:buNone/>
-                </a:pPr>
-                <a:endParaRPr/>
-              </a:p>
-            </p:txBody>
-          </p:sp>
-        </p:grpSp>
-        <p:sp>
-          <p:nvSpPr>
-            <p:cNvPr id="876" name="Shape 876"/>
-            <p:cNvSpPr/>
-            <p:nvPr/>
-          </p:nvSpPr>
-          <p:spPr>
-            <a:xfrm>
-              <a:off x="10754093" y="13080787"/>
-              <a:ext cx="326700" cy="242100"/>
-            </a:xfrm>
-            <a:prstGeom prst="rect">
-              <a:avLst/>
-            </a:prstGeom>
-            <a:solidFill>
-              <a:srgbClr val="FFFFFF"/>
-            </a:solidFill>
-            <a:ln w="19050" cap="flat" cmpd="sng">
-              <a:solidFill>
-                <a:srgbClr val="6FA8DC"/>
-              </a:solidFill>
-              <a:prstDash val="solid"/>
-              <a:round/>
-              <a:headEnd type="none" w="med" len="med"/>
-              <a:tailEnd type="none" w="med" len="med"/>
-            </a:ln>
-          </p:spPr>
-          <p:txBody>
-            <a:bodyPr lIns="91425" tIns="91425" rIns="91425" bIns="91425" anchor="ctr" anchorCtr="0">
-              <a:noAutofit/>
-            </a:bodyPr>
-            <a:lstStyle/>
-            <a:p>
-              <a:pPr lvl="0">
-                <a:spcBef>
-                  <a:spcPts val="0"/>
-                </a:spcBef>
-                <a:buNone/>
-              </a:pPr>
-              <a:endParaRPr/>
-            </a:p>
-          </p:txBody>
-        </p:sp>
-      </p:grpSp>
       <p:sp>
         <p:nvSpPr>
-          <p:cNvPr id="877" name="Shape 877"/>
+          <p:cNvPr id="40" name="Shape 686"/>
           <p:cNvSpPr txBox="1"/>
           <p:nvPr/>
         </p:nvSpPr>
         <p:spPr>
           <a:xfrm>
-            <a:off x="395850" y="558813"/>
-            <a:ext cx="952500" cy="342900"/>
-          </a:xfrm>
-          <a:prstGeom prst="rect">
-            <a:avLst/>
-          </a:prstGeom>
-          <a:solidFill>
-            <a:srgbClr val="C9DAF8"/>
-          </a:solidFill>
-          <a:ln w="9525" cap="flat" cmpd="sng">
-            <a:solidFill>
-              <a:srgbClr val="000000"/>
-            </a:solidFill>
-            <a:prstDash val="solid"/>
-            <a:round/>
-            <a:headEnd type="none" w="med" len="med"/>
-            <a:tailEnd type="none" w="med" len="med"/>
-          </a:ln>
-        </p:spPr>
-        <p:txBody>
-          <a:bodyPr lIns="91425" tIns="91425" rIns="91425" bIns="91425" anchor="ctr" anchorCtr="0">
-            <a:noAutofit/>
-          </a:bodyPr>
-          <a:lstStyle/>
-          <a:p>
-            <a:pPr lvl="0" algn="ctr" rtl="0">
-              <a:spcBef>
-                <a:spcPts val="0"/>
-              </a:spcBef>
-              <a:buNone/>
-            </a:pPr>
-            <a:r>
-              <a:rPr lang="en">
-                <a:solidFill>
-                  <a:srgbClr val="073763"/>
-                </a:solidFill>
-              </a:rPr>
-              <a:t>Events</a:t>
-            </a:r>
-          </a:p>
-        </p:txBody>
-      </p:sp>
-      <p:sp>
-        <p:nvSpPr>
-          <p:cNvPr id="878" name="Shape 878"/>
-          <p:cNvSpPr txBox="1"/>
-          <p:nvPr/>
-        </p:nvSpPr>
-        <p:spPr>
-          <a:xfrm>
-            <a:off x="1348350" y="558825"/>
-            <a:ext cx="1050000" cy="342900"/>
+            <a:off x="5487364" y="558825"/>
+            <a:ext cx="1422900" cy="342900"/>
           </a:xfrm>
           <a:prstGeom prst="rect">
             <a:avLst/>
@@ -21075,26 +20452,26 @@
               <a:buNone/>
             </a:pPr>
             <a:r>
-              <a:rPr lang="en">
+              <a:rPr lang="en" dirty="0">
                 <a:solidFill>
                   <a:srgbClr val="073763"/>
                 </a:solidFill>
               </a:rPr>
-              <a:t>Invitations</a:t>
+              <a:t>Hi, John Doe</a:t>
             </a:r>
           </a:p>
         </p:txBody>
       </p:sp>
       <p:sp>
         <p:nvSpPr>
-          <p:cNvPr id="879" name="Shape 879"/>
+          <p:cNvPr id="41" name="Shape 686"/>
           <p:cNvSpPr txBox="1"/>
           <p:nvPr/>
         </p:nvSpPr>
         <p:spPr>
           <a:xfrm>
-            <a:off x="2398350" y="558825"/>
-            <a:ext cx="1158600" cy="342900"/>
+            <a:off x="6948062" y="556477"/>
+            <a:ext cx="1422900" cy="342900"/>
           </a:xfrm>
           <a:prstGeom prst="rect">
             <a:avLst/>
@@ -21123,813 +20500,18 @@
               <a:buNone/>
             </a:pPr>
             <a:r>
-              <a:rPr lang="en">
+              <a:rPr lang="en-US" dirty="0">
                 <a:solidFill>
                   <a:srgbClr val="073763"/>
                 </a:solidFill>
               </a:rPr>
-              <a:t>Past Events</a:t>
+              <a:t>Logout</a:t>
             </a:r>
-          </a:p>
-        </p:txBody>
-      </p:sp>
-      <p:sp>
-        <p:nvSpPr>
-          <p:cNvPr id="880" name="Shape 880"/>
-          <p:cNvSpPr txBox="1"/>
-          <p:nvPr/>
-        </p:nvSpPr>
-        <p:spPr>
-          <a:xfrm>
-            <a:off x="6498100" y="558813"/>
-            <a:ext cx="952500" cy="342900"/>
-          </a:xfrm>
-          <a:prstGeom prst="rect">
-            <a:avLst/>
-          </a:prstGeom>
-          <a:noFill/>
-          <a:ln w="9525" cap="flat" cmpd="sng">
-            <a:solidFill>
-              <a:srgbClr val="000000"/>
-            </a:solidFill>
-            <a:prstDash val="solid"/>
-            <a:round/>
-            <a:headEnd type="none" w="med" len="med"/>
-            <a:tailEnd type="none" w="med" len="med"/>
-          </a:ln>
-        </p:spPr>
-        <p:txBody>
-          <a:bodyPr lIns="91425" tIns="91425" rIns="91425" bIns="91425" anchor="ctr" anchorCtr="0">
-            <a:noAutofit/>
-          </a:bodyPr>
-          <a:lstStyle/>
-          <a:p>
-            <a:pPr lvl="0" algn="ctr" rtl="0">
-              <a:spcBef>
-                <a:spcPts val="0"/>
-              </a:spcBef>
-              <a:buNone/>
-            </a:pPr>
-            <a:r>
-              <a:rPr lang="en">
-                <a:solidFill>
-                  <a:srgbClr val="073763"/>
-                </a:solidFill>
-              </a:rPr>
-              <a:t>Hi, Mr. X</a:t>
-            </a:r>
-          </a:p>
-        </p:txBody>
-      </p:sp>
-      <p:sp>
-        <p:nvSpPr>
-          <p:cNvPr id="881" name="Shape 881"/>
-          <p:cNvSpPr/>
-          <p:nvPr/>
-        </p:nvSpPr>
-        <p:spPr>
-          <a:xfrm>
-            <a:off x="7281328" y="1436873"/>
-            <a:ext cx="412500" cy="222300"/>
-          </a:xfrm>
-          <a:prstGeom prst="mathMultiply">
-            <a:avLst>
-              <a:gd name="adj1" fmla="val 23520"/>
-            </a:avLst>
-          </a:prstGeom>
-          <a:solidFill>
-            <a:srgbClr val="FFFFFF"/>
-          </a:solidFill>
-          <a:ln>
-            <a:noFill/>
-          </a:ln>
-        </p:spPr>
-        <p:txBody>
-          <a:bodyPr lIns="91425" tIns="91425" rIns="91425" bIns="91425" anchor="ctr" anchorCtr="0">
-            <a:noAutofit/>
-          </a:bodyPr>
-          <a:lstStyle/>
-          <a:p>
-            <a:pPr lvl="0">
-              <a:spcBef>
-                <a:spcPts val="0"/>
-              </a:spcBef>
-              <a:buNone/>
-            </a:pPr>
-            <a:endParaRPr/>
-          </a:p>
-        </p:txBody>
-      </p:sp>
-      <p:cxnSp>
-        <p:nvCxnSpPr>
-          <p:cNvPr id="882" name="Shape 882"/>
-          <p:cNvCxnSpPr/>
-          <p:nvPr/>
-        </p:nvCxnSpPr>
-        <p:spPr>
-          <a:xfrm rot="10800000" flipH="1">
-            <a:off x="419875" y="1075775"/>
-            <a:ext cx="8187600" cy="26400"/>
-          </a:xfrm>
-          <a:prstGeom prst="straightConnector1">
-            <a:avLst/>
-          </a:prstGeom>
-          <a:noFill/>
-          <a:ln w="9525" cap="flat" cmpd="sng">
-            <a:solidFill>
-              <a:schemeClr val="dk2"/>
-            </a:solidFill>
-            <a:prstDash val="solid"/>
-            <a:round/>
-            <a:headEnd type="none" w="lg" len="lg"/>
-            <a:tailEnd type="none" w="lg" len="lg"/>
-          </a:ln>
-        </p:spPr>
-      </p:cxnSp>
-      <p:sp>
-        <p:nvSpPr>
-          <p:cNvPr id="883" name="Shape 883"/>
-          <p:cNvSpPr/>
-          <p:nvPr/>
-        </p:nvSpPr>
-        <p:spPr>
-          <a:xfrm>
-            <a:off x="2044775" y="1248187"/>
-            <a:ext cx="1224600" cy="342900"/>
-          </a:xfrm>
-          <a:prstGeom prst="rect">
-            <a:avLst/>
-          </a:prstGeom>
-          <a:solidFill>
-            <a:srgbClr val="FFFFFF"/>
-          </a:solidFill>
-          <a:ln>
-            <a:noFill/>
-          </a:ln>
-        </p:spPr>
-        <p:txBody>
-          <a:bodyPr lIns="91425" tIns="91425" rIns="91425" bIns="91425" anchor="ctr" anchorCtr="0">
-            <a:noAutofit/>
-          </a:bodyPr>
-          <a:lstStyle/>
-          <a:p>
-            <a:pPr lvl="0" rtl="0">
-              <a:spcBef>
-                <a:spcPts val="0"/>
-              </a:spcBef>
-              <a:buNone/>
-            </a:pPr>
-            <a:r>
-              <a:rPr lang="en"/>
-              <a:t>Event Name</a:t>
-            </a:r>
-          </a:p>
-        </p:txBody>
-      </p:sp>
-      <p:sp>
-        <p:nvSpPr>
-          <p:cNvPr id="884" name="Shape 884"/>
-          <p:cNvSpPr/>
-          <p:nvPr/>
-        </p:nvSpPr>
-        <p:spPr>
-          <a:xfrm>
-            <a:off x="2044775" y="1737087"/>
-            <a:ext cx="1224600" cy="342900"/>
-          </a:xfrm>
-          <a:prstGeom prst="rect">
-            <a:avLst/>
-          </a:prstGeom>
-          <a:solidFill>
-            <a:srgbClr val="FFFFFF"/>
-          </a:solidFill>
-          <a:ln>
-            <a:noFill/>
-          </a:ln>
-        </p:spPr>
-        <p:txBody>
-          <a:bodyPr lIns="91425" tIns="91425" rIns="91425" bIns="91425" anchor="ctr" anchorCtr="0">
-            <a:noAutofit/>
-          </a:bodyPr>
-          <a:lstStyle/>
-          <a:p>
-            <a:pPr lvl="0" rtl="0">
-              <a:spcBef>
-                <a:spcPts val="0"/>
-              </a:spcBef>
-              <a:buNone/>
-            </a:pPr>
-            <a:r>
-              <a:rPr lang="en"/>
-              <a:t>Description</a:t>
-            </a:r>
-          </a:p>
-        </p:txBody>
-      </p:sp>
-      <p:sp>
-        <p:nvSpPr>
-          <p:cNvPr id="885" name="Shape 885"/>
-          <p:cNvSpPr/>
-          <p:nvPr/>
-        </p:nvSpPr>
-        <p:spPr>
-          <a:xfrm>
-            <a:off x="7450600" y="568425"/>
-            <a:ext cx="952500" cy="323700"/>
-          </a:xfrm>
-          <a:prstGeom prst="rect">
-            <a:avLst/>
-          </a:prstGeom>
-          <a:solidFill>
-            <a:srgbClr val="FFFFFF"/>
-          </a:solidFill>
-          <a:ln w="19050" cap="flat" cmpd="sng">
-            <a:solidFill>
-              <a:srgbClr val="666666"/>
-            </a:solidFill>
-            <a:prstDash val="solid"/>
-            <a:round/>
-            <a:headEnd type="none" w="med" len="med"/>
-            <a:tailEnd type="none" w="med" len="med"/>
-          </a:ln>
-        </p:spPr>
-        <p:txBody>
-          <a:bodyPr lIns="91425" tIns="91425" rIns="91425" bIns="91425" anchor="ctr" anchorCtr="0">
-            <a:noAutofit/>
-          </a:bodyPr>
-          <a:lstStyle/>
-          <a:p>
-            <a:pPr lvl="0">
-              <a:spcBef>
-                <a:spcPts val="0"/>
-              </a:spcBef>
-              <a:buNone/>
-            </a:pPr>
-            <a:r>
-              <a:rPr lang="en"/>
-              <a:t>Log out</a:t>
-            </a:r>
-          </a:p>
-        </p:txBody>
-      </p:sp>
-      <p:sp>
-        <p:nvSpPr>
-          <p:cNvPr id="886" name="Shape 886"/>
-          <p:cNvSpPr/>
-          <p:nvPr/>
-        </p:nvSpPr>
-        <p:spPr>
-          <a:xfrm>
-            <a:off x="3721175" y="1248200"/>
-            <a:ext cx="2871300" cy="342900"/>
-          </a:xfrm>
-          <a:prstGeom prst="rect">
-            <a:avLst/>
-          </a:prstGeom>
-          <a:noFill/>
-          <a:ln>
-            <a:noFill/>
-          </a:ln>
-        </p:spPr>
-        <p:txBody>
-          <a:bodyPr lIns="91425" tIns="91425" rIns="91425" bIns="91425" anchor="ctr" anchorCtr="0">
-            <a:noAutofit/>
-          </a:bodyPr>
-          <a:lstStyle/>
-          <a:p>
-            <a:pPr lvl="0" rtl="0">
-              <a:spcBef>
-                <a:spcPts val="0"/>
-              </a:spcBef>
-              <a:buNone/>
-            </a:pPr>
-            <a:r>
-              <a:rPr lang="en">
-                <a:solidFill>
-                  <a:srgbClr val="0000FF"/>
-                </a:solidFill>
-              </a:rPr>
-              <a:t>Memphis Movie Night</a:t>
-            </a:r>
-          </a:p>
-        </p:txBody>
-      </p:sp>
-      <p:sp>
-        <p:nvSpPr>
-          <p:cNvPr id="887" name="Shape 887"/>
-          <p:cNvSpPr/>
-          <p:nvPr/>
-        </p:nvSpPr>
-        <p:spPr>
-          <a:xfrm>
-            <a:off x="3721175" y="1705400"/>
-            <a:ext cx="2871300" cy="342900"/>
-          </a:xfrm>
-          <a:prstGeom prst="rect">
-            <a:avLst/>
-          </a:prstGeom>
-          <a:noFill/>
-          <a:ln>
-            <a:noFill/>
-          </a:ln>
-        </p:spPr>
-        <p:txBody>
-          <a:bodyPr lIns="91425" tIns="91425" rIns="91425" bIns="91425" anchor="ctr" anchorCtr="0">
-            <a:noAutofit/>
-          </a:bodyPr>
-          <a:lstStyle/>
-          <a:p>
-            <a:pPr lvl="0" rtl="0">
-              <a:spcBef>
-                <a:spcPts val="0"/>
-              </a:spcBef>
-              <a:buNone/>
-            </a:pPr>
-            <a:r>
-              <a:rPr lang="en"/>
-              <a:t>Movie Show</a:t>
-            </a:r>
-          </a:p>
-        </p:txBody>
-      </p:sp>
-      <p:sp>
-        <p:nvSpPr>
-          <p:cNvPr id="888" name="Shape 888"/>
-          <p:cNvSpPr/>
-          <p:nvPr/>
-        </p:nvSpPr>
-        <p:spPr>
-          <a:xfrm>
-            <a:off x="2044775" y="2194287"/>
-            <a:ext cx="1224600" cy="342900"/>
-          </a:xfrm>
-          <a:prstGeom prst="rect">
-            <a:avLst/>
-          </a:prstGeom>
-          <a:noFill/>
-          <a:ln>
-            <a:noFill/>
-          </a:ln>
-        </p:spPr>
-        <p:txBody>
-          <a:bodyPr lIns="91425" tIns="91425" rIns="91425" bIns="91425" anchor="ctr" anchorCtr="0">
-            <a:noAutofit/>
-          </a:bodyPr>
-          <a:lstStyle/>
-          <a:p>
-            <a:pPr lvl="0" rtl="0">
-              <a:spcBef>
-                <a:spcPts val="0"/>
-              </a:spcBef>
-              <a:buNone/>
-            </a:pPr>
-            <a:r>
-              <a:rPr lang="en"/>
-              <a:t>Rating</a:t>
-            </a:r>
-          </a:p>
-        </p:txBody>
-      </p:sp>
-      <p:grpSp>
-        <p:nvGrpSpPr>
-          <p:cNvPr id="889" name="Shape 889"/>
-          <p:cNvGrpSpPr/>
-          <p:nvPr/>
-        </p:nvGrpSpPr>
-        <p:grpSpPr>
-          <a:xfrm>
-            <a:off x="3818163" y="2299747"/>
-            <a:ext cx="829910" cy="132000"/>
-            <a:chOff x="-2003561" y="6470559"/>
-            <a:chExt cx="829910" cy="132000"/>
-          </a:xfrm>
-        </p:grpSpPr>
-        <p:sp>
-          <p:nvSpPr>
-            <p:cNvPr id="890" name="Shape 890"/>
-            <p:cNvSpPr/>
-            <p:nvPr/>
-          </p:nvSpPr>
-          <p:spPr>
-            <a:xfrm>
-              <a:off x="-2003561" y="6470559"/>
-              <a:ext cx="138900" cy="132000"/>
-            </a:xfrm>
-            <a:prstGeom prst="star5">
-              <a:avLst>
-                <a:gd name="adj" fmla="val 19098"/>
-                <a:gd name="hf" fmla="val 105146"/>
-                <a:gd name="vf" fmla="val 110557"/>
-              </a:avLst>
-            </a:prstGeom>
-            <a:solidFill>
-              <a:srgbClr val="0B5394"/>
-            </a:solidFill>
-            <a:ln>
-              <a:noFill/>
-            </a:ln>
-          </p:spPr>
-          <p:txBody>
-            <a:bodyPr lIns="91425" tIns="91425" rIns="91425" bIns="91425" anchor="ctr" anchorCtr="0">
-              <a:noAutofit/>
-            </a:bodyPr>
-            <a:lstStyle/>
-            <a:p>
-              <a:pPr lvl="0">
-                <a:spcBef>
-                  <a:spcPts val="0"/>
-                </a:spcBef>
-                <a:buNone/>
-              </a:pPr>
-              <a:endParaRPr/>
-            </a:p>
-          </p:txBody>
-        </p:sp>
-        <p:sp>
-          <p:nvSpPr>
-            <p:cNvPr id="891" name="Shape 891"/>
-            <p:cNvSpPr/>
-            <p:nvPr/>
-          </p:nvSpPr>
-          <p:spPr>
-            <a:xfrm>
-              <a:off x="-1864611" y="6470559"/>
-              <a:ext cx="138900" cy="132000"/>
-            </a:xfrm>
-            <a:prstGeom prst="star5">
-              <a:avLst>
-                <a:gd name="adj" fmla="val 19098"/>
-                <a:gd name="hf" fmla="val 105146"/>
-                <a:gd name="vf" fmla="val 110557"/>
-              </a:avLst>
-            </a:prstGeom>
-            <a:solidFill>
-              <a:srgbClr val="0B5394"/>
-            </a:solidFill>
-            <a:ln>
-              <a:noFill/>
-            </a:ln>
-          </p:spPr>
-          <p:txBody>
-            <a:bodyPr lIns="91425" tIns="91425" rIns="91425" bIns="91425" anchor="ctr" anchorCtr="0">
-              <a:noAutofit/>
-            </a:bodyPr>
-            <a:lstStyle/>
-            <a:p>
-              <a:pPr lvl="0">
-                <a:spcBef>
-                  <a:spcPts val="0"/>
-                </a:spcBef>
-                <a:buNone/>
-              </a:pPr>
-              <a:endParaRPr/>
-            </a:p>
-          </p:txBody>
-        </p:sp>
-        <p:sp>
-          <p:nvSpPr>
-            <p:cNvPr id="892" name="Shape 892"/>
-            <p:cNvSpPr/>
-            <p:nvPr/>
-          </p:nvSpPr>
-          <p:spPr>
-            <a:xfrm>
-              <a:off x="-1725661" y="6470559"/>
-              <a:ext cx="138900" cy="132000"/>
-            </a:xfrm>
-            <a:prstGeom prst="star5">
-              <a:avLst>
-                <a:gd name="adj" fmla="val 19098"/>
-                <a:gd name="hf" fmla="val 105146"/>
-                <a:gd name="vf" fmla="val 110557"/>
-              </a:avLst>
-            </a:prstGeom>
-            <a:solidFill>
-              <a:srgbClr val="0B5394"/>
-            </a:solidFill>
-            <a:ln>
-              <a:noFill/>
-            </a:ln>
-          </p:spPr>
-          <p:txBody>
-            <a:bodyPr lIns="91425" tIns="91425" rIns="91425" bIns="91425" anchor="ctr" anchorCtr="0">
-              <a:noAutofit/>
-            </a:bodyPr>
-            <a:lstStyle/>
-            <a:p>
-              <a:pPr lvl="0">
-                <a:spcBef>
-                  <a:spcPts val="0"/>
-                </a:spcBef>
-                <a:buNone/>
-              </a:pPr>
-              <a:endParaRPr/>
-            </a:p>
-          </p:txBody>
-        </p:sp>
-        <p:sp>
-          <p:nvSpPr>
-            <p:cNvPr id="893" name="Shape 893"/>
-            <p:cNvSpPr/>
-            <p:nvPr/>
-          </p:nvSpPr>
-          <p:spPr>
-            <a:xfrm>
-              <a:off x="-1586711" y="6470559"/>
-              <a:ext cx="138900" cy="132000"/>
-            </a:xfrm>
-            <a:prstGeom prst="star5">
-              <a:avLst>
-                <a:gd name="adj" fmla="val 19098"/>
-                <a:gd name="hf" fmla="val 105146"/>
-                <a:gd name="vf" fmla="val 110557"/>
-              </a:avLst>
-            </a:prstGeom>
-            <a:solidFill>
-              <a:srgbClr val="0B5394"/>
-            </a:solidFill>
-            <a:ln>
-              <a:noFill/>
-            </a:ln>
-          </p:spPr>
-          <p:txBody>
-            <a:bodyPr lIns="91425" tIns="91425" rIns="91425" bIns="91425" anchor="ctr" anchorCtr="0">
-              <a:noAutofit/>
-            </a:bodyPr>
-            <a:lstStyle/>
-            <a:p>
-              <a:pPr lvl="0">
-                <a:spcBef>
-                  <a:spcPts val="0"/>
-                </a:spcBef>
-                <a:buNone/>
-              </a:pPr>
-              <a:endParaRPr/>
-            </a:p>
-          </p:txBody>
-        </p:sp>
-        <p:sp>
-          <p:nvSpPr>
-            <p:cNvPr id="894" name="Shape 894"/>
-            <p:cNvSpPr/>
-            <p:nvPr/>
-          </p:nvSpPr>
-          <p:spPr>
-            <a:xfrm>
-              <a:off x="-1435032" y="6480287"/>
-              <a:ext cx="122100" cy="115800"/>
-            </a:xfrm>
-            <a:prstGeom prst="star5">
-              <a:avLst>
-                <a:gd name="adj" fmla="val 19098"/>
-                <a:gd name="hf" fmla="val 105146"/>
-                <a:gd name="vf" fmla="val 110557"/>
-              </a:avLst>
-            </a:prstGeom>
-            <a:noFill/>
-            <a:ln w="19050" cap="flat" cmpd="sng">
+            <a:endParaRPr lang="en" dirty="0">
               <a:solidFill>
-                <a:srgbClr val="0B5394"/>
+                <a:srgbClr val="073763"/>
               </a:solidFill>
-              <a:prstDash val="solid"/>
-              <a:round/>
-              <a:headEnd type="none" w="med" len="med"/>
-              <a:tailEnd type="none" w="med" len="med"/>
-            </a:ln>
-          </p:spPr>
-          <p:txBody>
-            <a:bodyPr lIns="91425" tIns="91425" rIns="91425" bIns="91425" anchor="ctr" anchorCtr="0">
-              <a:noAutofit/>
-            </a:bodyPr>
-            <a:lstStyle/>
-            <a:p>
-              <a:pPr lvl="0">
-                <a:spcBef>
-                  <a:spcPts val="0"/>
-                </a:spcBef>
-                <a:buNone/>
-              </a:pPr>
-              <a:endParaRPr/>
-            </a:p>
-          </p:txBody>
-        </p:sp>
-        <p:sp>
-          <p:nvSpPr>
-            <p:cNvPr id="895" name="Shape 895"/>
-            <p:cNvSpPr/>
-            <p:nvPr/>
-          </p:nvSpPr>
-          <p:spPr>
-            <a:xfrm>
-              <a:off x="-1295750" y="6480287"/>
-              <a:ext cx="122100" cy="115800"/>
-            </a:xfrm>
-            <a:prstGeom prst="star5">
-              <a:avLst>
-                <a:gd name="adj" fmla="val 19098"/>
-                <a:gd name="hf" fmla="val 105146"/>
-                <a:gd name="vf" fmla="val 110557"/>
-              </a:avLst>
-            </a:prstGeom>
-            <a:noFill/>
-            <a:ln w="19050" cap="flat" cmpd="sng">
-              <a:solidFill>
-                <a:srgbClr val="0B5394"/>
-              </a:solidFill>
-              <a:prstDash val="solid"/>
-              <a:round/>
-              <a:headEnd type="none" w="med" len="med"/>
-              <a:tailEnd type="none" w="med" len="med"/>
-            </a:ln>
-          </p:spPr>
-          <p:txBody>
-            <a:bodyPr lIns="91425" tIns="91425" rIns="91425" bIns="91425" anchor="ctr" anchorCtr="0">
-              <a:noAutofit/>
-            </a:bodyPr>
-            <a:lstStyle/>
-            <a:p>
-              <a:pPr lvl="0">
-                <a:spcBef>
-                  <a:spcPts val="0"/>
-                </a:spcBef>
-                <a:buNone/>
-              </a:pPr>
-              <a:endParaRPr/>
-            </a:p>
-          </p:txBody>
-        </p:sp>
-      </p:grpSp>
-      <p:sp>
-        <p:nvSpPr>
-          <p:cNvPr id="896" name="Shape 896"/>
-          <p:cNvSpPr/>
-          <p:nvPr/>
-        </p:nvSpPr>
-        <p:spPr>
-          <a:xfrm>
-            <a:off x="3793125" y="2661100"/>
-            <a:ext cx="2799300" cy="323700"/>
-          </a:xfrm>
-          <a:prstGeom prst="rect">
-            <a:avLst/>
-          </a:prstGeom>
-          <a:solidFill>
-            <a:srgbClr val="FFF2CC"/>
-          </a:solidFill>
-          <a:ln w="9525" cap="flat" cmpd="sng">
-            <a:solidFill>
-              <a:schemeClr val="dk2"/>
-            </a:solidFill>
-            <a:prstDash val="solid"/>
-            <a:round/>
-            <a:headEnd type="none" w="med" len="med"/>
-            <a:tailEnd type="none" w="med" len="med"/>
-          </a:ln>
-        </p:spPr>
-        <p:txBody>
-          <a:bodyPr lIns="91425" tIns="91425" rIns="91425" bIns="91425" anchor="ctr" anchorCtr="0">
-            <a:noAutofit/>
-          </a:bodyPr>
-          <a:lstStyle/>
-          <a:p>
-            <a:pPr lvl="0" rtl="0">
-              <a:spcBef>
-                <a:spcPts val="0"/>
-              </a:spcBef>
-              <a:buNone/>
-            </a:pPr>
-            <a:r>
-              <a:rPr lang="en"/>
-              <a:t>This was a great event.</a:t>
-            </a:r>
-          </a:p>
-        </p:txBody>
-      </p:sp>
-      <p:sp>
-        <p:nvSpPr>
-          <p:cNvPr id="897" name="Shape 897"/>
-          <p:cNvSpPr/>
-          <p:nvPr/>
-        </p:nvSpPr>
-        <p:spPr>
-          <a:xfrm>
-            <a:off x="2044775" y="2651500"/>
-            <a:ext cx="1224600" cy="342900"/>
-          </a:xfrm>
-          <a:prstGeom prst="rect">
-            <a:avLst/>
-          </a:prstGeom>
-          <a:solidFill>
-            <a:srgbClr val="FFFFFF"/>
-          </a:solidFill>
-          <a:ln>
-            <a:noFill/>
-          </a:ln>
-        </p:spPr>
-        <p:txBody>
-          <a:bodyPr lIns="91425" tIns="91425" rIns="91425" bIns="91425" anchor="ctr" anchorCtr="0">
-            <a:noAutofit/>
-          </a:bodyPr>
-          <a:lstStyle/>
-          <a:p>
-            <a:pPr lvl="0" rtl="0">
-              <a:spcBef>
-                <a:spcPts val="0"/>
-              </a:spcBef>
-              <a:buNone/>
-            </a:pPr>
-            <a:r>
-              <a:rPr lang="en"/>
-              <a:t>Comment</a:t>
-            </a:r>
-          </a:p>
-        </p:txBody>
-      </p:sp>
-      <p:sp>
-        <p:nvSpPr>
-          <p:cNvPr id="898" name="Shape 898"/>
-          <p:cNvSpPr/>
-          <p:nvPr/>
-        </p:nvSpPr>
-        <p:spPr>
-          <a:xfrm>
-            <a:off x="2120975" y="3320175"/>
-            <a:ext cx="752700" cy="323700"/>
-          </a:xfrm>
-          <a:prstGeom prst="rect">
-            <a:avLst/>
-          </a:prstGeom>
-          <a:noFill/>
-          <a:ln w="19050" cap="flat" cmpd="sng">
-            <a:solidFill>
-              <a:srgbClr val="000000"/>
-            </a:solidFill>
-            <a:prstDash val="solid"/>
-            <a:round/>
-            <a:headEnd type="none" w="med" len="med"/>
-            <a:tailEnd type="none" w="med" len="med"/>
-          </a:ln>
-        </p:spPr>
-        <p:txBody>
-          <a:bodyPr lIns="91425" tIns="91425" rIns="91425" bIns="91425" anchor="ctr" anchorCtr="0">
-            <a:noAutofit/>
-          </a:bodyPr>
-          <a:lstStyle/>
-          <a:p>
-            <a:pPr lvl="0" rtl="0">
-              <a:spcBef>
-                <a:spcPts val="0"/>
-              </a:spcBef>
-              <a:buNone/>
-            </a:pPr>
-            <a:r>
-              <a:rPr lang="en"/>
-              <a:t>Rate</a:t>
-            </a:r>
-          </a:p>
-        </p:txBody>
-      </p:sp>
-      <p:sp>
-        <p:nvSpPr>
-          <p:cNvPr id="899" name="Shape 899"/>
-          <p:cNvSpPr/>
-          <p:nvPr/>
-        </p:nvSpPr>
-        <p:spPr>
-          <a:xfrm>
-            <a:off x="3065075" y="3320175"/>
-            <a:ext cx="829800" cy="323700"/>
-          </a:xfrm>
-          <a:prstGeom prst="rect">
-            <a:avLst/>
-          </a:prstGeom>
-          <a:noFill/>
-          <a:ln w="19050" cap="flat" cmpd="sng">
-            <a:solidFill>
-              <a:srgbClr val="000000"/>
-            </a:solidFill>
-            <a:prstDash val="solid"/>
-            <a:round/>
-            <a:headEnd type="none" w="med" len="med"/>
-            <a:tailEnd type="none" w="med" len="med"/>
-          </a:ln>
-        </p:spPr>
-        <p:txBody>
-          <a:bodyPr lIns="91425" tIns="91425" rIns="91425" bIns="91425" anchor="ctr" anchorCtr="0">
-            <a:noAutofit/>
-          </a:bodyPr>
-          <a:lstStyle/>
-          <a:p>
-            <a:pPr lvl="0" rtl="0">
-              <a:spcBef>
-                <a:spcPts val="0"/>
-              </a:spcBef>
-              <a:buNone/>
-            </a:pPr>
-            <a:r>
-              <a:rPr lang="en"/>
-              <a:t>Cancel</a:t>
-            </a:r>
+            </a:endParaRPr>
           </a:p>
         </p:txBody>
       </p:sp>
@@ -21941,7 +20523,7 @@
 </p:sld>
 </file>
 
-<file path=ppt/slides/slide8.xml><?xml version="1.0" encoding="utf-8"?>
+<file path=ppt/slides/slide7.xml><?xml version="1.0" encoding="utf-8"?>
 <p:sld xmlns:a="http://schemas.openxmlformats.org/drawingml/2006/main" xmlns:r="http://schemas.openxmlformats.org/officeDocument/2006/relationships" xmlns:p="http://schemas.openxmlformats.org/presentationml/2006/main">
   <p:cSld>
     <p:spTree>
@@ -22634,54 +21216,6 @@
       </p:sp>
       <p:sp>
         <p:nvSpPr>
-          <p:cNvPr id="922" name="Shape 922"/>
-          <p:cNvSpPr txBox="1"/>
-          <p:nvPr/>
-        </p:nvSpPr>
-        <p:spPr>
-          <a:xfrm>
-            <a:off x="6498100" y="558813"/>
-            <a:ext cx="952500" cy="342900"/>
-          </a:xfrm>
-          <a:prstGeom prst="rect">
-            <a:avLst/>
-          </a:prstGeom>
-          <a:noFill/>
-          <a:ln w="9525" cap="flat" cmpd="sng">
-            <a:solidFill>
-              <a:srgbClr val="000000"/>
-            </a:solidFill>
-            <a:prstDash val="solid"/>
-            <a:round/>
-            <a:headEnd type="none" w="med" len="med"/>
-            <a:tailEnd type="none" w="med" len="med"/>
-          </a:ln>
-        </p:spPr>
-        <p:txBody>
-          <a:bodyPr lIns="91425" tIns="91425" rIns="91425" bIns="91425" anchor="ctr" anchorCtr="0">
-            <a:noAutofit/>
-          </a:bodyPr>
-          <a:lstStyle/>
-          <a:p>
-            <a:pPr lvl="0" algn="ctr" rtl="0">
-              <a:spcBef>
-                <a:spcPts val="0"/>
-              </a:spcBef>
-              <a:buNone/>
-            </a:pPr>
-            <a:r>
-              <a:rPr lang="en">
-                <a:solidFill>
-                  <a:srgbClr val="073763"/>
-                </a:solidFill>
-              </a:rPr>
-              <a:t>Hi, Mr. X</a:t>
-            </a:r>
-          </a:p>
-        </p:txBody>
-      </p:sp>
-      <p:sp>
-        <p:nvSpPr>
           <p:cNvPr id="923" name="Shape 923"/>
           <p:cNvSpPr/>
           <p:nvPr/>
@@ -22821,52 +21355,6 @@
             <a:r>
               <a:rPr lang="en"/>
               <a:t>Description</a:t>
-            </a:r>
-          </a:p>
-        </p:txBody>
-      </p:sp>
-      <p:sp>
-        <p:nvSpPr>
-          <p:cNvPr id="927" name="Shape 927"/>
-          <p:cNvSpPr/>
-          <p:nvPr/>
-        </p:nvSpPr>
-        <p:spPr>
-          <a:xfrm>
-            <a:off x="7450600" y="568425"/>
-            <a:ext cx="952500" cy="323700"/>
-          </a:xfrm>
-          <a:prstGeom prst="rect">
-            <a:avLst/>
-          </a:prstGeom>
-          <a:solidFill>
-            <a:srgbClr val="FFFFFF"/>
-          </a:solidFill>
-          <a:ln w="19050" cap="flat" cmpd="sng">
-            <a:solidFill>
-              <a:srgbClr val="666666"/>
-            </a:solidFill>
-            <a:prstDash val="solid"/>
-            <a:round/>
-            <a:headEnd type="none" w="med" len="med"/>
-            <a:tailEnd type="none" w="med" len="med"/>
-          </a:ln>
-        </p:spPr>
-        <p:txBody>
-          <a:bodyPr lIns="91425" tIns="91425" rIns="91425" bIns="91425" anchor="ctr" anchorCtr="0">
-            <a:noAutofit/>
-          </a:bodyPr>
-          <a:lstStyle/>
-          <a:p>
-            <a:pPr lvl="0" rtl="0">
-              <a:spcBef>
-                <a:spcPts val="0"/>
-              </a:spcBef>
-              <a:buNone/>
-            </a:pPr>
-            <a:r>
-              <a:rPr lang="en"/>
-              <a:t>Log out</a:t>
             </a:r>
           </a:p>
         </p:txBody>
@@ -23216,6 +21704,107 @@
           </a:ln>
         </p:spPr>
       </p:pic>
+      <p:sp>
+        <p:nvSpPr>
+          <p:cNvPr id="35" name="Shape 686"/>
+          <p:cNvSpPr txBox="1"/>
+          <p:nvPr/>
+        </p:nvSpPr>
+        <p:spPr>
+          <a:xfrm>
+            <a:off x="5487364" y="558825"/>
+            <a:ext cx="1422900" cy="342900"/>
+          </a:xfrm>
+          <a:prstGeom prst="rect">
+            <a:avLst/>
+          </a:prstGeom>
+          <a:noFill/>
+          <a:ln w="9525" cap="flat" cmpd="sng">
+            <a:solidFill>
+              <a:srgbClr val="000000"/>
+            </a:solidFill>
+            <a:prstDash val="solid"/>
+            <a:round/>
+            <a:headEnd type="none" w="med" len="med"/>
+            <a:tailEnd type="none" w="med" len="med"/>
+          </a:ln>
+        </p:spPr>
+        <p:txBody>
+          <a:bodyPr lIns="91425" tIns="91425" rIns="91425" bIns="91425" anchor="ctr" anchorCtr="0">
+            <a:noAutofit/>
+          </a:bodyPr>
+          <a:lstStyle/>
+          <a:p>
+            <a:pPr lvl="0" algn="ctr" rtl="0">
+              <a:spcBef>
+                <a:spcPts val="0"/>
+              </a:spcBef>
+              <a:buNone/>
+            </a:pPr>
+            <a:r>
+              <a:rPr lang="en" dirty="0">
+                <a:solidFill>
+                  <a:srgbClr val="073763"/>
+                </a:solidFill>
+              </a:rPr>
+              <a:t>Hi, John Doe</a:t>
+            </a:r>
+          </a:p>
+        </p:txBody>
+      </p:sp>
+      <p:sp>
+        <p:nvSpPr>
+          <p:cNvPr id="36" name="Shape 686"/>
+          <p:cNvSpPr txBox="1"/>
+          <p:nvPr/>
+        </p:nvSpPr>
+        <p:spPr>
+          <a:xfrm>
+            <a:off x="6948062" y="556477"/>
+            <a:ext cx="1422900" cy="342900"/>
+          </a:xfrm>
+          <a:prstGeom prst="rect">
+            <a:avLst/>
+          </a:prstGeom>
+          <a:noFill/>
+          <a:ln w="9525" cap="flat" cmpd="sng">
+            <a:solidFill>
+              <a:srgbClr val="000000"/>
+            </a:solidFill>
+            <a:prstDash val="solid"/>
+            <a:round/>
+            <a:headEnd type="none" w="med" len="med"/>
+            <a:tailEnd type="none" w="med" len="med"/>
+          </a:ln>
+        </p:spPr>
+        <p:txBody>
+          <a:bodyPr lIns="91425" tIns="91425" rIns="91425" bIns="91425" anchor="ctr" anchorCtr="0">
+            <a:noAutofit/>
+          </a:bodyPr>
+          <a:lstStyle/>
+          <a:p>
+            <a:pPr lvl="0" algn="ctr" rtl="0">
+              <a:spcBef>
+                <a:spcPts val="0"/>
+              </a:spcBef>
+              <a:buNone/>
+            </a:pPr>
+            <a:r>
+              <a:rPr lang="en-US" dirty="0">
+                <a:solidFill>
+                  <a:srgbClr val="073763"/>
+                </a:solidFill>
+              </a:rPr>
+              <a:t>Logout</a:t>
+            </a:r>
+            <a:endParaRPr lang="en" dirty="0">
+              <a:solidFill>
+                <a:srgbClr val="073763"/>
+              </a:solidFill>
+            </a:endParaRPr>
+          </a:p>
+        </p:txBody>
+      </p:sp>
     </p:spTree>
   </p:cSld>
   <p:clrMapOvr>
@@ -23224,7 +21813,7 @@
 </p:sld>
 </file>
 
-<file path=ppt/slides/slide9.xml><?xml version="1.0" encoding="utf-8"?>
+<file path=ppt/slides/slide8.xml><?xml version="1.0" encoding="utf-8"?>
 <p:sld xmlns:a="http://schemas.openxmlformats.org/drawingml/2006/main" xmlns:r="http://schemas.openxmlformats.org/officeDocument/2006/relationships" xmlns:p="http://schemas.openxmlformats.org/presentationml/2006/main">
   <p:cSld>
     <p:spTree>
@@ -23959,54 +22548,6 @@
       </p:sp>
       <p:sp>
         <p:nvSpPr>
-          <p:cNvPr id="960" name="Shape 960"/>
-          <p:cNvSpPr txBox="1"/>
-          <p:nvPr/>
-        </p:nvSpPr>
-        <p:spPr>
-          <a:xfrm>
-            <a:off x="6498100" y="558813"/>
-            <a:ext cx="952500" cy="342900"/>
-          </a:xfrm>
-          <a:prstGeom prst="rect">
-            <a:avLst/>
-          </a:prstGeom>
-          <a:noFill/>
-          <a:ln w="9525" cap="flat" cmpd="sng">
-            <a:solidFill>
-              <a:srgbClr val="000000"/>
-            </a:solidFill>
-            <a:prstDash val="solid"/>
-            <a:round/>
-            <a:headEnd type="none" w="med" len="med"/>
-            <a:tailEnd type="none" w="med" len="med"/>
-          </a:ln>
-        </p:spPr>
-        <p:txBody>
-          <a:bodyPr lIns="91425" tIns="91425" rIns="91425" bIns="91425" anchor="ctr" anchorCtr="0">
-            <a:noAutofit/>
-          </a:bodyPr>
-          <a:lstStyle/>
-          <a:p>
-            <a:pPr lvl="0" algn="ctr" rtl="0">
-              <a:spcBef>
-                <a:spcPts val="0"/>
-              </a:spcBef>
-              <a:buNone/>
-            </a:pPr>
-            <a:r>
-              <a:rPr lang="en">
-                <a:solidFill>
-                  <a:srgbClr val="073763"/>
-                </a:solidFill>
-              </a:rPr>
-              <a:t>Hi, Mr. X</a:t>
-            </a:r>
-          </a:p>
-        </p:txBody>
-      </p:sp>
-      <p:sp>
-        <p:nvSpPr>
           <p:cNvPr id="961" name="Shape 961"/>
           <p:cNvSpPr/>
           <p:nvPr/>
@@ -24608,54 +23149,8 @@
               <a:buNone/>
             </a:pPr>
             <a:r>
-              <a:rPr lang="en"/>
+              <a:rPr lang="en" dirty="0"/>
               <a:t>Create Event</a:t>
-            </a:r>
-          </a:p>
-        </p:txBody>
-      </p:sp>
-      <p:sp>
-        <p:nvSpPr>
-          <p:cNvPr id="976" name="Shape 976"/>
-          <p:cNvSpPr/>
-          <p:nvPr/>
-        </p:nvSpPr>
-        <p:spPr>
-          <a:xfrm>
-            <a:off x="7450600" y="568425"/>
-            <a:ext cx="952500" cy="323700"/>
-          </a:xfrm>
-          <a:prstGeom prst="rect">
-            <a:avLst/>
-          </a:prstGeom>
-          <a:solidFill>
-            <a:srgbClr val="FFFFFF"/>
-          </a:solidFill>
-          <a:ln w="19050" cap="flat" cmpd="sng">
-            <a:solidFill>
-              <a:srgbClr val="666666"/>
-            </a:solidFill>
-            <a:prstDash val="solid"/>
-            <a:round/>
-            <a:headEnd type="none" w="med" len="med"/>
-            <a:tailEnd type="none" w="med" len="med"/>
-          </a:ln>
-        </p:spPr>
-        <p:txBody>
-          <a:bodyPr lIns="91425" tIns="91425" rIns="91425" bIns="91425" anchor="ctr" anchorCtr="0">
-            <a:noAutofit/>
-          </a:bodyPr>
-          <a:lstStyle/>
-          <a:p>
-            <a:pPr lvl="0" rtl="0">
-              <a:spcBef>
-                <a:spcPts val="0"/>
-              </a:spcBef>
-              <a:buNone/>
-            </a:pPr>
-            <a:r>
-              <a:rPr lang="en"/>
-              <a:t>Log out</a:t>
             </a:r>
           </a:p>
         </p:txBody>
@@ -24835,7 +23330,2789 @@
           </a:p>
         </p:txBody>
       </p:sp>
+      <p:sp>
+        <p:nvSpPr>
+          <p:cNvPr id="42" name="Shape 686"/>
+          <p:cNvSpPr txBox="1"/>
+          <p:nvPr/>
+        </p:nvSpPr>
+        <p:spPr>
+          <a:xfrm>
+            <a:off x="5487364" y="558825"/>
+            <a:ext cx="1422900" cy="342900"/>
+          </a:xfrm>
+          <a:prstGeom prst="rect">
+            <a:avLst/>
+          </a:prstGeom>
+          <a:noFill/>
+          <a:ln w="9525" cap="flat" cmpd="sng">
+            <a:solidFill>
+              <a:srgbClr val="000000"/>
+            </a:solidFill>
+            <a:prstDash val="solid"/>
+            <a:round/>
+            <a:headEnd type="none" w="med" len="med"/>
+            <a:tailEnd type="none" w="med" len="med"/>
+          </a:ln>
+        </p:spPr>
+        <p:txBody>
+          <a:bodyPr lIns="91425" tIns="91425" rIns="91425" bIns="91425" anchor="ctr" anchorCtr="0">
+            <a:noAutofit/>
+          </a:bodyPr>
+          <a:lstStyle/>
+          <a:p>
+            <a:pPr lvl="0" algn="ctr" rtl="0">
+              <a:spcBef>
+                <a:spcPts val="0"/>
+              </a:spcBef>
+              <a:buNone/>
+            </a:pPr>
+            <a:r>
+              <a:rPr lang="en" dirty="0">
+                <a:solidFill>
+                  <a:srgbClr val="073763"/>
+                </a:solidFill>
+              </a:rPr>
+              <a:t>Hi, John Doe</a:t>
+            </a:r>
+          </a:p>
+        </p:txBody>
+      </p:sp>
+      <p:sp>
+        <p:nvSpPr>
+          <p:cNvPr id="43" name="Shape 686"/>
+          <p:cNvSpPr txBox="1"/>
+          <p:nvPr/>
+        </p:nvSpPr>
+        <p:spPr>
+          <a:xfrm>
+            <a:off x="6948062" y="556477"/>
+            <a:ext cx="1422900" cy="342900"/>
+          </a:xfrm>
+          <a:prstGeom prst="rect">
+            <a:avLst/>
+          </a:prstGeom>
+          <a:noFill/>
+          <a:ln w="9525" cap="flat" cmpd="sng">
+            <a:solidFill>
+              <a:srgbClr val="000000"/>
+            </a:solidFill>
+            <a:prstDash val="solid"/>
+            <a:round/>
+            <a:headEnd type="none" w="med" len="med"/>
+            <a:tailEnd type="none" w="med" len="med"/>
+          </a:ln>
+        </p:spPr>
+        <p:txBody>
+          <a:bodyPr lIns="91425" tIns="91425" rIns="91425" bIns="91425" anchor="ctr" anchorCtr="0">
+            <a:noAutofit/>
+          </a:bodyPr>
+          <a:lstStyle/>
+          <a:p>
+            <a:pPr lvl="0" algn="ctr" rtl="0">
+              <a:spcBef>
+                <a:spcPts val="0"/>
+              </a:spcBef>
+              <a:buNone/>
+            </a:pPr>
+            <a:r>
+              <a:rPr lang="en-US" dirty="0">
+                <a:solidFill>
+                  <a:srgbClr val="073763"/>
+                </a:solidFill>
+              </a:rPr>
+              <a:t>Logout</a:t>
+            </a:r>
+            <a:endParaRPr lang="en" dirty="0">
+              <a:solidFill>
+                <a:srgbClr val="073763"/>
+              </a:solidFill>
+            </a:endParaRPr>
+          </a:p>
+        </p:txBody>
+      </p:sp>
     </p:spTree>
+  </p:cSld>
+  <p:clrMapOvr>
+    <a:masterClrMapping/>
+  </p:clrMapOvr>
+</p:sld>
+</file>
+
+<file path=ppt/slides/slide9.xml><?xml version="1.0" encoding="utf-8"?>
+<p:sld xmlns:a="http://schemas.openxmlformats.org/drawingml/2006/main" xmlns:r="http://schemas.openxmlformats.org/officeDocument/2006/relationships" xmlns:p="http://schemas.openxmlformats.org/presentationml/2006/main">
+  <p:cSld>
+    <p:spTree>
+      <p:nvGrpSpPr>
+        <p:cNvPr id="1" name="Shape 940"/>
+        <p:cNvGrpSpPr/>
+        <p:nvPr/>
+      </p:nvGrpSpPr>
+      <p:grpSpPr>
+        <a:xfrm>
+          <a:off x="0" y="0"/>
+          <a:ext cx="0" cy="0"/>
+          <a:chOff x="0" y="0"/>
+          <a:chExt cx="0" cy="0"/>
+        </a:xfrm>
+      </p:grpSpPr>
+      <p:grpSp>
+        <p:nvGrpSpPr>
+          <p:cNvPr id="941" name="Shape 941"/>
+          <p:cNvGrpSpPr/>
+          <p:nvPr/>
+        </p:nvGrpSpPr>
+        <p:grpSpPr>
+          <a:xfrm>
+            <a:off x="416255" y="50535"/>
+            <a:ext cx="8194853" cy="5042448"/>
+            <a:chOff x="2006444" y="13009537"/>
+            <a:chExt cx="9166500" cy="5198400"/>
+          </a:xfrm>
+        </p:grpSpPr>
+        <p:sp>
+          <p:nvSpPr>
+            <p:cNvPr id="942" name="Shape 942"/>
+            <p:cNvSpPr/>
+            <p:nvPr/>
+          </p:nvSpPr>
+          <p:spPr>
+            <a:xfrm>
+              <a:off x="2006444" y="13394137"/>
+              <a:ext cx="9166500" cy="4813800"/>
+            </a:xfrm>
+            <a:prstGeom prst="rect">
+              <a:avLst/>
+            </a:prstGeom>
+            <a:solidFill>
+              <a:srgbClr val="FFFFFF"/>
+            </a:solidFill>
+            <a:ln w="19050" cap="flat" cmpd="sng">
+              <a:solidFill>
+                <a:srgbClr val="6FA8DC"/>
+              </a:solidFill>
+              <a:prstDash val="solid"/>
+              <a:round/>
+              <a:headEnd type="none" w="med" len="med"/>
+              <a:tailEnd type="none" w="med" len="med"/>
+            </a:ln>
+          </p:spPr>
+          <p:txBody>
+            <a:bodyPr lIns="91425" tIns="91425" rIns="91425" bIns="91425" anchor="ctr" anchorCtr="0">
+              <a:noAutofit/>
+            </a:bodyPr>
+            <a:lstStyle/>
+            <a:p>
+              <a:pPr lvl="0" rtl="0">
+                <a:spcBef>
+                  <a:spcPts val="0"/>
+                </a:spcBef>
+                <a:buNone/>
+              </a:pPr>
+              <a:endParaRPr dirty="0"/>
+            </a:p>
+          </p:txBody>
+        </p:sp>
+        <p:sp>
+          <p:nvSpPr>
+            <p:cNvPr id="943" name="Shape 943"/>
+            <p:cNvSpPr/>
+            <p:nvPr/>
+          </p:nvSpPr>
+          <p:spPr>
+            <a:xfrm>
+              <a:off x="2006444" y="13009537"/>
+              <a:ext cx="9166200" cy="384600"/>
+            </a:xfrm>
+            <a:prstGeom prst="rect">
+              <a:avLst/>
+            </a:prstGeom>
+            <a:solidFill>
+              <a:srgbClr val="CFE2F3"/>
+            </a:solidFill>
+            <a:ln w="19050" cap="flat" cmpd="sng">
+              <a:solidFill>
+                <a:srgbClr val="6FA8DC"/>
+              </a:solidFill>
+              <a:prstDash val="solid"/>
+              <a:round/>
+              <a:headEnd type="none" w="med" len="med"/>
+              <a:tailEnd type="none" w="med" len="med"/>
+            </a:ln>
+          </p:spPr>
+          <p:txBody>
+            <a:bodyPr lIns="91425" tIns="91425" rIns="91425" bIns="91425" anchor="ctr" anchorCtr="0">
+              <a:noAutofit/>
+            </a:bodyPr>
+            <a:lstStyle/>
+            <a:p>
+              <a:pPr lvl="0">
+                <a:spcBef>
+                  <a:spcPts val="0"/>
+                </a:spcBef>
+                <a:buNone/>
+              </a:pPr>
+              <a:endParaRPr/>
+            </a:p>
+          </p:txBody>
+        </p:sp>
+        <p:sp>
+          <p:nvSpPr>
+            <p:cNvPr id="944" name="Shape 944"/>
+            <p:cNvSpPr/>
+            <p:nvPr/>
+          </p:nvSpPr>
+          <p:spPr>
+            <a:xfrm>
+              <a:off x="3376778" y="13081687"/>
+              <a:ext cx="326700" cy="242100"/>
+            </a:xfrm>
+            <a:prstGeom prst="rect">
+              <a:avLst/>
+            </a:prstGeom>
+            <a:solidFill>
+              <a:srgbClr val="FFFFFF"/>
+            </a:solidFill>
+            <a:ln w="19050" cap="flat" cmpd="sng">
+              <a:solidFill>
+                <a:srgbClr val="6FA8DC"/>
+              </a:solidFill>
+              <a:prstDash val="solid"/>
+              <a:round/>
+              <a:headEnd type="none" w="med" len="med"/>
+              <a:tailEnd type="none" w="med" len="med"/>
+            </a:ln>
+          </p:spPr>
+          <p:txBody>
+            <a:bodyPr lIns="91425" tIns="91425" rIns="91425" bIns="91425" anchor="ctr" anchorCtr="0">
+              <a:noAutofit/>
+            </a:bodyPr>
+            <a:lstStyle/>
+            <a:p>
+              <a:pPr lvl="0">
+                <a:spcBef>
+                  <a:spcPts val="0"/>
+                </a:spcBef>
+                <a:buNone/>
+              </a:pPr>
+              <a:endParaRPr/>
+            </a:p>
+          </p:txBody>
+        </p:sp>
+        <p:sp>
+          <p:nvSpPr>
+            <p:cNvPr id="945" name="Shape 945"/>
+            <p:cNvSpPr/>
+            <p:nvPr/>
+          </p:nvSpPr>
+          <p:spPr>
+            <a:xfrm>
+              <a:off x="3703478" y="13081687"/>
+              <a:ext cx="6956400" cy="242100"/>
+            </a:xfrm>
+            <a:prstGeom prst="rect">
+              <a:avLst/>
+            </a:prstGeom>
+            <a:solidFill>
+              <a:srgbClr val="FFFFFF"/>
+            </a:solidFill>
+            <a:ln w="19050" cap="flat" cmpd="sng">
+              <a:solidFill>
+                <a:srgbClr val="6FA8DC"/>
+              </a:solidFill>
+              <a:prstDash val="solid"/>
+              <a:round/>
+              <a:headEnd type="none" w="med" len="med"/>
+              <a:tailEnd type="none" w="med" len="med"/>
+            </a:ln>
+          </p:spPr>
+          <p:txBody>
+            <a:bodyPr lIns="91425" tIns="91425" rIns="91425" bIns="91425" anchor="ctr" anchorCtr="0">
+              <a:noAutofit/>
+            </a:bodyPr>
+            <a:lstStyle/>
+            <a:p>
+              <a:pPr lvl="0" algn="l" rtl="0">
+                <a:spcBef>
+                  <a:spcPts val="0"/>
+                </a:spcBef>
+                <a:buNone/>
+              </a:pPr>
+              <a:r>
+                <a:rPr lang="en" sz="1200" dirty="0">
+                  <a:solidFill>
+                    <a:srgbClr val="0B5394"/>
+                  </a:solidFill>
+                </a:rPr>
+                <a:t>http://www.travelbuddy.com/</a:t>
+              </a:r>
+              <a:r>
+                <a:rPr lang="en-US" sz="1200" dirty="0" err="1">
+                  <a:solidFill>
+                    <a:srgbClr val="0B5394"/>
+                  </a:solidFill>
+                </a:rPr>
+                <a:t>event_detail</a:t>
+              </a:r>
+              <a:r>
+                <a:rPr lang="en-US" sz="1200" dirty="0">
+                  <a:solidFill>
+                    <a:srgbClr val="0B5394"/>
+                  </a:solidFill>
+                </a:rPr>
+                <a:t>/1</a:t>
+              </a:r>
+              <a:endParaRPr lang="en" sz="1200" dirty="0">
+                <a:solidFill>
+                  <a:srgbClr val="0B5394"/>
+                </a:solidFill>
+              </a:endParaRPr>
+            </a:p>
+          </p:txBody>
+        </p:sp>
+        <p:grpSp>
+          <p:nvGrpSpPr>
+            <p:cNvPr id="946" name="Shape 946"/>
+            <p:cNvGrpSpPr/>
+            <p:nvPr/>
+          </p:nvGrpSpPr>
+          <p:grpSpPr>
+            <a:xfrm>
+              <a:off x="2410784" y="13081687"/>
+              <a:ext cx="326700" cy="242100"/>
+              <a:chOff x="2839514" y="12002187"/>
+              <a:chExt cx="326700" cy="242100"/>
+            </a:xfrm>
+          </p:grpSpPr>
+          <p:sp>
+            <p:nvSpPr>
+              <p:cNvPr id="947" name="Shape 947"/>
+              <p:cNvSpPr/>
+              <p:nvPr/>
+            </p:nvSpPr>
+            <p:spPr>
+              <a:xfrm>
+                <a:off x="2839514" y="12002187"/>
+                <a:ext cx="326700" cy="242100"/>
+              </a:xfrm>
+              <a:prstGeom prst="rect">
+                <a:avLst/>
+              </a:prstGeom>
+              <a:solidFill>
+                <a:srgbClr val="FFFFFF"/>
+              </a:solidFill>
+              <a:ln w="19050" cap="flat" cmpd="sng">
+                <a:solidFill>
+                  <a:srgbClr val="6FA8DC"/>
+                </a:solidFill>
+                <a:prstDash val="solid"/>
+                <a:round/>
+                <a:headEnd type="none" w="med" len="med"/>
+                <a:tailEnd type="none" w="med" len="med"/>
+              </a:ln>
+            </p:spPr>
+            <p:txBody>
+              <a:bodyPr lIns="91425" tIns="91425" rIns="91425" bIns="91425" anchor="ctr" anchorCtr="0">
+                <a:noAutofit/>
+              </a:bodyPr>
+              <a:lstStyle/>
+              <a:p>
+                <a:pPr lvl="0">
+                  <a:spcBef>
+                    <a:spcPts val="0"/>
+                  </a:spcBef>
+                  <a:buNone/>
+                </a:pPr>
+                <a:endParaRPr/>
+              </a:p>
+            </p:txBody>
+          </p:sp>
+          <p:sp>
+            <p:nvSpPr>
+              <p:cNvPr id="948" name="Shape 948"/>
+              <p:cNvSpPr/>
+              <p:nvPr/>
+            </p:nvSpPr>
+            <p:spPr>
+              <a:xfrm>
+                <a:off x="2918820" y="12028587"/>
+                <a:ext cx="168300" cy="187500"/>
+              </a:xfrm>
+              <a:prstGeom prst="rightArrow">
+                <a:avLst>
+                  <a:gd name="adj1" fmla="val 50000"/>
+                  <a:gd name="adj2" fmla="val 76347"/>
+                </a:avLst>
+              </a:prstGeom>
+              <a:solidFill>
+                <a:srgbClr val="CFE2F3"/>
+              </a:solidFill>
+              <a:ln>
+                <a:noFill/>
+              </a:ln>
+            </p:spPr>
+            <p:txBody>
+              <a:bodyPr lIns="91425" tIns="91425" rIns="91425" bIns="91425" anchor="ctr" anchorCtr="0">
+                <a:noAutofit/>
+              </a:bodyPr>
+              <a:lstStyle/>
+              <a:p>
+                <a:pPr lvl="0">
+                  <a:spcBef>
+                    <a:spcPts val="0"/>
+                  </a:spcBef>
+                  <a:buNone/>
+                </a:pPr>
+                <a:endParaRPr/>
+              </a:p>
+            </p:txBody>
+          </p:sp>
+        </p:grpSp>
+        <p:grpSp>
+          <p:nvGrpSpPr>
+            <p:cNvPr id="949" name="Shape 949"/>
+            <p:cNvGrpSpPr/>
+            <p:nvPr/>
+          </p:nvGrpSpPr>
+          <p:grpSpPr>
+            <a:xfrm>
+              <a:off x="2084084" y="13080787"/>
+              <a:ext cx="326700" cy="242100"/>
+              <a:chOff x="2512709" y="12001287"/>
+              <a:chExt cx="326700" cy="242100"/>
+            </a:xfrm>
+          </p:grpSpPr>
+          <p:sp>
+            <p:nvSpPr>
+              <p:cNvPr id="950" name="Shape 950"/>
+              <p:cNvSpPr/>
+              <p:nvPr/>
+            </p:nvSpPr>
+            <p:spPr>
+              <a:xfrm>
+                <a:off x="2512709" y="12001287"/>
+                <a:ext cx="326700" cy="242100"/>
+              </a:xfrm>
+              <a:prstGeom prst="rect">
+                <a:avLst/>
+              </a:prstGeom>
+              <a:solidFill>
+                <a:srgbClr val="FFFFFF"/>
+              </a:solidFill>
+              <a:ln w="19050" cap="flat" cmpd="sng">
+                <a:solidFill>
+                  <a:srgbClr val="6FA8DC"/>
+                </a:solidFill>
+                <a:prstDash val="solid"/>
+                <a:round/>
+                <a:headEnd type="none" w="med" len="med"/>
+                <a:tailEnd type="none" w="med" len="med"/>
+              </a:ln>
+            </p:spPr>
+            <p:txBody>
+              <a:bodyPr lIns="91425" tIns="91425" rIns="91425" bIns="91425" anchor="ctr" anchorCtr="0">
+                <a:noAutofit/>
+              </a:bodyPr>
+              <a:lstStyle/>
+              <a:p>
+                <a:pPr lvl="0">
+                  <a:spcBef>
+                    <a:spcPts val="0"/>
+                  </a:spcBef>
+                  <a:buNone/>
+                </a:pPr>
+                <a:endParaRPr/>
+              </a:p>
+            </p:txBody>
+          </p:sp>
+          <p:sp>
+            <p:nvSpPr>
+              <p:cNvPr id="951" name="Shape 951"/>
+              <p:cNvSpPr/>
+              <p:nvPr/>
+            </p:nvSpPr>
+            <p:spPr>
+              <a:xfrm rot="10800000">
+                <a:off x="2591908" y="12028587"/>
+                <a:ext cx="168300" cy="187500"/>
+              </a:xfrm>
+              <a:prstGeom prst="rightArrow">
+                <a:avLst>
+                  <a:gd name="adj1" fmla="val 50000"/>
+                  <a:gd name="adj2" fmla="val 76347"/>
+                </a:avLst>
+              </a:prstGeom>
+              <a:solidFill>
+                <a:srgbClr val="CFE2F3"/>
+              </a:solidFill>
+              <a:ln>
+                <a:noFill/>
+              </a:ln>
+            </p:spPr>
+            <p:txBody>
+              <a:bodyPr lIns="91425" tIns="91425" rIns="91425" bIns="91425" anchor="ctr" anchorCtr="0">
+                <a:noAutofit/>
+              </a:bodyPr>
+              <a:lstStyle/>
+              <a:p>
+                <a:pPr lvl="0">
+                  <a:spcBef>
+                    <a:spcPts val="0"/>
+                  </a:spcBef>
+                  <a:buNone/>
+                </a:pPr>
+                <a:endParaRPr/>
+              </a:p>
+            </p:txBody>
+          </p:sp>
+        </p:grpSp>
+        <p:grpSp>
+          <p:nvGrpSpPr>
+            <p:cNvPr id="952" name="Shape 952"/>
+            <p:cNvGrpSpPr/>
+            <p:nvPr/>
+          </p:nvGrpSpPr>
+          <p:grpSpPr>
+            <a:xfrm>
+              <a:off x="2908904" y="13081687"/>
+              <a:ext cx="326700" cy="242100"/>
+              <a:chOff x="3270854" y="12002187"/>
+              <a:chExt cx="326700" cy="242100"/>
+            </a:xfrm>
+          </p:grpSpPr>
+          <p:sp>
+            <p:nvSpPr>
+              <p:cNvPr id="953" name="Shape 953"/>
+              <p:cNvSpPr/>
+              <p:nvPr/>
+            </p:nvSpPr>
+            <p:spPr>
+              <a:xfrm>
+                <a:off x="3270854" y="12002187"/>
+                <a:ext cx="326700" cy="242100"/>
+              </a:xfrm>
+              <a:prstGeom prst="rect">
+                <a:avLst/>
+              </a:prstGeom>
+              <a:solidFill>
+                <a:srgbClr val="FFFFFF"/>
+              </a:solidFill>
+              <a:ln w="19050" cap="flat" cmpd="sng">
+                <a:solidFill>
+                  <a:srgbClr val="6FA8DC"/>
+                </a:solidFill>
+                <a:prstDash val="solid"/>
+                <a:round/>
+                <a:headEnd type="none" w="med" len="med"/>
+                <a:tailEnd type="none" w="med" len="med"/>
+              </a:ln>
+            </p:spPr>
+            <p:txBody>
+              <a:bodyPr lIns="91425" tIns="91425" rIns="91425" bIns="91425" anchor="ctr" anchorCtr="0">
+                <a:noAutofit/>
+              </a:bodyPr>
+              <a:lstStyle/>
+              <a:p>
+                <a:pPr lvl="0">
+                  <a:spcBef>
+                    <a:spcPts val="0"/>
+                  </a:spcBef>
+                  <a:buNone/>
+                </a:pPr>
+                <a:endParaRPr/>
+              </a:p>
+            </p:txBody>
+          </p:sp>
+          <p:sp>
+            <p:nvSpPr>
+              <p:cNvPr id="954" name="Shape 954"/>
+              <p:cNvSpPr/>
+              <p:nvPr/>
+            </p:nvSpPr>
+            <p:spPr>
+              <a:xfrm rot="10800000">
+                <a:off x="3358207" y="12041368"/>
+                <a:ext cx="152101" cy="161937"/>
+              </a:xfrm>
+              <a:prstGeom prst="flowChartOffpageConnector">
+                <a:avLst/>
+              </a:prstGeom>
+              <a:solidFill>
+                <a:srgbClr val="CFE2F3"/>
+              </a:solidFill>
+              <a:ln>
+                <a:noFill/>
+              </a:ln>
+            </p:spPr>
+            <p:txBody>
+              <a:bodyPr lIns="91425" tIns="91425" rIns="91425" bIns="91425" anchor="ctr" anchorCtr="0">
+                <a:noAutofit/>
+              </a:bodyPr>
+              <a:lstStyle/>
+              <a:p>
+                <a:pPr lvl="0">
+                  <a:spcBef>
+                    <a:spcPts val="0"/>
+                  </a:spcBef>
+                  <a:buNone/>
+                </a:pPr>
+                <a:endParaRPr/>
+              </a:p>
+            </p:txBody>
+          </p:sp>
+        </p:grpSp>
+        <p:sp>
+          <p:nvSpPr>
+            <p:cNvPr id="955" name="Shape 955"/>
+            <p:cNvSpPr/>
+            <p:nvPr/>
+          </p:nvSpPr>
+          <p:spPr>
+            <a:xfrm>
+              <a:off x="10754093" y="13080787"/>
+              <a:ext cx="326700" cy="242100"/>
+            </a:xfrm>
+            <a:prstGeom prst="rect">
+              <a:avLst/>
+            </a:prstGeom>
+            <a:solidFill>
+              <a:srgbClr val="FFFFFF"/>
+            </a:solidFill>
+            <a:ln w="19050" cap="flat" cmpd="sng">
+              <a:solidFill>
+                <a:srgbClr val="6FA8DC"/>
+              </a:solidFill>
+              <a:prstDash val="solid"/>
+              <a:round/>
+              <a:headEnd type="none" w="med" len="med"/>
+              <a:tailEnd type="none" w="med" len="med"/>
+            </a:ln>
+          </p:spPr>
+          <p:txBody>
+            <a:bodyPr lIns="91425" tIns="91425" rIns="91425" bIns="91425" anchor="ctr" anchorCtr="0">
+              <a:noAutofit/>
+            </a:bodyPr>
+            <a:lstStyle/>
+            <a:p>
+              <a:pPr lvl="0">
+                <a:spcBef>
+                  <a:spcPts val="0"/>
+                </a:spcBef>
+                <a:buNone/>
+              </a:pPr>
+              <a:endParaRPr/>
+            </a:p>
+          </p:txBody>
+        </p:sp>
+      </p:grpSp>
+      <p:sp>
+        <p:nvSpPr>
+          <p:cNvPr id="956" name="Shape 956"/>
+          <p:cNvSpPr txBox="1"/>
+          <p:nvPr/>
+        </p:nvSpPr>
+        <p:spPr>
+          <a:xfrm>
+            <a:off x="395850" y="558813"/>
+            <a:ext cx="952500" cy="342900"/>
+          </a:xfrm>
+          <a:prstGeom prst="rect">
+            <a:avLst/>
+          </a:prstGeom>
+          <a:solidFill>
+            <a:srgbClr val="C9DAF8"/>
+          </a:solidFill>
+          <a:ln w="9525" cap="flat" cmpd="sng">
+            <a:solidFill>
+              <a:srgbClr val="000000"/>
+            </a:solidFill>
+            <a:prstDash val="solid"/>
+            <a:round/>
+            <a:headEnd type="none" w="med" len="med"/>
+            <a:tailEnd type="none" w="med" len="med"/>
+          </a:ln>
+        </p:spPr>
+        <p:txBody>
+          <a:bodyPr lIns="91425" tIns="91425" rIns="91425" bIns="91425" anchor="ctr" anchorCtr="0">
+            <a:noAutofit/>
+          </a:bodyPr>
+          <a:lstStyle/>
+          <a:p>
+            <a:pPr lvl="0" algn="ctr" rtl="0">
+              <a:spcBef>
+                <a:spcPts val="0"/>
+              </a:spcBef>
+              <a:buNone/>
+            </a:pPr>
+            <a:r>
+              <a:rPr lang="en">
+                <a:solidFill>
+                  <a:srgbClr val="073763"/>
+                </a:solidFill>
+              </a:rPr>
+              <a:t>Events</a:t>
+            </a:r>
+          </a:p>
+        </p:txBody>
+      </p:sp>
+      <p:sp>
+        <p:nvSpPr>
+          <p:cNvPr id="958" name="Shape 958"/>
+          <p:cNvSpPr txBox="1"/>
+          <p:nvPr/>
+        </p:nvSpPr>
+        <p:spPr>
+          <a:xfrm>
+            <a:off x="1348350" y="558825"/>
+            <a:ext cx="1050000" cy="342900"/>
+          </a:xfrm>
+          <a:prstGeom prst="rect">
+            <a:avLst/>
+          </a:prstGeom>
+          <a:noFill/>
+          <a:ln w="9525" cap="flat" cmpd="sng">
+            <a:solidFill>
+              <a:srgbClr val="000000"/>
+            </a:solidFill>
+            <a:prstDash val="solid"/>
+            <a:round/>
+            <a:headEnd type="none" w="med" len="med"/>
+            <a:tailEnd type="none" w="med" len="med"/>
+          </a:ln>
+        </p:spPr>
+        <p:txBody>
+          <a:bodyPr lIns="91425" tIns="91425" rIns="91425" bIns="91425" anchor="ctr" anchorCtr="0">
+            <a:noAutofit/>
+          </a:bodyPr>
+          <a:lstStyle/>
+          <a:p>
+            <a:pPr lvl="0" algn="ctr" rtl="0">
+              <a:spcBef>
+                <a:spcPts val="0"/>
+              </a:spcBef>
+              <a:buNone/>
+            </a:pPr>
+            <a:r>
+              <a:rPr lang="en">
+                <a:solidFill>
+                  <a:srgbClr val="073763"/>
+                </a:solidFill>
+              </a:rPr>
+              <a:t>Invitations</a:t>
+            </a:r>
+          </a:p>
+        </p:txBody>
+      </p:sp>
+      <p:sp>
+        <p:nvSpPr>
+          <p:cNvPr id="959" name="Shape 959"/>
+          <p:cNvSpPr txBox="1"/>
+          <p:nvPr/>
+        </p:nvSpPr>
+        <p:spPr>
+          <a:xfrm>
+            <a:off x="2398350" y="558825"/>
+            <a:ext cx="1158600" cy="342900"/>
+          </a:xfrm>
+          <a:prstGeom prst="rect">
+            <a:avLst/>
+          </a:prstGeom>
+          <a:noFill/>
+          <a:ln w="9525" cap="flat" cmpd="sng">
+            <a:solidFill>
+              <a:srgbClr val="000000"/>
+            </a:solidFill>
+            <a:prstDash val="solid"/>
+            <a:round/>
+            <a:headEnd type="none" w="med" len="med"/>
+            <a:tailEnd type="none" w="med" len="med"/>
+          </a:ln>
+        </p:spPr>
+        <p:txBody>
+          <a:bodyPr lIns="91425" tIns="91425" rIns="91425" bIns="91425" anchor="ctr" anchorCtr="0">
+            <a:noAutofit/>
+          </a:bodyPr>
+          <a:lstStyle/>
+          <a:p>
+            <a:pPr lvl="0" algn="ctr" rtl="0">
+              <a:spcBef>
+                <a:spcPts val="0"/>
+              </a:spcBef>
+              <a:buNone/>
+            </a:pPr>
+            <a:r>
+              <a:rPr lang="en">
+                <a:solidFill>
+                  <a:srgbClr val="073763"/>
+                </a:solidFill>
+              </a:rPr>
+              <a:t>Past Events</a:t>
+            </a:r>
+          </a:p>
+        </p:txBody>
+      </p:sp>
+      <p:sp>
+        <p:nvSpPr>
+          <p:cNvPr id="961" name="Shape 961"/>
+          <p:cNvSpPr/>
+          <p:nvPr/>
+        </p:nvSpPr>
+        <p:spPr>
+          <a:xfrm>
+            <a:off x="7281328" y="1436873"/>
+            <a:ext cx="412500" cy="222300"/>
+          </a:xfrm>
+          <a:prstGeom prst="mathMultiply">
+            <a:avLst>
+              <a:gd name="adj1" fmla="val 23520"/>
+            </a:avLst>
+          </a:prstGeom>
+          <a:solidFill>
+            <a:srgbClr val="FFFFFF"/>
+          </a:solidFill>
+          <a:ln>
+            <a:noFill/>
+          </a:ln>
+        </p:spPr>
+        <p:txBody>
+          <a:bodyPr lIns="91425" tIns="91425" rIns="91425" bIns="91425" anchor="ctr" anchorCtr="0">
+            <a:noAutofit/>
+          </a:bodyPr>
+          <a:lstStyle/>
+          <a:p>
+            <a:pPr lvl="0">
+              <a:spcBef>
+                <a:spcPts val="0"/>
+              </a:spcBef>
+              <a:buNone/>
+            </a:pPr>
+            <a:endParaRPr/>
+          </a:p>
+        </p:txBody>
+      </p:sp>
+      <p:cxnSp>
+        <p:nvCxnSpPr>
+          <p:cNvPr id="962" name="Shape 962"/>
+          <p:cNvCxnSpPr/>
+          <p:nvPr/>
+        </p:nvCxnSpPr>
+        <p:spPr>
+          <a:xfrm rot="10800000" flipH="1">
+            <a:off x="419875" y="1075775"/>
+            <a:ext cx="8187600" cy="26400"/>
+          </a:xfrm>
+          <a:prstGeom prst="straightConnector1">
+            <a:avLst/>
+          </a:prstGeom>
+          <a:noFill/>
+          <a:ln w="9525" cap="flat" cmpd="sng">
+            <a:solidFill>
+              <a:schemeClr val="dk2"/>
+            </a:solidFill>
+            <a:prstDash val="solid"/>
+            <a:round/>
+            <a:headEnd type="none" w="lg" len="lg"/>
+            <a:tailEnd type="none" w="lg" len="lg"/>
+          </a:ln>
+        </p:spPr>
+      </p:cxnSp>
+      <p:sp>
+        <p:nvSpPr>
+          <p:cNvPr id="969" name="Shape 969"/>
+          <p:cNvSpPr/>
+          <p:nvPr/>
+        </p:nvSpPr>
+        <p:spPr>
+          <a:xfrm>
+            <a:off x="567661" y="1121571"/>
+            <a:ext cx="1379808" cy="342900"/>
+          </a:xfrm>
+          <a:prstGeom prst="rect">
+            <a:avLst/>
+          </a:prstGeom>
+          <a:noFill/>
+          <a:ln>
+            <a:noFill/>
+          </a:ln>
+        </p:spPr>
+        <p:txBody>
+          <a:bodyPr lIns="91425" tIns="91425" rIns="91425" bIns="91425" anchor="ctr" anchorCtr="0">
+            <a:noAutofit/>
+          </a:bodyPr>
+          <a:lstStyle/>
+          <a:p>
+            <a:pPr lvl="0" rtl="0">
+              <a:spcBef>
+                <a:spcPts val="0"/>
+              </a:spcBef>
+              <a:buNone/>
+            </a:pPr>
+            <a:r>
+              <a:rPr lang="en" dirty="0"/>
+              <a:t>Event Name</a:t>
+            </a:r>
+          </a:p>
+        </p:txBody>
+      </p:sp>
+      <p:sp>
+        <p:nvSpPr>
+          <p:cNvPr id="42" name="Shape 969"/>
+          <p:cNvSpPr/>
+          <p:nvPr/>
+        </p:nvSpPr>
+        <p:spPr>
+          <a:xfrm>
+            <a:off x="2340192" y="1126671"/>
+            <a:ext cx="6076976" cy="342900"/>
+          </a:xfrm>
+          <a:prstGeom prst="rect">
+            <a:avLst/>
+          </a:prstGeom>
+          <a:noFill/>
+          <a:ln>
+            <a:noFill/>
+          </a:ln>
+        </p:spPr>
+        <p:txBody>
+          <a:bodyPr lIns="91425" tIns="91425" rIns="91425" bIns="91425" anchor="ctr" anchorCtr="0">
+            <a:noAutofit/>
+          </a:bodyPr>
+          <a:lstStyle/>
+          <a:p>
+            <a:pPr lvl="0" rtl="0">
+              <a:spcBef>
+                <a:spcPts val="0"/>
+              </a:spcBef>
+              <a:buNone/>
+            </a:pPr>
+            <a:r>
+              <a:rPr lang="en-US" dirty="0"/>
+              <a:t>Memphis Movie Show </a:t>
+            </a:r>
+            <a:endParaRPr lang="en" dirty="0"/>
+          </a:p>
+        </p:txBody>
+      </p:sp>
+      <p:sp>
+        <p:nvSpPr>
+          <p:cNvPr id="43" name="Shape 969"/>
+          <p:cNvSpPr/>
+          <p:nvPr/>
+        </p:nvSpPr>
+        <p:spPr>
+          <a:xfrm>
+            <a:off x="572346" y="1477951"/>
+            <a:ext cx="1375123" cy="342900"/>
+          </a:xfrm>
+          <a:prstGeom prst="rect">
+            <a:avLst/>
+          </a:prstGeom>
+          <a:noFill/>
+          <a:ln>
+            <a:noFill/>
+          </a:ln>
+        </p:spPr>
+        <p:txBody>
+          <a:bodyPr lIns="91425" tIns="91425" rIns="91425" bIns="91425" anchor="ctr" anchorCtr="0">
+            <a:noAutofit/>
+          </a:bodyPr>
+          <a:lstStyle/>
+          <a:p>
+            <a:pPr lvl="0" rtl="0">
+              <a:spcBef>
+                <a:spcPts val="0"/>
+              </a:spcBef>
+              <a:buNone/>
+            </a:pPr>
+            <a:r>
+              <a:rPr lang="en-US" dirty="0"/>
+              <a:t>Description</a:t>
+            </a:r>
+            <a:endParaRPr lang="en" dirty="0"/>
+          </a:p>
+        </p:txBody>
+      </p:sp>
+      <p:sp>
+        <p:nvSpPr>
+          <p:cNvPr id="44" name="Shape 969"/>
+          <p:cNvSpPr/>
+          <p:nvPr/>
+        </p:nvSpPr>
+        <p:spPr>
+          <a:xfrm>
+            <a:off x="2344877" y="1483051"/>
+            <a:ext cx="6072291" cy="342900"/>
+          </a:xfrm>
+          <a:prstGeom prst="rect">
+            <a:avLst/>
+          </a:prstGeom>
+          <a:noFill/>
+          <a:ln>
+            <a:noFill/>
+          </a:ln>
+        </p:spPr>
+        <p:txBody>
+          <a:bodyPr lIns="91425" tIns="91425" rIns="91425" bIns="91425" anchor="ctr" anchorCtr="0">
+            <a:noAutofit/>
+          </a:bodyPr>
+          <a:lstStyle/>
+          <a:p>
+            <a:pPr lvl="0" rtl="0">
+              <a:spcBef>
+                <a:spcPts val="0"/>
+              </a:spcBef>
+              <a:buNone/>
+            </a:pPr>
+            <a:r>
+              <a:rPr lang="en-US" dirty="0"/>
+              <a:t>Movie show with Family and Friends</a:t>
+            </a:r>
+            <a:endParaRPr lang="en" dirty="0"/>
+          </a:p>
+        </p:txBody>
+      </p:sp>
+      <p:sp>
+        <p:nvSpPr>
+          <p:cNvPr id="45" name="Shape 969"/>
+          <p:cNvSpPr/>
+          <p:nvPr/>
+        </p:nvSpPr>
+        <p:spPr>
+          <a:xfrm>
+            <a:off x="558279" y="1857786"/>
+            <a:ext cx="1389191" cy="342900"/>
+          </a:xfrm>
+          <a:prstGeom prst="rect">
+            <a:avLst/>
+          </a:prstGeom>
+          <a:noFill/>
+          <a:ln>
+            <a:noFill/>
+          </a:ln>
+        </p:spPr>
+        <p:txBody>
+          <a:bodyPr lIns="91425" tIns="91425" rIns="91425" bIns="91425" anchor="ctr" anchorCtr="0">
+            <a:noAutofit/>
+          </a:bodyPr>
+          <a:lstStyle/>
+          <a:p>
+            <a:pPr lvl="0" rtl="0">
+              <a:spcBef>
+                <a:spcPts val="0"/>
+              </a:spcBef>
+              <a:buNone/>
+            </a:pPr>
+            <a:r>
+              <a:rPr lang="en-US" dirty="0"/>
+              <a:t>Start Date</a:t>
+            </a:r>
+            <a:endParaRPr lang="en" dirty="0"/>
+          </a:p>
+        </p:txBody>
+      </p:sp>
+      <p:sp>
+        <p:nvSpPr>
+          <p:cNvPr id="46" name="Shape 969"/>
+          <p:cNvSpPr/>
+          <p:nvPr/>
+        </p:nvSpPr>
+        <p:spPr>
+          <a:xfrm>
+            <a:off x="2330811" y="1862886"/>
+            <a:ext cx="2213482" cy="342900"/>
+          </a:xfrm>
+          <a:prstGeom prst="rect">
+            <a:avLst/>
+          </a:prstGeom>
+          <a:noFill/>
+          <a:ln>
+            <a:noFill/>
+          </a:ln>
+        </p:spPr>
+        <p:txBody>
+          <a:bodyPr lIns="91425" tIns="91425" rIns="91425" bIns="91425" anchor="ctr" anchorCtr="0">
+            <a:noAutofit/>
+          </a:bodyPr>
+          <a:lstStyle/>
+          <a:p>
+            <a:pPr lvl="0" rtl="0">
+              <a:spcBef>
+                <a:spcPts val="0"/>
+              </a:spcBef>
+              <a:buNone/>
+            </a:pPr>
+            <a:r>
+              <a:rPr lang="en-US" dirty="0"/>
+              <a:t>03/27/2017</a:t>
+            </a:r>
+            <a:endParaRPr lang="en" dirty="0"/>
+          </a:p>
+        </p:txBody>
+      </p:sp>
+      <p:sp>
+        <p:nvSpPr>
+          <p:cNvPr id="47" name="Shape 969"/>
+          <p:cNvSpPr/>
+          <p:nvPr/>
+        </p:nvSpPr>
+        <p:spPr>
+          <a:xfrm>
+            <a:off x="4839517" y="1848406"/>
+            <a:ext cx="1224600" cy="342900"/>
+          </a:xfrm>
+          <a:prstGeom prst="rect">
+            <a:avLst/>
+          </a:prstGeom>
+          <a:noFill/>
+          <a:ln>
+            <a:noFill/>
+          </a:ln>
+        </p:spPr>
+        <p:txBody>
+          <a:bodyPr lIns="91425" tIns="91425" rIns="91425" bIns="91425" anchor="ctr" anchorCtr="0">
+            <a:noAutofit/>
+          </a:bodyPr>
+          <a:lstStyle/>
+          <a:p>
+            <a:pPr lvl="0" rtl="0">
+              <a:spcBef>
+                <a:spcPts val="0"/>
+              </a:spcBef>
+              <a:buNone/>
+            </a:pPr>
+            <a:r>
+              <a:rPr lang="en-US" dirty="0"/>
+              <a:t>Duration</a:t>
+            </a:r>
+            <a:endParaRPr lang="en" dirty="0"/>
+          </a:p>
+        </p:txBody>
+      </p:sp>
+      <p:sp>
+        <p:nvSpPr>
+          <p:cNvPr id="48" name="Shape 969"/>
+          <p:cNvSpPr/>
+          <p:nvPr/>
+        </p:nvSpPr>
+        <p:spPr>
+          <a:xfrm>
+            <a:off x="6612047" y="1853506"/>
+            <a:ext cx="1805121" cy="342900"/>
+          </a:xfrm>
+          <a:prstGeom prst="rect">
+            <a:avLst/>
+          </a:prstGeom>
+          <a:noFill/>
+          <a:ln>
+            <a:noFill/>
+          </a:ln>
+        </p:spPr>
+        <p:txBody>
+          <a:bodyPr lIns="91425" tIns="91425" rIns="91425" bIns="91425" anchor="ctr" anchorCtr="0">
+            <a:noAutofit/>
+          </a:bodyPr>
+          <a:lstStyle/>
+          <a:p>
+            <a:pPr lvl="0" rtl="0">
+              <a:spcBef>
+                <a:spcPts val="0"/>
+              </a:spcBef>
+              <a:buNone/>
+            </a:pPr>
+            <a:r>
+              <a:rPr lang="en-US" dirty="0"/>
+              <a:t>3 Hours</a:t>
+            </a:r>
+            <a:endParaRPr lang="en" dirty="0"/>
+          </a:p>
+        </p:txBody>
+      </p:sp>
+      <p:sp>
+        <p:nvSpPr>
+          <p:cNvPr id="51" name="Shape 969"/>
+          <p:cNvSpPr/>
+          <p:nvPr/>
+        </p:nvSpPr>
+        <p:spPr>
+          <a:xfrm>
+            <a:off x="548900" y="2248817"/>
+            <a:ext cx="1398571" cy="342900"/>
+          </a:xfrm>
+          <a:prstGeom prst="rect">
+            <a:avLst/>
+          </a:prstGeom>
+          <a:noFill/>
+          <a:ln>
+            <a:noFill/>
+          </a:ln>
+        </p:spPr>
+        <p:txBody>
+          <a:bodyPr lIns="91425" tIns="91425" rIns="91425" bIns="91425" anchor="ctr" anchorCtr="0">
+            <a:noAutofit/>
+          </a:bodyPr>
+          <a:lstStyle/>
+          <a:p>
+            <a:pPr lvl="0" rtl="0">
+              <a:spcBef>
+                <a:spcPts val="0"/>
+              </a:spcBef>
+              <a:buNone/>
+            </a:pPr>
+            <a:r>
+              <a:rPr lang="en-US" dirty="0"/>
+              <a:t>Destination</a:t>
+            </a:r>
+            <a:endParaRPr lang="en" dirty="0"/>
+          </a:p>
+        </p:txBody>
+      </p:sp>
+      <p:sp>
+        <p:nvSpPr>
+          <p:cNvPr id="52" name="Shape 969"/>
+          <p:cNvSpPr/>
+          <p:nvPr/>
+        </p:nvSpPr>
+        <p:spPr>
+          <a:xfrm>
+            <a:off x="2321431" y="2253917"/>
+            <a:ext cx="6095737" cy="342900"/>
+          </a:xfrm>
+          <a:prstGeom prst="rect">
+            <a:avLst/>
+          </a:prstGeom>
+          <a:noFill/>
+          <a:ln>
+            <a:noFill/>
+          </a:ln>
+        </p:spPr>
+        <p:txBody>
+          <a:bodyPr lIns="91425" tIns="91425" rIns="91425" bIns="91425" anchor="ctr" anchorCtr="0">
+            <a:noAutofit/>
+          </a:bodyPr>
+          <a:lstStyle/>
+          <a:p>
+            <a:pPr lvl="0" rtl="0">
+              <a:spcBef>
+                <a:spcPts val="0"/>
+              </a:spcBef>
+              <a:buNone/>
+            </a:pPr>
+            <a:r>
+              <a:rPr lang="en-US" dirty="0"/>
+              <a:t>Carnes Ave, Memphis, TN - 38111</a:t>
+            </a:r>
+            <a:endParaRPr lang="en" dirty="0"/>
+          </a:p>
+        </p:txBody>
+      </p:sp>
+      <p:sp>
+        <p:nvSpPr>
+          <p:cNvPr id="53" name="Shape 969"/>
+          <p:cNvSpPr/>
+          <p:nvPr/>
+        </p:nvSpPr>
+        <p:spPr>
+          <a:xfrm>
+            <a:off x="546553" y="2626295"/>
+            <a:ext cx="1400919" cy="342900"/>
+          </a:xfrm>
+          <a:prstGeom prst="rect">
+            <a:avLst/>
+          </a:prstGeom>
+          <a:noFill/>
+          <a:ln>
+            <a:noFill/>
+          </a:ln>
+        </p:spPr>
+        <p:txBody>
+          <a:bodyPr lIns="91425" tIns="91425" rIns="91425" bIns="91425" anchor="ctr" anchorCtr="0">
+            <a:noAutofit/>
+          </a:bodyPr>
+          <a:lstStyle/>
+          <a:p>
+            <a:pPr lvl="0" rtl="0">
+              <a:spcBef>
+                <a:spcPts val="0"/>
+              </a:spcBef>
+              <a:buNone/>
+            </a:pPr>
+            <a:r>
+              <a:rPr lang="en-US" dirty="0"/>
+              <a:t>People Joined</a:t>
+            </a:r>
+            <a:endParaRPr lang="en" dirty="0"/>
+          </a:p>
+        </p:txBody>
+      </p:sp>
+      <p:sp>
+        <p:nvSpPr>
+          <p:cNvPr id="54" name="Shape 969"/>
+          <p:cNvSpPr/>
+          <p:nvPr/>
+        </p:nvSpPr>
+        <p:spPr>
+          <a:xfrm>
+            <a:off x="2319084" y="2631395"/>
+            <a:ext cx="6095737" cy="342900"/>
+          </a:xfrm>
+          <a:prstGeom prst="rect">
+            <a:avLst/>
+          </a:prstGeom>
+          <a:noFill/>
+          <a:ln>
+            <a:noFill/>
+          </a:ln>
+        </p:spPr>
+        <p:txBody>
+          <a:bodyPr lIns="91425" tIns="91425" rIns="91425" bIns="91425" anchor="ctr" anchorCtr="0">
+            <a:noAutofit/>
+          </a:bodyPr>
+          <a:lstStyle/>
+          <a:p>
+            <a:pPr lvl="0" rtl="0">
+              <a:spcBef>
+                <a:spcPts val="0"/>
+              </a:spcBef>
+              <a:buNone/>
+            </a:pPr>
+            <a:r>
+              <a:rPr lang="en-US" dirty="0">
+                <a:solidFill>
+                  <a:srgbClr val="0070C0"/>
+                </a:solidFill>
+              </a:rPr>
+              <a:t>Rolland</a:t>
+            </a:r>
+            <a:r>
+              <a:rPr lang="en-US" dirty="0"/>
+              <a:t>, </a:t>
+            </a:r>
+            <a:r>
+              <a:rPr lang="en-US" dirty="0">
+                <a:solidFill>
+                  <a:srgbClr val="0070C0"/>
+                </a:solidFill>
+              </a:rPr>
+              <a:t>Kauser</a:t>
+            </a:r>
+            <a:r>
+              <a:rPr lang="en-US" dirty="0"/>
+              <a:t>, </a:t>
+            </a:r>
+            <a:r>
+              <a:rPr lang="en-US" dirty="0" err="1">
+                <a:solidFill>
+                  <a:srgbClr val="0070C0"/>
+                </a:solidFill>
+              </a:rPr>
+              <a:t>Mominul</a:t>
+            </a:r>
+            <a:endParaRPr lang="en" dirty="0">
+              <a:solidFill>
+                <a:srgbClr val="0070C0"/>
+              </a:solidFill>
+            </a:endParaRPr>
+          </a:p>
+        </p:txBody>
+      </p:sp>
+      <p:sp>
+        <p:nvSpPr>
+          <p:cNvPr id="55" name="Shape 969"/>
+          <p:cNvSpPr/>
+          <p:nvPr/>
+        </p:nvSpPr>
+        <p:spPr>
+          <a:xfrm>
+            <a:off x="551239" y="2961570"/>
+            <a:ext cx="1400919" cy="342900"/>
+          </a:xfrm>
+          <a:prstGeom prst="rect">
+            <a:avLst/>
+          </a:prstGeom>
+          <a:noFill/>
+          <a:ln>
+            <a:noFill/>
+          </a:ln>
+        </p:spPr>
+        <p:txBody>
+          <a:bodyPr lIns="91425" tIns="91425" rIns="91425" bIns="91425" anchor="ctr" anchorCtr="0">
+            <a:noAutofit/>
+          </a:bodyPr>
+          <a:lstStyle/>
+          <a:p>
+            <a:pPr lvl="0" rtl="0">
+              <a:spcBef>
+                <a:spcPts val="0"/>
+              </a:spcBef>
+              <a:buNone/>
+            </a:pPr>
+            <a:r>
+              <a:rPr lang="en-US" dirty="0" err="1"/>
+              <a:t>Avg</a:t>
+            </a:r>
+            <a:r>
+              <a:rPr lang="en-US" dirty="0"/>
+              <a:t> Rating</a:t>
+            </a:r>
+            <a:endParaRPr lang="en" dirty="0"/>
+          </a:p>
+        </p:txBody>
+      </p:sp>
+      <p:sp>
+        <p:nvSpPr>
+          <p:cNvPr id="56" name="Shape 969"/>
+          <p:cNvSpPr/>
+          <p:nvPr/>
+        </p:nvSpPr>
+        <p:spPr>
+          <a:xfrm>
+            <a:off x="2309702" y="3107354"/>
+            <a:ext cx="6095737" cy="342900"/>
+          </a:xfrm>
+          <a:prstGeom prst="rect">
+            <a:avLst/>
+          </a:prstGeom>
+          <a:noFill/>
+          <a:ln>
+            <a:noFill/>
+          </a:ln>
+        </p:spPr>
+        <p:txBody>
+          <a:bodyPr lIns="91425" tIns="91425" rIns="91425" bIns="91425" anchor="ctr" anchorCtr="0">
+            <a:noAutofit/>
+          </a:bodyPr>
+          <a:lstStyle/>
+          <a:p>
+            <a:pPr lvl="0" rtl="0">
+              <a:spcBef>
+                <a:spcPts val="0"/>
+              </a:spcBef>
+              <a:buNone/>
+            </a:pPr>
+            <a:endParaRPr lang="en" dirty="0">
+              <a:solidFill>
+                <a:srgbClr val="0070C0"/>
+              </a:solidFill>
+            </a:endParaRPr>
+          </a:p>
+        </p:txBody>
+      </p:sp>
+      <p:grpSp>
+        <p:nvGrpSpPr>
+          <p:cNvPr id="57" name="Shape 889"/>
+          <p:cNvGrpSpPr/>
+          <p:nvPr/>
+        </p:nvGrpSpPr>
+        <p:grpSpPr>
+          <a:xfrm>
+            <a:off x="2412418" y="3107088"/>
+            <a:ext cx="829910" cy="132000"/>
+            <a:chOff x="-2003561" y="6470559"/>
+            <a:chExt cx="829910" cy="132000"/>
+          </a:xfrm>
+        </p:grpSpPr>
+        <p:sp>
+          <p:nvSpPr>
+            <p:cNvPr id="58" name="Shape 890"/>
+            <p:cNvSpPr/>
+            <p:nvPr/>
+          </p:nvSpPr>
+          <p:spPr>
+            <a:xfrm>
+              <a:off x="-2003561" y="6470559"/>
+              <a:ext cx="138900" cy="132000"/>
+            </a:xfrm>
+            <a:prstGeom prst="star5">
+              <a:avLst>
+                <a:gd name="adj" fmla="val 19098"/>
+                <a:gd name="hf" fmla="val 105146"/>
+                <a:gd name="vf" fmla="val 110557"/>
+              </a:avLst>
+            </a:prstGeom>
+            <a:solidFill>
+              <a:srgbClr val="0B5394"/>
+            </a:solidFill>
+            <a:ln>
+              <a:noFill/>
+            </a:ln>
+          </p:spPr>
+          <p:txBody>
+            <a:bodyPr lIns="91425" tIns="91425" rIns="91425" bIns="91425" anchor="ctr" anchorCtr="0">
+              <a:noAutofit/>
+            </a:bodyPr>
+            <a:lstStyle/>
+            <a:p>
+              <a:pPr lvl="0">
+                <a:spcBef>
+                  <a:spcPts val="0"/>
+                </a:spcBef>
+                <a:buNone/>
+              </a:pPr>
+              <a:endParaRPr/>
+            </a:p>
+          </p:txBody>
+        </p:sp>
+        <p:sp>
+          <p:nvSpPr>
+            <p:cNvPr id="59" name="Shape 891"/>
+            <p:cNvSpPr/>
+            <p:nvPr/>
+          </p:nvSpPr>
+          <p:spPr>
+            <a:xfrm>
+              <a:off x="-1864611" y="6470559"/>
+              <a:ext cx="138900" cy="132000"/>
+            </a:xfrm>
+            <a:prstGeom prst="star5">
+              <a:avLst>
+                <a:gd name="adj" fmla="val 19098"/>
+                <a:gd name="hf" fmla="val 105146"/>
+                <a:gd name="vf" fmla="val 110557"/>
+              </a:avLst>
+            </a:prstGeom>
+            <a:solidFill>
+              <a:srgbClr val="0B5394"/>
+            </a:solidFill>
+            <a:ln>
+              <a:noFill/>
+            </a:ln>
+          </p:spPr>
+          <p:txBody>
+            <a:bodyPr lIns="91425" tIns="91425" rIns="91425" bIns="91425" anchor="ctr" anchorCtr="0">
+              <a:noAutofit/>
+            </a:bodyPr>
+            <a:lstStyle/>
+            <a:p>
+              <a:pPr lvl="0">
+                <a:spcBef>
+                  <a:spcPts val="0"/>
+                </a:spcBef>
+                <a:buNone/>
+              </a:pPr>
+              <a:endParaRPr/>
+            </a:p>
+          </p:txBody>
+        </p:sp>
+        <p:sp>
+          <p:nvSpPr>
+            <p:cNvPr id="60" name="Shape 892"/>
+            <p:cNvSpPr/>
+            <p:nvPr/>
+          </p:nvSpPr>
+          <p:spPr>
+            <a:xfrm>
+              <a:off x="-1725661" y="6470559"/>
+              <a:ext cx="138900" cy="132000"/>
+            </a:xfrm>
+            <a:prstGeom prst="star5">
+              <a:avLst>
+                <a:gd name="adj" fmla="val 19098"/>
+                <a:gd name="hf" fmla="val 105146"/>
+                <a:gd name="vf" fmla="val 110557"/>
+              </a:avLst>
+            </a:prstGeom>
+            <a:solidFill>
+              <a:srgbClr val="0B5394"/>
+            </a:solidFill>
+            <a:ln>
+              <a:noFill/>
+            </a:ln>
+          </p:spPr>
+          <p:txBody>
+            <a:bodyPr lIns="91425" tIns="91425" rIns="91425" bIns="91425" anchor="ctr" anchorCtr="0">
+              <a:noAutofit/>
+            </a:bodyPr>
+            <a:lstStyle/>
+            <a:p>
+              <a:pPr lvl="0">
+                <a:spcBef>
+                  <a:spcPts val="0"/>
+                </a:spcBef>
+                <a:buNone/>
+              </a:pPr>
+              <a:endParaRPr/>
+            </a:p>
+          </p:txBody>
+        </p:sp>
+        <p:sp>
+          <p:nvSpPr>
+            <p:cNvPr id="61" name="Shape 893"/>
+            <p:cNvSpPr/>
+            <p:nvPr/>
+          </p:nvSpPr>
+          <p:spPr>
+            <a:xfrm>
+              <a:off x="-1586711" y="6470559"/>
+              <a:ext cx="138900" cy="132000"/>
+            </a:xfrm>
+            <a:prstGeom prst="star5">
+              <a:avLst>
+                <a:gd name="adj" fmla="val 19098"/>
+                <a:gd name="hf" fmla="val 105146"/>
+                <a:gd name="vf" fmla="val 110557"/>
+              </a:avLst>
+            </a:prstGeom>
+            <a:solidFill>
+              <a:srgbClr val="0B5394"/>
+            </a:solidFill>
+            <a:ln>
+              <a:noFill/>
+            </a:ln>
+          </p:spPr>
+          <p:txBody>
+            <a:bodyPr lIns="91425" tIns="91425" rIns="91425" bIns="91425" anchor="ctr" anchorCtr="0">
+              <a:noAutofit/>
+            </a:bodyPr>
+            <a:lstStyle/>
+            <a:p>
+              <a:pPr lvl="0">
+                <a:spcBef>
+                  <a:spcPts val="0"/>
+                </a:spcBef>
+                <a:buNone/>
+              </a:pPr>
+              <a:endParaRPr/>
+            </a:p>
+          </p:txBody>
+        </p:sp>
+        <p:sp>
+          <p:nvSpPr>
+            <p:cNvPr id="62" name="Shape 894"/>
+            <p:cNvSpPr/>
+            <p:nvPr/>
+          </p:nvSpPr>
+          <p:spPr>
+            <a:xfrm>
+              <a:off x="-1435032" y="6480287"/>
+              <a:ext cx="122100" cy="115800"/>
+            </a:xfrm>
+            <a:prstGeom prst="star5">
+              <a:avLst>
+                <a:gd name="adj" fmla="val 19098"/>
+                <a:gd name="hf" fmla="val 105146"/>
+                <a:gd name="vf" fmla="val 110557"/>
+              </a:avLst>
+            </a:prstGeom>
+            <a:noFill/>
+            <a:ln w="19050" cap="flat" cmpd="sng">
+              <a:solidFill>
+                <a:srgbClr val="0B5394"/>
+              </a:solidFill>
+              <a:prstDash val="solid"/>
+              <a:round/>
+              <a:headEnd type="none" w="med" len="med"/>
+              <a:tailEnd type="none" w="med" len="med"/>
+            </a:ln>
+          </p:spPr>
+          <p:txBody>
+            <a:bodyPr lIns="91425" tIns="91425" rIns="91425" bIns="91425" anchor="ctr" anchorCtr="0">
+              <a:noAutofit/>
+            </a:bodyPr>
+            <a:lstStyle/>
+            <a:p>
+              <a:pPr lvl="0">
+                <a:spcBef>
+                  <a:spcPts val="0"/>
+                </a:spcBef>
+                <a:buNone/>
+              </a:pPr>
+              <a:endParaRPr/>
+            </a:p>
+          </p:txBody>
+        </p:sp>
+        <p:sp>
+          <p:nvSpPr>
+            <p:cNvPr id="63" name="Shape 895"/>
+            <p:cNvSpPr/>
+            <p:nvPr/>
+          </p:nvSpPr>
+          <p:spPr>
+            <a:xfrm>
+              <a:off x="-1295750" y="6480287"/>
+              <a:ext cx="122100" cy="115800"/>
+            </a:xfrm>
+            <a:prstGeom prst="star5">
+              <a:avLst>
+                <a:gd name="adj" fmla="val 19098"/>
+                <a:gd name="hf" fmla="val 105146"/>
+                <a:gd name="vf" fmla="val 110557"/>
+              </a:avLst>
+            </a:prstGeom>
+            <a:noFill/>
+            <a:ln w="19050" cap="flat" cmpd="sng">
+              <a:solidFill>
+                <a:srgbClr val="0B5394"/>
+              </a:solidFill>
+              <a:prstDash val="solid"/>
+              <a:round/>
+              <a:headEnd type="none" w="med" len="med"/>
+              <a:tailEnd type="none" w="med" len="med"/>
+            </a:ln>
+          </p:spPr>
+          <p:txBody>
+            <a:bodyPr lIns="91425" tIns="91425" rIns="91425" bIns="91425" anchor="ctr" anchorCtr="0">
+              <a:noAutofit/>
+            </a:bodyPr>
+            <a:lstStyle/>
+            <a:p>
+              <a:pPr lvl="0">
+                <a:spcBef>
+                  <a:spcPts val="0"/>
+                </a:spcBef>
+                <a:buNone/>
+              </a:pPr>
+              <a:endParaRPr/>
+            </a:p>
+          </p:txBody>
+        </p:sp>
+      </p:grpSp>
+      <p:sp>
+        <p:nvSpPr>
+          <p:cNvPr id="64" name="Shape 969"/>
+          <p:cNvSpPr/>
+          <p:nvPr/>
+        </p:nvSpPr>
+        <p:spPr>
+          <a:xfrm>
+            <a:off x="4847547" y="3129809"/>
+            <a:ext cx="1400919" cy="342900"/>
+          </a:xfrm>
+          <a:prstGeom prst="rect">
+            <a:avLst/>
+          </a:prstGeom>
+          <a:noFill/>
+          <a:ln>
+            <a:noFill/>
+          </a:ln>
+        </p:spPr>
+        <p:txBody>
+          <a:bodyPr lIns="91425" tIns="91425" rIns="91425" bIns="91425" anchor="ctr" anchorCtr="0">
+            <a:noAutofit/>
+          </a:bodyPr>
+          <a:lstStyle/>
+          <a:p>
+            <a:pPr lvl="0" rtl="0">
+              <a:spcBef>
+                <a:spcPts val="0"/>
+              </a:spcBef>
+              <a:buNone/>
+            </a:pPr>
+            <a:r>
+              <a:rPr lang="en-US" dirty="0"/>
+              <a:t>Rate it</a:t>
+            </a:r>
+            <a:endParaRPr lang="en" dirty="0"/>
+          </a:p>
+        </p:txBody>
+      </p:sp>
+      <p:grpSp>
+        <p:nvGrpSpPr>
+          <p:cNvPr id="65" name="Shape 889"/>
+          <p:cNvGrpSpPr/>
+          <p:nvPr/>
+        </p:nvGrpSpPr>
+        <p:grpSpPr>
+          <a:xfrm>
+            <a:off x="6722794" y="3134643"/>
+            <a:ext cx="829910" cy="132000"/>
+            <a:chOff x="-2003561" y="6470559"/>
+            <a:chExt cx="829910" cy="132000"/>
+          </a:xfrm>
+        </p:grpSpPr>
+        <p:sp>
+          <p:nvSpPr>
+            <p:cNvPr id="66" name="Shape 890"/>
+            <p:cNvSpPr/>
+            <p:nvPr/>
+          </p:nvSpPr>
+          <p:spPr>
+            <a:xfrm>
+              <a:off x="-2003561" y="6470559"/>
+              <a:ext cx="138900" cy="132000"/>
+            </a:xfrm>
+            <a:prstGeom prst="star5">
+              <a:avLst>
+                <a:gd name="adj" fmla="val 19098"/>
+                <a:gd name="hf" fmla="val 105146"/>
+                <a:gd name="vf" fmla="val 110557"/>
+              </a:avLst>
+            </a:prstGeom>
+            <a:solidFill>
+              <a:srgbClr val="0B5394"/>
+            </a:solidFill>
+            <a:ln>
+              <a:noFill/>
+            </a:ln>
+          </p:spPr>
+          <p:txBody>
+            <a:bodyPr lIns="91425" tIns="91425" rIns="91425" bIns="91425" anchor="ctr" anchorCtr="0">
+              <a:noAutofit/>
+            </a:bodyPr>
+            <a:lstStyle/>
+            <a:p>
+              <a:pPr lvl="0">
+                <a:spcBef>
+                  <a:spcPts val="0"/>
+                </a:spcBef>
+                <a:buNone/>
+              </a:pPr>
+              <a:endParaRPr/>
+            </a:p>
+          </p:txBody>
+        </p:sp>
+        <p:sp>
+          <p:nvSpPr>
+            <p:cNvPr id="67" name="Shape 891"/>
+            <p:cNvSpPr/>
+            <p:nvPr/>
+          </p:nvSpPr>
+          <p:spPr>
+            <a:xfrm>
+              <a:off x="-1864611" y="6470559"/>
+              <a:ext cx="138900" cy="132000"/>
+            </a:xfrm>
+            <a:prstGeom prst="star5">
+              <a:avLst>
+                <a:gd name="adj" fmla="val 19098"/>
+                <a:gd name="hf" fmla="val 105146"/>
+                <a:gd name="vf" fmla="val 110557"/>
+              </a:avLst>
+            </a:prstGeom>
+            <a:solidFill>
+              <a:srgbClr val="0B5394"/>
+            </a:solidFill>
+            <a:ln>
+              <a:noFill/>
+            </a:ln>
+          </p:spPr>
+          <p:txBody>
+            <a:bodyPr lIns="91425" tIns="91425" rIns="91425" bIns="91425" anchor="ctr" anchorCtr="0">
+              <a:noAutofit/>
+            </a:bodyPr>
+            <a:lstStyle/>
+            <a:p>
+              <a:pPr lvl="0">
+                <a:spcBef>
+                  <a:spcPts val="0"/>
+                </a:spcBef>
+                <a:buNone/>
+              </a:pPr>
+              <a:endParaRPr/>
+            </a:p>
+          </p:txBody>
+        </p:sp>
+        <p:sp>
+          <p:nvSpPr>
+            <p:cNvPr id="68" name="Shape 892"/>
+            <p:cNvSpPr/>
+            <p:nvPr/>
+          </p:nvSpPr>
+          <p:spPr>
+            <a:xfrm>
+              <a:off x="-1725661" y="6470559"/>
+              <a:ext cx="138900" cy="132000"/>
+            </a:xfrm>
+            <a:prstGeom prst="star5">
+              <a:avLst>
+                <a:gd name="adj" fmla="val 19098"/>
+                <a:gd name="hf" fmla="val 105146"/>
+                <a:gd name="vf" fmla="val 110557"/>
+              </a:avLst>
+            </a:prstGeom>
+            <a:solidFill>
+              <a:srgbClr val="0B5394"/>
+            </a:solidFill>
+            <a:ln>
+              <a:noFill/>
+            </a:ln>
+          </p:spPr>
+          <p:txBody>
+            <a:bodyPr lIns="91425" tIns="91425" rIns="91425" bIns="91425" anchor="ctr" anchorCtr="0">
+              <a:noAutofit/>
+            </a:bodyPr>
+            <a:lstStyle/>
+            <a:p>
+              <a:pPr lvl="0">
+                <a:spcBef>
+                  <a:spcPts val="0"/>
+                </a:spcBef>
+                <a:buNone/>
+              </a:pPr>
+              <a:endParaRPr/>
+            </a:p>
+          </p:txBody>
+        </p:sp>
+        <p:sp>
+          <p:nvSpPr>
+            <p:cNvPr id="69" name="Shape 893"/>
+            <p:cNvSpPr/>
+            <p:nvPr/>
+          </p:nvSpPr>
+          <p:spPr>
+            <a:xfrm>
+              <a:off x="-1586711" y="6470559"/>
+              <a:ext cx="138900" cy="132000"/>
+            </a:xfrm>
+            <a:prstGeom prst="star5">
+              <a:avLst>
+                <a:gd name="adj" fmla="val 19098"/>
+                <a:gd name="hf" fmla="val 105146"/>
+                <a:gd name="vf" fmla="val 110557"/>
+              </a:avLst>
+            </a:prstGeom>
+            <a:solidFill>
+              <a:srgbClr val="0B5394"/>
+            </a:solidFill>
+            <a:ln>
+              <a:noFill/>
+            </a:ln>
+          </p:spPr>
+          <p:txBody>
+            <a:bodyPr lIns="91425" tIns="91425" rIns="91425" bIns="91425" anchor="ctr" anchorCtr="0">
+              <a:noAutofit/>
+            </a:bodyPr>
+            <a:lstStyle/>
+            <a:p>
+              <a:pPr lvl="0">
+                <a:spcBef>
+                  <a:spcPts val="0"/>
+                </a:spcBef>
+                <a:buNone/>
+              </a:pPr>
+              <a:endParaRPr/>
+            </a:p>
+          </p:txBody>
+        </p:sp>
+        <p:sp>
+          <p:nvSpPr>
+            <p:cNvPr id="70" name="Shape 894"/>
+            <p:cNvSpPr/>
+            <p:nvPr/>
+          </p:nvSpPr>
+          <p:spPr>
+            <a:xfrm>
+              <a:off x="-1435032" y="6480287"/>
+              <a:ext cx="122100" cy="115800"/>
+            </a:xfrm>
+            <a:prstGeom prst="star5">
+              <a:avLst>
+                <a:gd name="adj" fmla="val 19098"/>
+                <a:gd name="hf" fmla="val 105146"/>
+                <a:gd name="vf" fmla="val 110557"/>
+              </a:avLst>
+            </a:prstGeom>
+            <a:noFill/>
+            <a:ln w="19050" cap="flat" cmpd="sng">
+              <a:solidFill>
+                <a:srgbClr val="0B5394"/>
+              </a:solidFill>
+              <a:prstDash val="solid"/>
+              <a:round/>
+              <a:headEnd type="none" w="med" len="med"/>
+              <a:tailEnd type="none" w="med" len="med"/>
+            </a:ln>
+          </p:spPr>
+          <p:txBody>
+            <a:bodyPr lIns="91425" tIns="91425" rIns="91425" bIns="91425" anchor="ctr" anchorCtr="0">
+              <a:noAutofit/>
+            </a:bodyPr>
+            <a:lstStyle/>
+            <a:p>
+              <a:pPr lvl="0">
+                <a:spcBef>
+                  <a:spcPts val="0"/>
+                </a:spcBef>
+                <a:buNone/>
+              </a:pPr>
+              <a:endParaRPr/>
+            </a:p>
+          </p:txBody>
+        </p:sp>
+        <p:sp>
+          <p:nvSpPr>
+            <p:cNvPr id="71" name="Shape 895"/>
+            <p:cNvSpPr/>
+            <p:nvPr/>
+          </p:nvSpPr>
+          <p:spPr>
+            <a:xfrm>
+              <a:off x="-1295750" y="6480287"/>
+              <a:ext cx="122100" cy="115800"/>
+            </a:xfrm>
+            <a:prstGeom prst="star5">
+              <a:avLst>
+                <a:gd name="adj" fmla="val 19098"/>
+                <a:gd name="hf" fmla="val 105146"/>
+                <a:gd name="vf" fmla="val 110557"/>
+              </a:avLst>
+            </a:prstGeom>
+            <a:noFill/>
+            <a:ln w="19050" cap="flat" cmpd="sng">
+              <a:solidFill>
+                <a:srgbClr val="0B5394"/>
+              </a:solidFill>
+              <a:prstDash val="solid"/>
+              <a:round/>
+              <a:headEnd type="none" w="med" len="med"/>
+              <a:tailEnd type="none" w="med" len="med"/>
+            </a:ln>
+          </p:spPr>
+          <p:txBody>
+            <a:bodyPr lIns="91425" tIns="91425" rIns="91425" bIns="91425" anchor="ctr" anchorCtr="0">
+              <a:noAutofit/>
+            </a:bodyPr>
+            <a:lstStyle/>
+            <a:p>
+              <a:pPr lvl="0">
+                <a:spcBef>
+                  <a:spcPts val="0"/>
+                </a:spcBef>
+                <a:buNone/>
+              </a:pPr>
+              <a:endParaRPr/>
+            </a:p>
+          </p:txBody>
+        </p:sp>
+      </p:grpSp>
+      <p:sp>
+        <p:nvSpPr>
+          <p:cNvPr id="72" name="Shape 969"/>
+          <p:cNvSpPr/>
+          <p:nvPr/>
+        </p:nvSpPr>
+        <p:spPr>
+          <a:xfrm>
+            <a:off x="534717" y="3304301"/>
+            <a:ext cx="1400919" cy="342900"/>
+          </a:xfrm>
+          <a:prstGeom prst="rect">
+            <a:avLst/>
+          </a:prstGeom>
+          <a:noFill/>
+          <a:ln>
+            <a:noFill/>
+          </a:ln>
+        </p:spPr>
+        <p:txBody>
+          <a:bodyPr lIns="91425" tIns="91425" rIns="91425" bIns="91425" anchor="ctr" anchorCtr="0">
+            <a:noAutofit/>
+          </a:bodyPr>
+          <a:lstStyle/>
+          <a:p>
+            <a:pPr lvl="0" rtl="0">
+              <a:spcBef>
+                <a:spcPts val="0"/>
+              </a:spcBef>
+              <a:buNone/>
+            </a:pPr>
+            <a:r>
+              <a:rPr lang="en-US" dirty="0"/>
+              <a:t>Review</a:t>
+            </a:r>
+            <a:endParaRPr lang="en" dirty="0"/>
+          </a:p>
+        </p:txBody>
+      </p:sp>
+      <p:sp>
+        <p:nvSpPr>
+          <p:cNvPr id="80" name="Shape 969"/>
+          <p:cNvSpPr/>
+          <p:nvPr/>
+        </p:nvSpPr>
+        <p:spPr>
+          <a:xfrm>
+            <a:off x="2330811" y="3323526"/>
+            <a:ext cx="6095737" cy="342900"/>
+          </a:xfrm>
+          <a:prstGeom prst="rect">
+            <a:avLst/>
+          </a:prstGeom>
+          <a:noFill/>
+          <a:ln>
+            <a:noFill/>
+          </a:ln>
+        </p:spPr>
+        <p:txBody>
+          <a:bodyPr lIns="91425" tIns="91425" rIns="91425" bIns="91425" anchor="ctr" anchorCtr="0">
+            <a:noAutofit/>
+          </a:bodyPr>
+          <a:lstStyle/>
+          <a:p>
+            <a:pPr lvl="0" rtl="0">
+              <a:spcBef>
+                <a:spcPts val="0"/>
+              </a:spcBef>
+              <a:buNone/>
+            </a:pPr>
+            <a:r>
+              <a:rPr lang="en-US" dirty="0">
+                <a:solidFill>
+                  <a:schemeClr val="tx1"/>
+                </a:solidFill>
+              </a:rPr>
+              <a:t>Great event. I enjoyed it. </a:t>
+            </a:r>
+            <a:endParaRPr lang="en" dirty="0">
+              <a:solidFill>
+                <a:schemeClr val="tx1"/>
+              </a:solidFill>
+            </a:endParaRPr>
+          </a:p>
+        </p:txBody>
+      </p:sp>
+      <p:sp>
+        <p:nvSpPr>
+          <p:cNvPr id="81" name="Shape 969"/>
+          <p:cNvSpPr/>
+          <p:nvPr/>
+        </p:nvSpPr>
+        <p:spPr>
+          <a:xfrm>
+            <a:off x="546550" y="3689452"/>
+            <a:ext cx="1400919" cy="342900"/>
+          </a:xfrm>
+          <a:prstGeom prst="rect">
+            <a:avLst/>
+          </a:prstGeom>
+          <a:noFill/>
+          <a:ln>
+            <a:noFill/>
+          </a:ln>
+        </p:spPr>
+        <p:txBody>
+          <a:bodyPr lIns="91425" tIns="91425" rIns="91425" bIns="91425" anchor="ctr" anchorCtr="0">
+            <a:noAutofit/>
+          </a:bodyPr>
+          <a:lstStyle/>
+          <a:p>
+            <a:pPr lvl="0" rtl="0">
+              <a:spcBef>
+                <a:spcPts val="0"/>
+              </a:spcBef>
+              <a:buNone/>
+            </a:pPr>
+            <a:r>
+              <a:rPr lang="en-US" dirty="0"/>
+              <a:t>Reviews</a:t>
+            </a:r>
+            <a:endParaRPr lang="en" dirty="0"/>
+          </a:p>
+        </p:txBody>
+      </p:sp>
+      <p:graphicFrame>
+        <p:nvGraphicFramePr>
+          <p:cNvPr id="2" name="Table 1"/>
+          <p:cNvGraphicFramePr>
+            <a:graphicFrameLocks noGrp="1"/>
+          </p:cNvGraphicFramePr>
+          <p:nvPr>
+            <p:extLst>
+              <p:ext uri="{D42A27DB-BD31-4B8C-83A1-F6EECF244321}">
+                <p14:modId xmlns:p14="http://schemas.microsoft.com/office/powerpoint/2010/main" val="1425324067"/>
+              </p:ext>
+            </p:extLst>
+          </p:nvPr>
+        </p:nvGraphicFramePr>
+        <p:xfrm>
+          <a:off x="631699" y="4027691"/>
+          <a:ext cx="7780782" cy="609600"/>
+        </p:xfrm>
+        <a:graphic>
+          <a:graphicData uri="http://schemas.openxmlformats.org/drawingml/2006/table">
+            <a:tbl>
+              <a:tblPr firstRow="1" bandRow="1">
+                <a:tableStyleId>{3BD7C205-5E7C-4CC7-9206-AFE28A7608EE}</a:tableStyleId>
+              </a:tblPr>
+              <a:tblGrid>
+                <a:gridCol w="2593594">
+                  <a:extLst>
+                    <a:ext uri="{9D8B030D-6E8A-4147-A177-3AD203B41FA5}">
+                      <a16:colId xmlns:a16="http://schemas.microsoft.com/office/drawing/2014/main" val="2730788372"/>
+                    </a:ext>
+                  </a:extLst>
+                </a:gridCol>
+                <a:gridCol w="2593594">
+                  <a:extLst>
+                    <a:ext uri="{9D8B030D-6E8A-4147-A177-3AD203B41FA5}">
+                      <a16:colId xmlns:a16="http://schemas.microsoft.com/office/drawing/2014/main" val="3093135061"/>
+                    </a:ext>
+                  </a:extLst>
+                </a:gridCol>
+                <a:gridCol w="2593594">
+                  <a:extLst>
+                    <a:ext uri="{9D8B030D-6E8A-4147-A177-3AD203B41FA5}">
+                      <a16:colId xmlns:a16="http://schemas.microsoft.com/office/drawing/2014/main" val="2555010223"/>
+                    </a:ext>
+                  </a:extLst>
+                </a:gridCol>
+              </a:tblGrid>
+              <a:tr h="215924">
+                <a:tc>
+                  <a:txBody>
+                    <a:bodyPr/>
+                    <a:lstStyle/>
+                    <a:p>
+                      <a:r>
+                        <a:rPr lang="en-US" dirty="0"/>
+                        <a:t>Rating</a:t>
+                      </a:r>
+                    </a:p>
+                  </a:txBody>
+                  <a:tcPr/>
+                </a:tc>
+                <a:tc>
+                  <a:txBody>
+                    <a:bodyPr/>
+                    <a:lstStyle/>
+                    <a:p>
+                      <a:r>
+                        <a:rPr lang="en-US" dirty="0"/>
+                        <a:t>Review</a:t>
+                      </a:r>
+                    </a:p>
+                  </a:txBody>
+                  <a:tcPr/>
+                </a:tc>
+                <a:tc>
+                  <a:txBody>
+                    <a:bodyPr/>
+                    <a:lstStyle/>
+                    <a:p>
+                      <a:r>
+                        <a:rPr lang="en-US" dirty="0"/>
+                        <a:t>User</a:t>
+                      </a:r>
+                    </a:p>
+                  </a:txBody>
+                  <a:tcPr/>
+                </a:tc>
+                <a:extLst>
+                  <a:ext uri="{0D108BD9-81ED-4DB2-BD59-A6C34878D82A}">
+                    <a16:rowId xmlns:a16="http://schemas.microsoft.com/office/drawing/2014/main" val="501675107"/>
+                  </a:ext>
+                </a:extLst>
+              </a:tr>
+              <a:tr h="215924">
+                <a:tc>
+                  <a:txBody>
+                    <a:bodyPr/>
+                    <a:lstStyle/>
+                    <a:p>
+                      <a:endParaRPr lang="en-US" dirty="0"/>
+                    </a:p>
+                  </a:txBody>
+                  <a:tcPr/>
+                </a:tc>
+                <a:tc>
+                  <a:txBody>
+                    <a:bodyPr/>
+                    <a:lstStyle/>
+                    <a:p>
+                      <a:r>
+                        <a:rPr lang="en-US" dirty="0"/>
+                        <a:t>Superb</a:t>
+                      </a:r>
+                    </a:p>
+                  </a:txBody>
+                  <a:tcPr/>
+                </a:tc>
+                <a:tc>
+                  <a:txBody>
+                    <a:bodyPr/>
+                    <a:lstStyle/>
+                    <a:p>
+                      <a:r>
+                        <a:rPr lang="en-US" dirty="0">
+                          <a:solidFill>
+                            <a:srgbClr val="0070C0"/>
+                          </a:solidFill>
+                        </a:rPr>
+                        <a:t>Kauser</a:t>
+                      </a:r>
+                    </a:p>
+                  </a:txBody>
+                  <a:tcPr/>
+                </a:tc>
+                <a:extLst>
+                  <a:ext uri="{0D108BD9-81ED-4DB2-BD59-A6C34878D82A}">
+                    <a16:rowId xmlns:a16="http://schemas.microsoft.com/office/drawing/2014/main" val="1733768475"/>
+                  </a:ext>
+                </a:extLst>
+              </a:tr>
+            </a:tbl>
+          </a:graphicData>
+        </a:graphic>
+      </p:graphicFrame>
+      <p:grpSp>
+        <p:nvGrpSpPr>
+          <p:cNvPr id="83" name="Shape 889"/>
+          <p:cNvGrpSpPr/>
+          <p:nvPr/>
+        </p:nvGrpSpPr>
+        <p:grpSpPr>
+          <a:xfrm>
+            <a:off x="692861" y="4416135"/>
+            <a:ext cx="829910" cy="132000"/>
+            <a:chOff x="-2003561" y="6470559"/>
+            <a:chExt cx="829910" cy="132000"/>
+          </a:xfrm>
+        </p:grpSpPr>
+        <p:sp>
+          <p:nvSpPr>
+            <p:cNvPr id="84" name="Shape 890"/>
+            <p:cNvSpPr/>
+            <p:nvPr/>
+          </p:nvSpPr>
+          <p:spPr>
+            <a:xfrm>
+              <a:off x="-2003561" y="6470559"/>
+              <a:ext cx="138900" cy="132000"/>
+            </a:xfrm>
+            <a:prstGeom prst="star5">
+              <a:avLst>
+                <a:gd name="adj" fmla="val 19098"/>
+                <a:gd name="hf" fmla="val 105146"/>
+                <a:gd name="vf" fmla="val 110557"/>
+              </a:avLst>
+            </a:prstGeom>
+            <a:solidFill>
+              <a:srgbClr val="0B5394"/>
+            </a:solidFill>
+            <a:ln>
+              <a:noFill/>
+            </a:ln>
+          </p:spPr>
+          <p:txBody>
+            <a:bodyPr lIns="91425" tIns="91425" rIns="91425" bIns="91425" anchor="ctr" anchorCtr="0">
+              <a:noAutofit/>
+            </a:bodyPr>
+            <a:lstStyle/>
+            <a:p>
+              <a:pPr lvl="0">
+                <a:spcBef>
+                  <a:spcPts val="0"/>
+                </a:spcBef>
+                <a:buNone/>
+              </a:pPr>
+              <a:endParaRPr/>
+            </a:p>
+          </p:txBody>
+        </p:sp>
+        <p:sp>
+          <p:nvSpPr>
+            <p:cNvPr id="85" name="Shape 891"/>
+            <p:cNvSpPr/>
+            <p:nvPr/>
+          </p:nvSpPr>
+          <p:spPr>
+            <a:xfrm>
+              <a:off x="-1864611" y="6470559"/>
+              <a:ext cx="138900" cy="132000"/>
+            </a:xfrm>
+            <a:prstGeom prst="star5">
+              <a:avLst>
+                <a:gd name="adj" fmla="val 19098"/>
+                <a:gd name="hf" fmla="val 105146"/>
+                <a:gd name="vf" fmla="val 110557"/>
+              </a:avLst>
+            </a:prstGeom>
+            <a:solidFill>
+              <a:srgbClr val="0B5394"/>
+            </a:solidFill>
+            <a:ln>
+              <a:noFill/>
+            </a:ln>
+          </p:spPr>
+          <p:txBody>
+            <a:bodyPr lIns="91425" tIns="91425" rIns="91425" bIns="91425" anchor="ctr" anchorCtr="0">
+              <a:noAutofit/>
+            </a:bodyPr>
+            <a:lstStyle/>
+            <a:p>
+              <a:pPr lvl="0">
+                <a:spcBef>
+                  <a:spcPts val="0"/>
+                </a:spcBef>
+                <a:buNone/>
+              </a:pPr>
+              <a:endParaRPr/>
+            </a:p>
+          </p:txBody>
+        </p:sp>
+        <p:sp>
+          <p:nvSpPr>
+            <p:cNvPr id="86" name="Shape 892"/>
+            <p:cNvSpPr/>
+            <p:nvPr/>
+          </p:nvSpPr>
+          <p:spPr>
+            <a:xfrm>
+              <a:off x="-1725661" y="6470559"/>
+              <a:ext cx="138900" cy="132000"/>
+            </a:xfrm>
+            <a:prstGeom prst="star5">
+              <a:avLst>
+                <a:gd name="adj" fmla="val 19098"/>
+                <a:gd name="hf" fmla="val 105146"/>
+                <a:gd name="vf" fmla="val 110557"/>
+              </a:avLst>
+            </a:prstGeom>
+            <a:solidFill>
+              <a:srgbClr val="0B5394"/>
+            </a:solidFill>
+            <a:ln>
+              <a:noFill/>
+            </a:ln>
+          </p:spPr>
+          <p:txBody>
+            <a:bodyPr lIns="91425" tIns="91425" rIns="91425" bIns="91425" anchor="ctr" anchorCtr="0">
+              <a:noAutofit/>
+            </a:bodyPr>
+            <a:lstStyle/>
+            <a:p>
+              <a:pPr lvl="0">
+                <a:spcBef>
+                  <a:spcPts val="0"/>
+                </a:spcBef>
+                <a:buNone/>
+              </a:pPr>
+              <a:endParaRPr/>
+            </a:p>
+          </p:txBody>
+        </p:sp>
+        <p:sp>
+          <p:nvSpPr>
+            <p:cNvPr id="87" name="Shape 893"/>
+            <p:cNvSpPr/>
+            <p:nvPr/>
+          </p:nvSpPr>
+          <p:spPr>
+            <a:xfrm>
+              <a:off x="-1586711" y="6470559"/>
+              <a:ext cx="138900" cy="132000"/>
+            </a:xfrm>
+            <a:prstGeom prst="star5">
+              <a:avLst>
+                <a:gd name="adj" fmla="val 19098"/>
+                <a:gd name="hf" fmla="val 105146"/>
+                <a:gd name="vf" fmla="val 110557"/>
+              </a:avLst>
+            </a:prstGeom>
+            <a:solidFill>
+              <a:srgbClr val="0B5394"/>
+            </a:solidFill>
+            <a:ln>
+              <a:noFill/>
+            </a:ln>
+          </p:spPr>
+          <p:txBody>
+            <a:bodyPr lIns="91425" tIns="91425" rIns="91425" bIns="91425" anchor="ctr" anchorCtr="0">
+              <a:noAutofit/>
+            </a:bodyPr>
+            <a:lstStyle/>
+            <a:p>
+              <a:pPr lvl="0">
+                <a:spcBef>
+                  <a:spcPts val="0"/>
+                </a:spcBef>
+                <a:buNone/>
+              </a:pPr>
+              <a:endParaRPr/>
+            </a:p>
+          </p:txBody>
+        </p:sp>
+        <p:sp>
+          <p:nvSpPr>
+            <p:cNvPr id="88" name="Shape 894"/>
+            <p:cNvSpPr/>
+            <p:nvPr/>
+          </p:nvSpPr>
+          <p:spPr>
+            <a:xfrm>
+              <a:off x="-1435032" y="6480287"/>
+              <a:ext cx="122100" cy="115800"/>
+            </a:xfrm>
+            <a:prstGeom prst="star5">
+              <a:avLst>
+                <a:gd name="adj" fmla="val 19098"/>
+                <a:gd name="hf" fmla="val 105146"/>
+                <a:gd name="vf" fmla="val 110557"/>
+              </a:avLst>
+            </a:prstGeom>
+            <a:noFill/>
+            <a:ln w="19050" cap="flat" cmpd="sng">
+              <a:solidFill>
+                <a:srgbClr val="0B5394"/>
+              </a:solidFill>
+              <a:prstDash val="solid"/>
+              <a:round/>
+              <a:headEnd type="none" w="med" len="med"/>
+              <a:tailEnd type="none" w="med" len="med"/>
+            </a:ln>
+          </p:spPr>
+          <p:txBody>
+            <a:bodyPr lIns="91425" tIns="91425" rIns="91425" bIns="91425" anchor="ctr" anchorCtr="0">
+              <a:noAutofit/>
+            </a:bodyPr>
+            <a:lstStyle/>
+            <a:p>
+              <a:pPr lvl="0">
+                <a:spcBef>
+                  <a:spcPts val="0"/>
+                </a:spcBef>
+                <a:buNone/>
+              </a:pPr>
+              <a:endParaRPr/>
+            </a:p>
+          </p:txBody>
+        </p:sp>
+        <p:sp>
+          <p:nvSpPr>
+            <p:cNvPr id="89" name="Shape 895"/>
+            <p:cNvSpPr/>
+            <p:nvPr/>
+          </p:nvSpPr>
+          <p:spPr>
+            <a:xfrm>
+              <a:off x="-1295750" y="6480287"/>
+              <a:ext cx="122100" cy="115800"/>
+            </a:xfrm>
+            <a:prstGeom prst="star5">
+              <a:avLst>
+                <a:gd name="adj" fmla="val 19098"/>
+                <a:gd name="hf" fmla="val 105146"/>
+                <a:gd name="vf" fmla="val 110557"/>
+              </a:avLst>
+            </a:prstGeom>
+            <a:noFill/>
+            <a:ln w="19050" cap="flat" cmpd="sng">
+              <a:solidFill>
+                <a:srgbClr val="0B5394"/>
+              </a:solidFill>
+              <a:prstDash val="solid"/>
+              <a:round/>
+              <a:headEnd type="none" w="med" len="med"/>
+              <a:tailEnd type="none" w="med" len="med"/>
+            </a:ln>
+          </p:spPr>
+          <p:txBody>
+            <a:bodyPr lIns="91425" tIns="91425" rIns="91425" bIns="91425" anchor="ctr" anchorCtr="0">
+              <a:noAutofit/>
+            </a:bodyPr>
+            <a:lstStyle/>
+            <a:p>
+              <a:pPr lvl="0">
+                <a:spcBef>
+                  <a:spcPts val="0"/>
+                </a:spcBef>
+                <a:buNone/>
+              </a:pPr>
+              <a:endParaRPr/>
+            </a:p>
+          </p:txBody>
+        </p:sp>
+      </p:grpSp>
+      <p:sp>
+        <p:nvSpPr>
+          <p:cNvPr id="90" name="Shape 975"/>
+          <p:cNvSpPr/>
+          <p:nvPr/>
+        </p:nvSpPr>
+        <p:spPr>
+          <a:xfrm>
+            <a:off x="622369" y="4707102"/>
+            <a:ext cx="626242" cy="323700"/>
+          </a:xfrm>
+          <a:prstGeom prst="rect">
+            <a:avLst/>
+          </a:prstGeom>
+          <a:solidFill>
+            <a:srgbClr val="C9DAF8"/>
+          </a:solidFill>
+          <a:ln w="19050" cap="flat" cmpd="sng">
+            <a:solidFill>
+              <a:srgbClr val="C9DAF8"/>
+            </a:solidFill>
+            <a:prstDash val="solid"/>
+            <a:round/>
+            <a:headEnd type="none" w="med" len="med"/>
+            <a:tailEnd type="none" w="med" len="med"/>
+          </a:ln>
+        </p:spPr>
+        <p:txBody>
+          <a:bodyPr lIns="91425" tIns="91425" rIns="91425" bIns="91425" anchor="ctr" anchorCtr="0">
+            <a:noAutofit/>
+          </a:bodyPr>
+          <a:lstStyle/>
+          <a:p>
+            <a:pPr lvl="0" rtl="0">
+              <a:spcBef>
+                <a:spcPts val="0"/>
+              </a:spcBef>
+              <a:buNone/>
+            </a:pPr>
+            <a:r>
+              <a:rPr lang="en-US" dirty="0"/>
+              <a:t>Save</a:t>
+            </a:r>
+            <a:endParaRPr lang="en" dirty="0"/>
+          </a:p>
+        </p:txBody>
+      </p:sp>
+      <p:sp>
+        <p:nvSpPr>
+          <p:cNvPr id="91" name="Shape 975"/>
+          <p:cNvSpPr/>
+          <p:nvPr/>
+        </p:nvSpPr>
+        <p:spPr>
+          <a:xfrm>
+            <a:off x="1393996" y="4703287"/>
+            <a:ext cx="786745" cy="323700"/>
+          </a:xfrm>
+          <a:prstGeom prst="rect">
+            <a:avLst/>
+          </a:prstGeom>
+          <a:solidFill>
+            <a:srgbClr val="C9DAF8"/>
+          </a:solidFill>
+          <a:ln w="19050" cap="flat" cmpd="sng">
+            <a:solidFill>
+              <a:srgbClr val="C9DAF8"/>
+            </a:solidFill>
+            <a:prstDash val="solid"/>
+            <a:round/>
+            <a:headEnd type="none" w="med" len="med"/>
+            <a:tailEnd type="none" w="med" len="med"/>
+          </a:ln>
+        </p:spPr>
+        <p:txBody>
+          <a:bodyPr lIns="91425" tIns="91425" rIns="91425" bIns="91425" anchor="ctr" anchorCtr="0">
+            <a:noAutofit/>
+          </a:bodyPr>
+          <a:lstStyle/>
+          <a:p>
+            <a:pPr lvl="0" rtl="0">
+              <a:spcBef>
+                <a:spcPts val="0"/>
+              </a:spcBef>
+              <a:buNone/>
+            </a:pPr>
+            <a:r>
+              <a:rPr lang="en-US" dirty="0"/>
+              <a:t>Cancel</a:t>
+            </a:r>
+            <a:endParaRPr lang="en" dirty="0"/>
+          </a:p>
+        </p:txBody>
+      </p:sp>
+      <p:sp>
+        <p:nvSpPr>
+          <p:cNvPr id="92" name="Shape 686"/>
+          <p:cNvSpPr txBox="1"/>
+          <p:nvPr/>
+        </p:nvSpPr>
+        <p:spPr>
+          <a:xfrm>
+            <a:off x="5487364" y="558825"/>
+            <a:ext cx="1422900" cy="342900"/>
+          </a:xfrm>
+          <a:prstGeom prst="rect">
+            <a:avLst/>
+          </a:prstGeom>
+          <a:noFill/>
+          <a:ln w="9525" cap="flat" cmpd="sng">
+            <a:solidFill>
+              <a:srgbClr val="000000"/>
+            </a:solidFill>
+            <a:prstDash val="solid"/>
+            <a:round/>
+            <a:headEnd type="none" w="med" len="med"/>
+            <a:tailEnd type="none" w="med" len="med"/>
+          </a:ln>
+        </p:spPr>
+        <p:txBody>
+          <a:bodyPr lIns="91425" tIns="91425" rIns="91425" bIns="91425" anchor="ctr" anchorCtr="0">
+            <a:noAutofit/>
+          </a:bodyPr>
+          <a:lstStyle/>
+          <a:p>
+            <a:pPr lvl="0" algn="ctr" rtl="0">
+              <a:spcBef>
+                <a:spcPts val="0"/>
+              </a:spcBef>
+              <a:buNone/>
+            </a:pPr>
+            <a:r>
+              <a:rPr lang="en" dirty="0">
+                <a:solidFill>
+                  <a:srgbClr val="073763"/>
+                </a:solidFill>
+              </a:rPr>
+              <a:t>Hi, John Doe</a:t>
+            </a:r>
+          </a:p>
+        </p:txBody>
+      </p:sp>
+      <p:sp>
+        <p:nvSpPr>
+          <p:cNvPr id="93" name="Shape 686"/>
+          <p:cNvSpPr txBox="1"/>
+          <p:nvPr/>
+        </p:nvSpPr>
+        <p:spPr>
+          <a:xfrm>
+            <a:off x="6948062" y="556477"/>
+            <a:ext cx="1422900" cy="342900"/>
+          </a:xfrm>
+          <a:prstGeom prst="rect">
+            <a:avLst/>
+          </a:prstGeom>
+          <a:noFill/>
+          <a:ln w="9525" cap="flat" cmpd="sng">
+            <a:solidFill>
+              <a:srgbClr val="000000"/>
+            </a:solidFill>
+            <a:prstDash val="solid"/>
+            <a:round/>
+            <a:headEnd type="none" w="med" len="med"/>
+            <a:tailEnd type="none" w="med" len="med"/>
+          </a:ln>
+        </p:spPr>
+        <p:txBody>
+          <a:bodyPr lIns="91425" tIns="91425" rIns="91425" bIns="91425" anchor="ctr" anchorCtr="0">
+            <a:noAutofit/>
+          </a:bodyPr>
+          <a:lstStyle/>
+          <a:p>
+            <a:pPr lvl="0" algn="ctr" rtl="0">
+              <a:spcBef>
+                <a:spcPts val="0"/>
+              </a:spcBef>
+              <a:buNone/>
+            </a:pPr>
+            <a:r>
+              <a:rPr lang="en-US" dirty="0">
+                <a:solidFill>
+                  <a:srgbClr val="073763"/>
+                </a:solidFill>
+              </a:rPr>
+              <a:t>Logout</a:t>
+            </a:r>
+            <a:endParaRPr lang="en" dirty="0">
+              <a:solidFill>
+                <a:srgbClr val="073763"/>
+              </a:solidFill>
+            </a:endParaRPr>
+          </a:p>
+        </p:txBody>
+      </p:sp>
+    </p:spTree>
+    <p:extLst>
+      <p:ext uri="{BB962C8B-B14F-4D97-AF65-F5344CB8AC3E}">
+        <p14:creationId xmlns:p14="http://schemas.microsoft.com/office/powerpoint/2010/main" val="668348199"/>
+      </p:ext>
+    </p:extLst>
   </p:cSld>
   <p:clrMapOvr>
     <a:masterClrMapping/>
